--- a/第1回/C++入門講座-1.pptx
+++ b/第1回/C++入門講座-1.pptx
@@ -6,25 +6,26 @@
   </p:sldMasterIdLst>
   <p:sldIdLst>
     <p:sldId id="256" r:id="rId2"/>
-    <p:sldId id="257" r:id="rId3"/>
-    <p:sldId id="261" r:id="rId4"/>
-    <p:sldId id="259" r:id="rId5"/>
-    <p:sldId id="260" r:id="rId6"/>
-    <p:sldId id="262" r:id="rId7"/>
-    <p:sldId id="263" r:id="rId8"/>
-    <p:sldId id="264" r:id="rId9"/>
-    <p:sldId id="265" r:id="rId10"/>
-    <p:sldId id="266" r:id="rId11"/>
-    <p:sldId id="267" r:id="rId12"/>
-    <p:sldId id="268" r:id="rId13"/>
-    <p:sldId id="274" r:id="rId14"/>
-    <p:sldId id="269" r:id="rId15"/>
-    <p:sldId id="270" r:id="rId16"/>
-    <p:sldId id="271" r:id="rId17"/>
-    <p:sldId id="275" r:id="rId18"/>
-    <p:sldId id="272" r:id="rId19"/>
-    <p:sldId id="273" r:id="rId20"/>
-    <p:sldId id="276" r:id="rId21"/>
+    <p:sldId id="277" r:id="rId3"/>
+    <p:sldId id="257" r:id="rId4"/>
+    <p:sldId id="261" r:id="rId5"/>
+    <p:sldId id="259" r:id="rId6"/>
+    <p:sldId id="260" r:id="rId7"/>
+    <p:sldId id="262" r:id="rId8"/>
+    <p:sldId id="263" r:id="rId9"/>
+    <p:sldId id="264" r:id="rId10"/>
+    <p:sldId id="265" r:id="rId11"/>
+    <p:sldId id="266" r:id="rId12"/>
+    <p:sldId id="267" r:id="rId13"/>
+    <p:sldId id="268" r:id="rId14"/>
+    <p:sldId id="274" r:id="rId15"/>
+    <p:sldId id="269" r:id="rId16"/>
+    <p:sldId id="270" r:id="rId17"/>
+    <p:sldId id="271" r:id="rId18"/>
+    <p:sldId id="275" r:id="rId19"/>
+    <p:sldId id="272" r:id="rId20"/>
+    <p:sldId id="273" r:id="rId21"/>
+    <p:sldId id="276" r:id="rId22"/>
   </p:sldIdLst>
   <p:sldSz cx="12192000" cy="6858000"/>
   <p:notesSz cx="6858000" cy="9144000"/>
@@ -123,12 +124,18 @@
       </a:defRPr>
     </a:lvl9pPr>
   </p:defaultTextStyle>
+  <p:extLst>
+    <p:ext uri="{EFAFB233-063F-42B5-8137-9DF3F51BA10A}">
+      <p15:sldGuideLst xmlns:p15="http://schemas.microsoft.com/office/powerpoint/2012/main"/>
+    </p:ext>
+  </p:extLst>
 </p:presentation>
 </file>
 
 <file path=ppt/revisionInfo.xml><?xml version="1.0" encoding="utf-8"?>
 <p1510:revInfo xmlns:a="http://schemas.openxmlformats.org/drawingml/2006/main" xmlns:r="http://schemas.openxmlformats.org/officeDocument/2006/relationships" xmlns:p1510="http://schemas.microsoft.com/office/powerpoint/2015/10/main">
   <p1510:revLst>
+    <p1510:client id="{520A3917-F2C6-407F-BBBE-5D5EE7D93B3E}" v="12" dt="2022-04-12T18:11:16.054"/>
     <p1510:client id="{52204281-6F95-40E0-86D9-20C8C6CDEEDB}" v="339" dt="2022-04-12T17:42:35.662"/>
   </p1510:revLst>
 </p1510:revInfo>
@@ -136,6 +143,46 @@
 
 <file path=ppt/changesInfos/changesInfo1.xml><?xml version="1.0" encoding="utf-8"?>
 <pc:chgInfo xmlns:a="http://schemas.openxmlformats.org/drawingml/2006/main" xmlns:r="http://schemas.openxmlformats.org/officeDocument/2006/relationships" xmlns:ac="http://schemas.microsoft.com/office/drawing/2013/main/command" xmlns:pc="http://schemas.microsoft.com/office/powerpoint/2013/main/command">
+  <pc:docChgLst>
+    <pc:chgData name="Yuki Nishimura" userId="ffc7ada9-1d15-4a0e-80eb-bbcafa94b896" providerId="ADAL" clId="{520A3917-F2C6-407F-BBBE-5D5EE7D93B3E}"/>
+    <pc:docChg chg="addSld modSld">
+      <pc:chgData name="Yuki Nishimura" userId="ffc7ada9-1d15-4a0e-80eb-bbcafa94b896" providerId="ADAL" clId="{520A3917-F2C6-407F-BBBE-5D5EE7D93B3E}" dt="2022-04-12T18:11:42.402" v="324" actId="1076"/>
+      <pc:docMkLst>
+        <pc:docMk/>
+      </pc:docMkLst>
+      <pc:sldChg chg="addSp modSp new mod">
+        <pc:chgData name="Yuki Nishimura" userId="ffc7ada9-1d15-4a0e-80eb-bbcafa94b896" providerId="ADAL" clId="{520A3917-F2C6-407F-BBBE-5D5EE7D93B3E}" dt="2022-04-12T18:11:42.402" v="324" actId="1076"/>
+        <pc:sldMkLst>
+          <pc:docMk/>
+          <pc:sldMk cId="1741926786" sldId="277"/>
+        </pc:sldMkLst>
+        <pc:spChg chg="mod">
+          <ac:chgData name="Yuki Nishimura" userId="ffc7ada9-1d15-4a0e-80eb-bbcafa94b896" providerId="ADAL" clId="{520A3917-F2C6-407F-BBBE-5D5EE7D93B3E}" dt="2022-04-12T18:09:37.461" v="24"/>
+          <ac:spMkLst>
+            <pc:docMk/>
+            <pc:sldMk cId="1741926786" sldId="277"/>
+            <ac:spMk id="2" creationId="{1DB924C2-6128-4356-BA75-C40B1513BC1A}"/>
+          </ac:spMkLst>
+        </pc:spChg>
+        <pc:spChg chg="mod">
+          <ac:chgData name="Yuki Nishimura" userId="ffc7ada9-1d15-4a0e-80eb-bbcafa94b896" providerId="ADAL" clId="{520A3917-F2C6-407F-BBBE-5D5EE7D93B3E}" dt="2022-04-12T18:10:24.550" v="317"/>
+          <ac:spMkLst>
+            <pc:docMk/>
+            <pc:sldMk cId="1741926786" sldId="277"/>
+            <ac:spMk id="3" creationId="{D4B9F600-868D-49CB-AF98-E7870790376C}"/>
+          </ac:spMkLst>
+        </pc:spChg>
+        <pc:picChg chg="add mod">
+          <ac:chgData name="Yuki Nishimura" userId="ffc7ada9-1d15-4a0e-80eb-bbcafa94b896" providerId="ADAL" clId="{520A3917-F2C6-407F-BBBE-5D5EE7D93B3E}" dt="2022-04-12T18:11:42.402" v="324" actId="1076"/>
+          <ac:picMkLst>
+            <pc:docMk/>
+            <pc:sldMk cId="1741926786" sldId="277"/>
+            <ac:picMk id="5" creationId="{577D8325-06F2-4A96-A59B-90083F21FBAB}"/>
+          </ac:picMkLst>
+        </pc:picChg>
+      </pc:sldChg>
+    </pc:docChg>
+  </pc:docChgLst>
   <pc:docChgLst>
     <pc:chgData name="Yuki Nishimura" userId="ffc7ada9-1d15-4a0e-80eb-bbcafa94b896" providerId="ADAL" clId="{52204281-6F95-40E0-86D9-20C8C6CDEEDB}"/>
     <pc:docChg chg="undo redo custSel addSld delSld modSld sldOrd">
@@ -6913,6 +6960,252 @@
           <p:cNvPr id="2" name="タイトル 1">
             <a:extLst>
               <a:ext uri="{FF2B5EF4-FFF2-40B4-BE49-F238E27FC236}">
+                <a16:creationId xmlns:a16="http://schemas.microsoft.com/office/drawing/2014/main" id="{58E53E00-00A7-4A3B-B54A-11C979702F9C}"/>
+              </a:ext>
+            </a:extLst>
+          </p:cNvPr>
+          <p:cNvSpPr>
+            <a:spLocks noGrp="1"/>
+          </p:cNvSpPr>
+          <p:nvPr>
+            <p:ph type="title"/>
+          </p:nvPr>
+        </p:nvSpPr>
+        <p:spPr/>
+        <p:txBody>
+          <a:bodyPr/>
+          <a:lstStyle/>
+          <a:p>
+            <a:r>
+              <a:rPr kumimoji="1" lang="ja-JP" altLang="en-US" dirty="0"/>
+              <a:t>では早速やっていきましょう</a:t>
+            </a:r>
+          </a:p>
+        </p:txBody>
+      </p:sp>
+      <p:sp>
+        <p:nvSpPr>
+          <p:cNvPr id="3" name="コンテンツ プレースホルダー 2">
+            <a:extLst>
+              <a:ext uri="{FF2B5EF4-FFF2-40B4-BE49-F238E27FC236}">
+                <a16:creationId xmlns:a16="http://schemas.microsoft.com/office/drawing/2014/main" id="{A73E6E66-50EA-4CE3-BCA6-7A03BC294D6B}"/>
+              </a:ext>
+            </a:extLst>
+          </p:cNvPr>
+          <p:cNvSpPr>
+            <a:spLocks noGrp="1"/>
+          </p:cNvSpPr>
+          <p:nvPr>
+            <p:ph idx="1"/>
+          </p:nvPr>
+        </p:nvSpPr>
+        <p:spPr/>
+        <p:txBody>
+          <a:bodyPr/>
+          <a:lstStyle/>
+          <a:p>
+            <a:r>
+              <a:rPr kumimoji="1" lang="ja-JP" altLang="en-US" dirty="0"/>
+              <a:t>と言いたいんですがまずはそのための環境を整えます</a:t>
+            </a:r>
+            <a:endParaRPr kumimoji="1" lang="en-US" altLang="ja-JP" dirty="0"/>
+          </a:p>
+          <a:p>
+            <a:r>
+              <a:rPr lang="en-US" altLang="ja-JP" dirty="0" err="1"/>
+              <a:t>gcc</a:t>
+            </a:r>
+            <a:r>
+              <a:rPr lang="en-US" altLang="ja-JP" dirty="0"/>
+              <a:t>(</a:t>
+            </a:r>
+            <a:r>
+              <a:rPr lang="ja-JP" altLang="en-US" dirty="0"/>
+              <a:t>コンパイラ</a:t>
+            </a:r>
+            <a:r>
+              <a:rPr lang="en-US" altLang="ja-JP" dirty="0"/>
+              <a:t>)</a:t>
+            </a:r>
+            <a:r>
+              <a:rPr lang="ja-JP" altLang="en-US" dirty="0"/>
+              <a:t>のインストール</a:t>
+            </a:r>
+            <a:r>
+              <a:rPr lang="en-US" altLang="ja-JP" dirty="0"/>
+              <a:t>(Win)</a:t>
+            </a:r>
+            <a:endParaRPr lang="en-US" altLang="ja-JP" b="0" i="0" dirty="0">
+              <a:effectLst/>
+              <a:latin typeface="Meiryo" panose="020B0604030504040204" pitchFamily="50" charset="-128"/>
+              <a:ea typeface="Meiryo" panose="020B0604030504040204" pitchFamily="50" charset="-128"/>
+              <a:hlinkClick r:id="rId2"/>
+            </a:endParaRPr>
+          </a:p>
+          <a:p>
+            <a:pPr lvl="1"/>
+            <a:r>
+              <a:rPr lang="en-US" altLang="ja-JP" b="0" i="0" dirty="0">
+                <a:effectLst/>
+                <a:latin typeface="Meiryo" panose="020B0604030504040204" pitchFamily="50" charset="-128"/>
+                <a:ea typeface="Meiryo" panose="020B0604030504040204" pitchFamily="50" charset="-128"/>
+                <a:hlinkClick r:id="rId2"/>
+              </a:rPr>
+              <a:t>MinGW-w64 - for 32 and 64 bit Windows</a:t>
+            </a:r>
+            <a:endParaRPr lang="en-US" altLang="ja-JP" b="0" i="0" dirty="0">
+              <a:effectLst/>
+              <a:latin typeface="Meiryo" panose="020B0604030504040204" pitchFamily="50" charset="-128"/>
+              <a:ea typeface="Meiryo" panose="020B0604030504040204" pitchFamily="50" charset="-128"/>
+            </a:endParaRPr>
+          </a:p>
+          <a:p>
+            <a:pPr lvl="1"/>
+            <a:r>
+              <a:rPr kumimoji="1" lang="en-US" altLang="ja-JP" dirty="0">
+                <a:latin typeface="Meiryo" panose="020B0604030504040204" pitchFamily="50" charset="-128"/>
+                <a:ea typeface="Meiryo" panose="020B0604030504040204" pitchFamily="50" charset="-128"/>
+              </a:rPr>
+              <a:t>OS</a:t>
+            </a:r>
+            <a:r>
+              <a:rPr kumimoji="1" lang="ja-JP" altLang="en-US" dirty="0">
+                <a:latin typeface="Meiryo" panose="020B0604030504040204" pitchFamily="50" charset="-128"/>
+                <a:ea typeface="Meiryo" panose="020B0604030504040204" pitchFamily="50" charset="-128"/>
+              </a:rPr>
+              <a:t>が</a:t>
+            </a:r>
+            <a:r>
+              <a:rPr kumimoji="1" lang="en-US" altLang="ja-JP" dirty="0">
+                <a:latin typeface="Meiryo" panose="020B0604030504040204" pitchFamily="50" charset="-128"/>
+                <a:ea typeface="Meiryo" panose="020B0604030504040204" pitchFamily="50" charset="-128"/>
+              </a:rPr>
+              <a:t>64bit</a:t>
+            </a:r>
+            <a:r>
+              <a:rPr kumimoji="1" lang="ja-JP" altLang="en-US" dirty="0">
+                <a:latin typeface="Meiryo" panose="020B0604030504040204" pitchFamily="50" charset="-128"/>
+                <a:ea typeface="Meiryo" panose="020B0604030504040204" pitchFamily="50" charset="-128"/>
+              </a:rPr>
+              <a:t>の場合は</a:t>
+            </a:r>
+            <a:r>
+              <a:rPr kumimoji="1" lang="en-US" altLang="ja-JP" dirty="0">
+                <a:latin typeface="Meiryo" panose="020B0604030504040204" pitchFamily="50" charset="-128"/>
+                <a:ea typeface="Meiryo" panose="020B0604030504040204" pitchFamily="50" charset="-128"/>
+              </a:rPr>
+              <a:t>x86_64</a:t>
+            </a:r>
+            <a:r>
+              <a:rPr kumimoji="1" lang="ja-JP" altLang="en-US" dirty="0">
+                <a:latin typeface="Meiryo" panose="020B0604030504040204" pitchFamily="50" charset="-128"/>
+                <a:ea typeface="Meiryo" panose="020B0604030504040204" pitchFamily="50" charset="-128"/>
+              </a:rPr>
+              <a:t>、</a:t>
+            </a:r>
+            <a:r>
+              <a:rPr kumimoji="1" lang="en-US" altLang="ja-JP" dirty="0">
+                <a:latin typeface="Meiryo" panose="020B0604030504040204" pitchFamily="50" charset="-128"/>
+                <a:ea typeface="Meiryo" panose="020B0604030504040204" pitchFamily="50" charset="-128"/>
+              </a:rPr>
+              <a:t>32bit</a:t>
+            </a:r>
+            <a:r>
+              <a:rPr kumimoji="1" lang="ja-JP" altLang="en-US" dirty="0">
+                <a:latin typeface="Meiryo" panose="020B0604030504040204" pitchFamily="50" charset="-128"/>
+                <a:ea typeface="Meiryo" panose="020B0604030504040204" pitchFamily="50" charset="-128"/>
+              </a:rPr>
+              <a:t>のばあいは</a:t>
+            </a:r>
+            <a:r>
+              <a:rPr kumimoji="1" lang="en-US" altLang="ja-JP" dirty="0">
+                <a:latin typeface="Meiryo" panose="020B0604030504040204" pitchFamily="50" charset="-128"/>
+                <a:ea typeface="Meiryo" panose="020B0604030504040204" pitchFamily="50" charset="-128"/>
+              </a:rPr>
+              <a:t>i686</a:t>
+            </a:r>
+            <a:r>
+              <a:rPr kumimoji="1" lang="ja-JP" altLang="en-US" dirty="0">
+                <a:latin typeface="Meiryo" panose="020B0604030504040204" pitchFamily="50" charset="-128"/>
+                <a:ea typeface="Meiryo" panose="020B0604030504040204" pitchFamily="50" charset="-128"/>
+              </a:rPr>
+              <a:t>を選択</a:t>
+            </a:r>
+            <a:endParaRPr lang="en-US" altLang="ja-JP" dirty="0">
+              <a:latin typeface="Meiryo" panose="020B0604030504040204" pitchFamily="50" charset="-128"/>
+              <a:ea typeface="Meiryo" panose="020B0604030504040204" pitchFamily="50" charset="-128"/>
+            </a:endParaRPr>
+          </a:p>
+          <a:p>
+            <a:r>
+              <a:rPr kumimoji="1" lang="en-US" altLang="ja-JP" dirty="0" err="1">
+                <a:latin typeface="Meiryo" panose="020B0604030504040204" pitchFamily="50" charset="-128"/>
+                <a:ea typeface="Meiryo" panose="020B0604030504040204" pitchFamily="50" charset="-128"/>
+              </a:rPr>
+              <a:t>VSCode</a:t>
+            </a:r>
+            <a:r>
+              <a:rPr kumimoji="1" lang="ja-JP" altLang="en-US" dirty="0">
+                <a:latin typeface="Meiryo" panose="020B0604030504040204" pitchFamily="50" charset="-128"/>
+                <a:ea typeface="Meiryo" panose="020B0604030504040204" pitchFamily="50" charset="-128"/>
+              </a:rPr>
+              <a:t>もインストールしておきましょう</a:t>
+            </a:r>
+            <a:endParaRPr kumimoji="1" lang="en-US" altLang="ja-JP" dirty="0">
+              <a:latin typeface="Meiryo" panose="020B0604030504040204" pitchFamily="50" charset="-128"/>
+              <a:ea typeface="Meiryo" panose="020B0604030504040204" pitchFamily="50" charset="-128"/>
+            </a:endParaRPr>
+          </a:p>
+          <a:p>
+            <a:pPr lvl="1"/>
+            <a:r>
+              <a:rPr kumimoji="1" lang="en-US" altLang="ja-JP" dirty="0">
+                <a:latin typeface="Meiryo" panose="020B0604030504040204" pitchFamily="50" charset="-128"/>
+                <a:ea typeface="Meiryo" panose="020B0604030504040204" pitchFamily="50" charset="-128"/>
+              </a:rPr>
+              <a:t>https://code.visualstudio.com/download</a:t>
+            </a:r>
+          </a:p>
+          <a:p>
+            <a:endParaRPr kumimoji="1" lang="ja-JP" altLang="en-US" dirty="0"/>
+          </a:p>
+        </p:txBody>
+      </p:sp>
+    </p:spTree>
+    <p:extLst>
+      <p:ext uri="{BB962C8B-B14F-4D97-AF65-F5344CB8AC3E}">
+        <p14:creationId xmlns:p14="http://schemas.microsoft.com/office/powerpoint/2010/main" val="4186084159"/>
+      </p:ext>
+    </p:extLst>
+  </p:cSld>
+  <p:clrMapOvr>
+    <a:masterClrMapping/>
+  </p:clrMapOvr>
+</p:sld>
+</file>
+
+<file path=ppt/slides/slide11.xml><?xml version="1.0" encoding="utf-8"?>
+<p:sld xmlns:a="http://schemas.openxmlformats.org/drawingml/2006/main" xmlns:r="http://schemas.openxmlformats.org/officeDocument/2006/relationships" xmlns:p="http://schemas.openxmlformats.org/presentationml/2006/main">
+  <p:cSld>
+    <p:spTree>
+      <p:nvGrpSpPr>
+        <p:cNvPr id="1" name=""/>
+        <p:cNvGrpSpPr/>
+        <p:nvPr/>
+      </p:nvGrpSpPr>
+      <p:grpSpPr>
+        <a:xfrm>
+          <a:off x="0" y="0"/>
+          <a:ext cx="0" cy="0"/>
+          <a:chOff x="0" y="0"/>
+          <a:chExt cx="0" cy="0"/>
+        </a:xfrm>
+      </p:grpSpPr>
+      <p:sp>
+        <p:nvSpPr>
+          <p:cNvPr id="2" name="タイトル 1">
+            <a:extLst>
+              <a:ext uri="{FF2B5EF4-FFF2-40B4-BE49-F238E27FC236}">
                 <a16:creationId xmlns:a16="http://schemas.microsoft.com/office/drawing/2014/main" id="{735B541F-1892-416A-9709-2FB8E3222A45}"/>
               </a:ext>
             </a:extLst>
@@ -7111,155 +7404,6 @@
 </p:sld>
 </file>
 
-<file path=ppt/slides/slide11.xml><?xml version="1.0" encoding="utf-8"?>
-<p:sld xmlns:a="http://schemas.openxmlformats.org/drawingml/2006/main" xmlns:r="http://schemas.openxmlformats.org/officeDocument/2006/relationships" xmlns:p="http://schemas.openxmlformats.org/presentationml/2006/main">
-  <p:cSld>
-    <p:spTree>
-      <p:nvGrpSpPr>
-        <p:cNvPr id="1" name=""/>
-        <p:cNvGrpSpPr/>
-        <p:nvPr/>
-      </p:nvGrpSpPr>
-      <p:grpSpPr>
-        <a:xfrm>
-          <a:off x="0" y="0"/>
-          <a:ext cx="0" cy="0"/>
-          <a:chOff x="0" y="0"/>
-          <a:chExt cx="0" cy="0"/>
-        </a:xfrm>
-      </p:grpSpPr>
-      <p:sp>
-        <p:nvSpPr>
-          <p:cNvPr id="2" name="タイトル 1">
-            <a:extLst>
-              <a:ext uri="{FF2B5EF4-FFF2-40B4-BE49-F238E27FC236}">
-                <a16:creationId xmlns:a16="http://schemas.microsoft.com/office/drawing/2014/main" id="{D6E241A8-25F2-4FD9-BD0E-A7F68BD7E77B}"/>
-              </a:ext>
-            </a:extLst>
-          </p:cNvPr>
-          <p:cNvSpPr>
-            <a:spLocks noGrp="1"/>
-          </p:cNvSpPr>
-          <p:nvPr>
-            <p:ph type="title"/>
-          </p:nvPr>
-        </p:nvSpPr>
-        <p:spPr/>
-        <p:txBody>
-          <a:bodyPr/>
-          <a:lstStyle/>
-          <a:p>
-            <a:r>
-              <a:rPr kumimoji="1" lang="en-US" altLang="ja-JP" dirty="0" err="1"/>
-              <a:t>VSCode</a:t>
-            </a:r>
-            <a:r>
-              <a:rPr kumimoji="1" lang="ja-JP" altLang="en-US" dirty="0"/>
-              <a:t>の拡張機能</a:t>
-            </a:r>
-          </a:p>
-        </p:txBody>
-      </p:sp>
-      <p:sp>
-        <p:nvSpPr>
-          <p:cNvPr id="3" name="コンテンツ プレースホルダー 2">
-            <a:extLst>
-              <a:ext uri="{FF2B5EF4-FFF2-40B4-BE49-F238E27FC236}">
-                <a16:creationId xmlns:a16="http://schemas.microsoft.com/office/drawing/2014/main" id="{ECA6157F-BBC3-46CD-A9ED-081AA98FE596}"/>
-              </a:ext>
-            </a:extLst>
-          </p:cNvPr>
-          <p:cNvSpPr>
-            <a:spLocks noGrp="1"/>
-          </p:cNvSpPr>
-          <p:nvPr>
-            <p:ph idx="1"/>
-          </p:nvPr>
-        </p:nvSpPr>
-        <p:spPr>
-          <a:xfrm>
-            <a:off x="677333" y="2160589"/>
-            <a:ext cx="10089627" cy="3880773"/>
-          </a:xfrm>
-        </p:spPr>
-        <p:txBody>
-          <a:bodyPr/>
-          <a:lstStyle/>
-          <a:p>
-            <a:r>
-              <a:rPr kumimoji="1" lang="en-US" altLang="ja-JP" dirty="0"/>
-              <a:t>C/C++</a:t>
-            </a:r>
-          </a:p>
-          <a:p>
-            <a:r>
-              <a:rPr lang="en-US" altLang="ja-JP" dirty="0"/>
-              <a:t>Code Runner</a:t>
-            </a:r>
-          </a:p>
-          <a:p>
-            <a:r>
-              <a:rPr lang="en-US" altLang="ja-JP" dirty="0"/>
-              <a:t>Japanese Language Pack for Visual Studio Code</a:t>
-            </a:r>
-          </a:p>
-          <a:p>
-            <a:endParaRPr lang="en-US" altLang="ja-JP" dirty="0"/>
-          </a:p>
-          <a:p>
-            <a:r>
-              <a:rPr lang="ja-JP" altLang="en-US" dirty="0"/>
-              <a:t>左下の設定からコマンドパレットから「</a:t>
-            </a:r>
-            <a:r>
-              <a:rPr lang="en-US" altLang="ja-JP" dirty="0"/>
-              <a:t>UI</a:t>
-            </a:r>
-            <a:r>
-              <a:rPr lang="ja-JP" altLang="en-US" dirty="0"/>
-              <a:t>」と入力して</a:t>
-            </a:r>
-            <a:r>
-              <a:rPr lang="en-US" altLang="ja-JP" dirty="0"/>
-              <a:t>C/C++ Configurations</a:t>
-            </a:r>
-            <a:r>
-              <a:rPr lang="ja-JP" altLang="en-US" dirty="0"/>
-              <a:t>を開く</a:t>
-            </a:r>
-            <a:endParaRPr lang="en-US" altLang="ja-JP" dirty="0"/>
-          </a:p>
-          <a:p>
-            <a:pPr lvl="1"/>
-            <a:r>
-              <a:rPr lang="ja-JP" altLang="en-US" dirty="0"/>
-              <a:t>コンパイラパスに</a:t>
-            </a:r>
-            <a:r>
-              <a:rPr lang="en-US" altLang="ja-JP" dirty="0"/>
-              <a:t>/bin/gcc.exe</a:t>
-            </a:r>
-            <a:r>
-              <a:rPr lang="ja-JP" altLang="en-US" dirty="0"/>
-              <a:t>を入力</a:t>
-            </a:r>
-            <a:endParaRPr lang="en-US" altLang="ja-JP" dirty="0"/>
-          </a:p>
-        </p:txBody>
-      </p:sp>
-    </p:spTree>
-    <p:extLst>
-      <p:ext uri="{BB962C8B-B14F-4D97-AF65-F5344CB8AC3E}">
-        <p14:creationId xmlns:p14="http://schemas.microsoft.com/office/powerpoint/2010/main" val="847510545"/>
-      </p:ext>
-    </p:extLst>
-  </p:cSld>
-  <p:clrMapOvr>
-    <a:masterClrMapping/>
-  </p:clrMapOvr>
-</p:sld>
-</file>
-
 <file path=ppt/slides/slide12.xml><?xml version="1.0" encoding="utf-8"?>
 <p:sld xmlns:a="http://schemas.openxmlformats.org/drawingml/2006/main" xmlns:r="http://schemas.openxmlformats.org/officeDocument/2006/relationships" xmlns:p="http://schemas.openxmlformats.org/presentationml/2006/main">
   <p:cSld>
@@ -7282,6 +7426,155 @@
           <p:cNvPr id="2" name="タイトル 1">
             <a:extLst>
               <a:ext uri="{FF2B5EF4-FFF2-40B4-BE49-F238E27FC236}">
+                <a16:creationId xmlns:a16="http://schemas.microsoft.com/office/drawing/2014/main" id="{D6E241A8-25F2-4FD9-BD0E-A7F68BD7E77B}"/>
+              </a:ext>
+            </a:extLst>
+          </p:cNvPr>
+          <p:cNvSpPr>
+            <a:spLocks noGrp="1"/>
+          </p:cNvSpPr>
+          <p:nvPr>
+            <p:ph type="title"/>
+          </p:nvPr>
+        </p:nvSpPr>
+        <p:spPr/>
+        <p:txBody>
+          <a:bodyPr/>
+          <a:lstStyle/>
+          <a:p>
+            <a:r>
+              <a:rPr kumimoji="1" lang="en-US" altLang="ja-JP" dirty="0" err="1"/>
+              <a:t>VSCode</a:t>
+            </a:r>
+            <a:r>
+              <a:rPr kumimoji="1" lang="ja-JP" altLang="en-US" dirty="0"/>
+              <a:t>の拡張機能</a:t>
+            </a:r>
+          </a:p>
+        </p:txBody>
+      </p:sp>
+      <p:sp>
+        <p:nvSpPr>
+          <p:cNvPr id="3" name="コンテンツ プレースホルダー 2">
+            <a:extLst>
+              <a:ext uri="{FF2B5EF4-FFF2-40B4-BE49-F238E27FC236}">
+                <a16:creationId xmlns:a16="http://schemas.microsoft.com/office/drawing/2014/main" id="{ECA6157F-BBC3-46CD-A9ED-081AA98FE596}"/>
+              </a:ext>
+            </a:extLst>
+          </p:cNvPr>
+          <p:cNvSpPr>
+            <a:spLocks noGrp="1"/>
+          </p:cNvSpPr>
+          <p:nvPr>
+            <p:ph idx="1"/>
+          </p:nvPr>
+        </p:nvSpPr>
+        <p:spPr>
+          <a:xfrm>
+            <a:off x="677333" y="2160589"/>
+            <a:ext cx="10089627" cy="3880773"/>
+          </a:xfrm>
+        </p:spPr>
+        <p:txBody>
+          <a:bodyPr/>
+          <a:lstStyle/>
+          <a:p>
+            <a:r>
+              <a:rPr kumimoji="1" lang="en-US" altLang="ja-JP" dirty="0"/>
+              <a:t>C/C++</a:t>
+            </a:r>
+          </a:p>
+          <a:p>
+            <a:r>
+              <a:rPr lang="en-US" altLang="ja-JP" dirty="0"/>
+              <a:t>Code Runner</a:t>
+            </a:r>
+          </a:p>
+          <a:p>
+            <a:r>
+              <a:rPr lang="en-US" altLang="ja-JP" dirty="0"/>
+              <a:t>Japanese Language Pack for Visual Studio Code</a:t>
+            </a:r>
+          </a:p>
+          <a:p>
+            <a:endParaRPr lang="en-US" altLang="ja-JP" dirty="0"/>
+          </a:p>
+          <a:p>
+            <a:r>
+              <a:rPr lang="ja-JP" altLang="en-US" dirty="0"/>
+              <a:t>左下の設定からコマンドパレットから「</a:t>
+            </a:r>
+            <a:r>
+              <a:rPr lang="en-US" altLang="ja-JP" dirty="0"/>
+              <a:t>UI</a:t>
+            </a:r>
+            <a:r>
+              <a:rPr lang="ja-JP" altLang="en-US" dirty="0"/>
+              <a:t>」と入力して</a:t>
+            </a:r>
+            <a:r>
+              <a:rPr lang="en-US" altLang="ja-JP" dirty="0"/>
+              <a:t>C/C++ Configurations</a:t>
+            </a:r>
+            <a:r>
+              <a:rPr lang="ja-JP" altLang="en-US" dirty="0"/>
+              <a:t>を開く</a:t>
+            </a:r>
+            <a:endParaRPr lang="en-US" altLang="ja-JP" dirty="0"/>
+          </a:p>
+          <a:p>
+            <a:pPr lvl="1"/>
+            <a:r>
+              <a:rPr lang="ja-JP" altLang="en-US" dirty="0"/>
+              <a:t>コンパイラパスに</a:t>
+            </a:r>
+            <a:r>
+              <a:rPr lang="en-US" altLang="ja-JP" dirty="0"/>
+              <a:t>/bin/gcc.exe</a:t>
+            </a:r>
+            <a:r>
+              <a:rPr lang="ja-JP" altLang="en-US" dirty="0"/>
+              <a:t>を入力</a:t>
+            </a:r>
+            <a:endParaRPr lang="en-US" altLang="ja-JP" dirty="0"/>
+          </a:p>
+        </p:txBody>
+      </p:sp>
+    </p:spTree>
+    <p:extLst>
+      <p:ext uri="{BB962C8B-B14F-4D97-AF65-F5344CB8AC3E}">
+        <p14:creationId xmlns:p14="http://schemas.microsoft.com/office/powerpoint/2010/main" val="847510545"/>
+      </p:ext>
+    </p:extLst>
+  </p:cSld>
+  <p:clrMapOvr>
+    <a:masterClrMapping/>
+  </p:clrMapOvr>
+</p:sld>
+</file>
+
+<file path=ppt/slides/slide13.xml><?xml version="1.0" encoding="utf-8"?>
+<p:sld xmlns:a="http://schemas.openxmlformats.org/drawingml/2006/main" xmlns:r="http://schemas.openxmlformats.org/officeDocument/2006/relationships" xmlns:p="http://schemas.openxmlformats.org/presentationml/2006/main">
+  <p:cSld>
+    <p:spTree>
+      <p:nvGrpSpPr>
+        <p:cNvPr id="1" name=""/>
+        <p:cNvGrpSpPr/>
+        <p:nvPr/>
+      </p:nvGrpSpPr>
+      <p:grpSpPr>
+        <a:xfrm>
+          <a:off x="0" y="0"/>
+          <a:ext cx="0" cy="0"/>
+          <a:chOff x="0" y="0"/>
+          <a:chExt cx="0" cy="0"/>
+        </a:xfrm>
+      </p:grpSpPr>
+      <p:sp>
+        <p:nvSpPr>
+          <p:cNvPr id="2" name="タイトル 1">
+            <a:extLst>
+              <a:ext uri="{FF2B5EF4-FFF2-40B4-BE49-F238E27FC236}">
                 <a16:creationId xmlns:a16="http://schemas.microsoft.com/office/drawing/2014/main" id="{FA78C0CA-4206-47B7-8981-B9AB4AFE80CA}"/>
               </a:ext>
             </a:extLst>
@@ -7353,7 +7646,7 @@
 </p:sld>
 </file>
 
-<file path=ppt/slides/slide13.xml><?xml version="1.0" encoding="utf-8"?>
+<file path=ppt/slides/slide14.xml><?xml version="1.0" encoding="utf-8"?>
 <p:sld xmlns:a="http://schemas.openxmlformats.org/drawingml/2006/main" xmlns:r="http://schemas.openxmlformats.org/officeDocument/2006/relationships" xmlns:p="http://schemas.openxmlformats.org/presentationml/2006/main">
   <p:cSld>
     <p:spTree>
@@ -7570,7 +7863,7 @@
 </p:sld>
 </file>
 
-<file path=ppt/slides/slide14.xml><?xml version="1.0" encoding="utf-8"?>
+<file path=ppt/slides/slide15.xml><?xml version="1.0" encoding="utf-8"?>
 <p:sld xmlns:a="http://schemas.openxmlformats.org/drawingml/2006/main" xmlns:r="http://schemas.openxmlformats.org/officeDocument/2006/relationships" xmlns:p="http://schemas.openxmlformats.org/presentationml/2006/main">
   <p:cSld>
     <p:spTree>
@@ -7776,226 +8069,6 @@
 </p:sld>
 </file>
 
-<file path=ppt/slides/slide15.xml><?xml version="1.0" encoding="utf-8"?>
-<p:sld xmlns:a="http://schemas.openxmlformats.org/drawingml/2006/main" xmlns:r="http://schemas.openxmlformats.org/officeDocument/2006/relationships" xmlns:p="http://schemas.openxmlformats.org/presentationml/2006/main">
-  <p:cSld>
-    <p:spTree>
-      <p:nvGrpSpPr>
-        <p:cNvPr id="1" name=""/>
-        <p:cNvGrpSpPr/>
-        <p:nvPr/>
-      </p:nvGrpSpPr>
-      <p:grpSpPr>
-        <a:xfrm>
-          <a:off x="0" y="0"/>
-          <a:ext cx="0" cy="0"/>
-          <a:chOff x="0" y="0"/>
-          <a:chExt cx="0" cy="0"/>
-        </a:xfrm>
-      </p:grpSpPr>
-      <p:sp>
-        <p:nvSpPr>
-          <p:cNvPr id="2" name="タイトル 1">
-            <a:extLst>
-              <a:ext uri="{FF2B5EF4-FFF2-40B4-BE49-F238E27FC236}">
-                <a16:creationId xmlns:a16="http://schemas.microsoft.com/office/drawing/2014/main" id="{3A453586-5B33-474C-839B-4406E759A710}"/>
-              </a:ext>
-            </a:extLst>
-          </p:cNvPr>
-          <p:cNvSpPr>
-            <a:spLocks noGrp="1"/>
-          </p:cNvSpPr>
-          <p:nvPr>
-            <p:ph type="title"/>
-          </p:nvPr>
-        </p:nvSpPr>
-        <p:spPr/>
-        <p:txBody>
-          <a:bodyPr/>
-          <a:lstStyle/>
-          <a:p>
-            <a:r>
-              <a:rPr lang="ja-JP" altLang="en-US" dirty="0"/>
-              <a:t>変数の宣言、代入</a:t>
-            </a:r>
-            <a:br>
-              <a:rPr lang="en-US" altLang="ja-JP" dirty="0"/>
-            </a:br>
-            <a:endParaRPr kumimoji="1" lang="ja-JP" altLang="en-US" dirty="0"/>
-          </a:p>
-        </p:txBody>
-      </p:sp>
-      <p:sp>
-        <p:nvSpPr>
-          <p:cNvPr id="3" name="コンテンツ プレースホルダー 2">
-            <a:extLst>
-              <a:ext uri="{FF2B5EF4-FFF2-40B4-BE49-F238E27FC236}">
-                <a16:creationId xmlns:a16="http://schemas.microsoft.com/office/drawing/2014/main" id="{E7724D41-0F38-4C89-9DC2-C8E84D213411}"/>
-              </a:ext>
-            </a:extLst>
-          </p:cNvPr>
-          <p:cNvSpPr>
-            <a:spLocks noGrp="1"/>
-          </p:cNvSpPr>
-          <p:nvPr>
-            <p:ph idx="1"/>
-          </p:nvPr>
-        </p:nvSpPr>
-        <p:spPr>
-          <a:xfrm>
-            <a:off x="677334" y="2160589"/>
-            <a:ext cx="8596668" cy="5210029"/>
-          </a:xfrm>
-        </p:spPr>
-        <p:txBody>
-          <a:bodyPr>
-            <a:normAutofit/>
-          </a:bodyPr>
-          <a:lstStyle/>
-          <a:p>
-            <a:r>
-              <a:rPr kumimoji="1" lang="ja-JP" altLang="en-US" dirty="0"/>
-              <a:t>変数</a:t>
-            </a:r>
-            <a:r>
-              <a:rPr kumimoji="1" lang="en-US" altLang="ja-JP" dirty="0"/>
-              <a:t>: </a:t>
-            </a:r>
-            <a:r>
-              <a:rPr kumimoji="1" lang="ja-JP" altLang="en-US" dirty="0"/>
-              <a:t>数値や文字を入れるための箱</a:t>
-            </a:r>
-            <a:endParaRPr kumimoji="1" lang="en-US" altLang="ja-JP" dirty="0"/>
-          </a:p>
-          <a:p>
-            <a:endParaRPr lang="en-US" altLang="ja-JP" dirty="0"/>
-          </a:p>
-          <a:p>
-            <a:r>
-              <a:rPr lang="ja-JP" altLang="en-US" dirty="0"/>
-              <a:t>型</a:t>
-            </a:r>
-            <a:r>
-              <a:rPr lang="en-US" altLang="ja-JP" dirty="0"/>
-              <a:t>: </a:t>
-            </a:r>
-            <a:r>
-              <a:rPr lang="ja-JP" altLang="en-US" dirty="0"/>
-              <a:t>数値を入れるのか文字を入れるのか</a:t>
-            </a:r>
-            <a:r>
-              <a:rPr lang="en-US" altLang="ja-JP" dirty="0"/>
-              <a:t>……</a:t>
-            </a:r>
-            <a:r>
-              <a:rPr lang="ja-JP" altLang="en-US" dirty="0"/>
-              <a:t>というのを先に教えてあげなければならない</a:t>
-            </a:r>
-            <a:endParaRPr lang="en-US" altLang="ja-JP" dirty="0"/>
-          </a:p>
-          <a:p>
-            <a:pPr lvl="1"/>
-            <a:r>
-              <a:rPr lang="en-US" altLang="ja-JP" dirty="0"/>
-              <a:t>int: 32bit</a:t>
-            </a:r>
-            <a:r>
-              <a:rPr lang="ja-JP" altLang="en-US" dirty="0"/>
-              <a:t>整数</a:t>
-            </a:r>
-            <a:endParaRPr lang="en-US" altLang="ja-JP" dirty="0"/>
-          </a:p>
-          <a:p>
-            <a:pPr lvl="1"/>
-            <a:r>
-              <a:rPr lang="en-US" altLang="ja-JP" dirty="0"/>
-              <a:t>double: 64bit</a:t>
-            </a:r>
-            <a:r>
-              <a:rPr lang="ja-JP" altLang="en-US" dirty="0"/>
-              <a:t>浮動小数点数</a:t>
-            </a:r>
-            <a:endParaRPr lang="en-US" altLang="ja-JP" dirty="0"/>
-          </a:p>
-          <a:p>
-            <a:pPr lvl="1"/>
-            <a:r>
-              <a:rPr kumimoji="1" lang="en-US" altLang="ja-JP" dirty="0"/>
-              <a:t>char</a:t>
-            </a:r>
-            <a:r>
-              <a:rPr lang="en-US" altLang="ja-JP" dirty="0"/>
-              <a:t>: </a:t>
-            </a:r>
-            <a:r>
-              <a:rPr lang="ja-JP" altLang="en-US" dirty="0"/>
-              <a:t>文字</a:t>
-            </a:r>
-            <a:endParaRPr lang="en-US" altLang="ja-JP" dirty="0"/>
-          </a:p>
-          <a:p>
-            <a:pPr lvl="1"/>
-            <a:r>
-              <a:rPr kumimoji="1" lang="en-US" altLang="ja-JP" dirty="0"/>
-              <a:t>string: </a:t>
-            </a:r>
-            <a:r>
-              <a:rPr kumimoji="1" lang="ja-JP" altLang="en-US" dirty="0"/>
-              <a:t>文字列</a:t>
-            </a:r>
-            <a:endParaRPr kumimoji="1" lang="en-US" altLang="ja-JP" dirty="0"/>
-          </a:p>
-          <a:p>
-            <a:endParaRPr lang="en-US" altLang="ja-JP" dirty="0"/>
-          </a:p>
-          <a:p>
-            <a:r>
-              <a:rPr lang="en-US" altLang="ja-JP" dirty="0"/>
-              <a:t>int ten = 10;</a:t>
-            </a:r>
-          </a:p>
-          <a:p>
-            <a:pPr lvl="1"/>
-            <a:r>
-              <a:rPr kumimoji="1" lang="en-US" altLang="ja-JP" dirty="0"/>
-              <a:t>ten</a:t>
-            </a:r>
-            <a:r>
-              <a:rPr kumimoji="1" lang="ja-JP" altLang="en-US" dirty="0"/>
-              <a:t>という名前の変数に</a:t>
-            </a:r>
-            <a:r>
-              <a:rPr kumimoji="1" lang="en-US" altLang="ja-JP" dirty="0"/>
-              <a:t>10</a:t>
-            </a:r>
-            <a:r>
-              <a:rPr kumimoji="1" lang="ja-JP" altLang="en-US" dirty="0"/>
-              <a:t>を代入</a:t>
-            </a:r>
-            <a:endParaRPr kumimoji="1" lang="en-US" altLang="ja-JP" dirty="0"/>
-          </a:p>
-          <a:p>
-            <a:r>
-              <a:rPr kumimoji="1" lang="en-US" altLang="ja-JP"/>
-              <a:t>int a = b;</a:t>
-            </a:r>
-            <a:endParaRPr kumimoji="1" lang="en-US" altLang="ja-JP" dirty="0"/>
-          </a:p>
-        </p:txBody>
-      </p:sp>
-    </p:spTree>
-    <p:extLst>
-      <p:ext uri="{BB962C8B-B14F-4D97-AF65-F5344CB8AC3E}">
-        <p14:creationId xmlns:p14="http://schemas.microsoft.com/office/powerpoint/2010/main" val="2317315233"/>
-      </p:ext>
-    </p:extLst>
-  </p:cSld>
-  <p:clrMapOvr>
-    <a:masterClrMapping/>
-  </p:clrMapOvr>
-</p:sld>
-</file>
-
 <file path=ppt/slides/slide16.xml><?xml version="1.0" encoding="utf-8"?>
 <p:sld xmlns:a="http://schemas.openxmlformats.org/drawingml/2006/main" xmlns:r="http://schemas.openxmlformats.org/officeDocument/2006/relationships" xmlns:p="http://schemas.openxmlformats.org/presentationml/2006/main">
   <p:cSld>
@@ -8018,7 +8091,7 @@
           <p:cNvPr id="2" name="タイトル 1">
             <a:extLst>
               <a:ext uri="{FF2B5EF4-FFF2-40B4-BE49-F238E27FC236}">
-                <a16:creationId xmlns:a16="http://schemas.microsoft.com/office/drawing/2014/main" id="{85DC0C69-98EB-4196-9D34-8C1EBA1640F7}"/>
+                <a16:creationId xmlns:a16="http://schemas.microsoft.com/office/drawing/2014/main" id="{3A453586-5B33-474C-839B-4406E759A710}"/>
               </a:ext>
             </a:extLst>
           </p:cNvPr>
@@ -8035,9 +8108,13 @@
           <a:lstStyle/>
           <a:p>
             <a:r>
-              <a:rPr kumimoji="1" lang="ja-JP" altLang="en-US" dirty="0"/>
-              <a:t>入出力</a:t>
-            </a:r>
+              <a:rPr lang="ja-JP" altLang="en-US" dirty="0"/>
+              <a:t>変数の宣言、代入</a:t>
+            </a:r>
+            <a:br>
+              <a:rPr lang="en-US" altLang="ja-JP" dirty="0"/>
+            </a:br>
+            <a:endParaRPr kumimoji="1" lang="ja-JP" altLang="en-US" dirty="0"/>
           </a:p>
         </p:txBody>
       </p:sp>
@@ -8046,7 +8123,7 @@
           <p:cNvPr id="3" name="コンテンツ プレースホルダー 2">
             <a:extLst>
               <a:ext uri="{FF2B5EF4-FFF2-40B4-BE49-F238E27FC236}">
-                <a16:creationId xmlns:a16="http://schemas.microsoft.com/office/drawing/2014/main" id="{EACAFF31-3793-405F-BCAD-C009482F8F2D}"/>
+                <a16:creationId xmlns:a16="http://schemas.microsoft.com/office/drawing/2014/main" id="{E7724D41-0F38-4C89-9DC2-C8E84D213411}"/>
               </a:ext>
             </a:extLst>
           </p:cNvPr>
@@ -8057,91 +8134,152 @@
             <p:ph idx="1"/>
           </p:nvPr>
         </p:nvSpPr>
-        <p:spPr/>
-        <p:txBody>
-          <a:bodyPr/>
+        <p:spPr>
+          <a:xfrm>
+            <a:off x="677334" y="2160589"/>
+            <a:ext cx="8596668" cy="5210029"/>
+          </a:xfrm>
+        </p:spPr>
+        <p:txBody>
+          <a:bodyPr>
+            <a:normAutofit/>
+          </a:bodyPr>
           <a:lstStyle/>
           <a:p>
             <a:r>
               <a:rPr kumimoji="1" lang="ja-JP" altLang="en-US" dirty="0"/>
-              <a:t>入力</a:t>
+              <a:t>変数</a:t>
+            </a:r>
+            <a:r>
+              <a:rPr kumimoji="1" lang="en-US" altLang="ja-JP" dirty="0"/>
+              <a:t>: </a:t>
+            </a:r>
+            <a:r>
+              <a:rPr kumimoji="1" lang="ja-JP" altLang="en-US" dirty="0"/>
+              <a:t>数値や文字を入れるための箱</a:t>
             </a:r>
             <a:endParaRPr kumimoji="1" lang="en-US" altLang="ja-JP" dirty="0"/>
           </a:p>
           <a:p>
+            <a:endParaRPr lang="en-US" altLang="ja-JP" dirty="0"/>
+          </a:p>
+          <a:p>
+            <a:r>
+              <a:rPr lang="ja-JP" altLang="en-US" dirty="0"/>
+              <a:t>型</a:t>
+            </a:r>
+            <a:r>
+              <a:rPr lang="en-US" altLang="ja-JP" dirty="0"/>
+              <a:t>: </a:t>
+            </a:r>
+            <a:r>
+              <a:rPr lang="ja-JP" altLang="en-US" dirty="0"/>
+              <a:t>数値を入れるのか文字を入れるのか</a:t>
+            </a:r>
+            <a:r>
+              <a:rPr lang="en-US" altLang="ja-JP" dirty="0"/>
+              <a:t>……</a:t>
+            </a:r>
+            <a:r>
+              <a:rPr lang="ja-JP" altLang="en-US" dirty="0"/>
+              <a:t>というのを先に教えてあげなければならない</a:t>
+            </a:r>
+            <a:endParaRPr lang="en-US" altLang="ja-JP" dirty="0"/>
+          </a:p>
+          <a:p>
             <a:pPr lvl="1"/>
             <a:r>
               <a:rPr lang="en-US" altLang="ja-JP" dirty="0"/>
-              <a:t>std::</a:t>
-            </a:r>
-            <a:r>
-              <a:rPr lang="en-US" altLang="ja-JP" dirty="0" err="1"/>
-              <a:t>cin</a:t>
-            </a:r>
+              <a:t>int: 32bit</a:t>
+            </a:r>
+            <a:r>
+              <a:rPr lang="ja-JP" altLang="en-US" dirty="0"/>
+              <a:t>整数</a:t>
+            </a:r>
+            <a:endParaRPr lang="en-US" altLang="ja-JP" dirty="0"/>
+          </a:p>
+          <a:p>
+            <a:pPr lvl="1"/>
             <a:r>
               <a:rPr lang="en-US" altLang="ja-JP" dirty="0"/>
-              <a:t> &gt;&gt; a;</a:t>
-            </a:r>
-          </a:p>
-          <a:p>
+              <a:t>double: 64bit</a:t>
+            </a:r>
+            <a:r>
+              <a:rPr lang="ja-JP" altLang="en-US" dirty="0"/>
+              <a:t>浮動小数点数</a:t>
+            </a:r>
+            <a:endParaRPr lang="en-US" altLang="ja-JP" dirty="0"/>
+          </a:p>
+          <a:p>
+            <a:pPr lvl="1"/>
+            <a:r>
+              <a:rPr kumimoji="1" lang="en-US" altLang="ja-JP" dirty="0"/>
+              <a:t>char</a:t>
+            </a:r>
+            <a:r>
+              <a:rPr lang="en-US" altLang="ja-JP" dirty="0"/>
+              <a:t>: </a:t>
+            </a:r>
+            <a:r>
+              <a:rPr lang="ja-JP" altLang="en-US" dirty="0"/>
+              <a:t>文字</a:t>
+            </a:r>
+            <a:endParaRPr lang="en-US" altLang="ja-JP" dirty="0"/>
+          </a:p>
+          <a:p>
+            <a:pPr lvl="1"/>
+            <a:r>
+              <a:rPr kumimoji="1" lang="en-US" altLang="ja-JP" dirty="0"/>
+              <a:t>string: </a:t>
+            </a:r>
             <a:r>
               <a:rPr kumimoji="1" lang="ja-JP" altLang="en-US" dirty="0"/>
-              <a:t>出力</a:t>
+              <a:t>文字列</a:t>
             </a:r>
             <a:endParaRPr kumimoji="1" lang="en-US" altLang="ja-JP" dirty="0"/>
           </a:p>
           <a:p>
+            <a:endParaRPr lang="en-US" altLang="ja-JP" dirty="0"/>
+          </a:p>
+          <a:p>
+            <a:r>
+              <a:rPr lang="en-US" altLang="ja-JP" dirty="0"/>
+              <a:t>int ten = 10;</a:t>
+            </a:r>
+          </a:p>
+          <a:p>
             <a:pPr lvl="1"/>
             <a:r>
-              <a:rPr lang="en-US" altLang="ja-JP" dirty="0"/>
-              <a:t>std::</a:t>
-            </a:r>
-            <a:r>
-              <a:rPr kumimoji="1" lang="en-US" altLang="ja-JP" dirty="0" err="1"/>
-              <a:t>cout</a:t>
-            </a:r>
-            <a:r>
               <a:rPr kumimoji="1" lang="en-US" altLang="ja-JP" dirty="0"/>
-              <a:t> </a:t>
-            </a:r>
-            <a:r>
-              <a:rPr lang="en-US" altLang="ja-JP" dirty="0"/>
-              <a:t>&lt;&lt; a;</a:t>
-            </a:r>
-          </a:p>
-          <a:p>
-            <a:pPr lvl="1"/>
+              <a:t>ten</a:t>
+            </a:r>
+            <a:r>
+              <a:rPr kumimoji="1" lang="ja-JP" altLang="en-US" dirty="0"/>
+              <a:t>という名前の変数に</a:t>
+            </a:r>
+            <a:r>
+              <a:rPr kumimoji="1" lang="en-US" altLang="ja-JP" dirty="0"/>
+              <a:t>10</a:t>
+            </a:r>
+            <a:r>
+              <a:rPr kumimoji="1" lang="ja-JP" altLang="en-US" dirty="0"/>
+              <a:t>を代入</a:t>
+            </a:r>
             <a:endParaRPr kumimoji="1" lang="en-US" altLang="ja-JP" dirty="0"/>
           </a:p>
           <a:p>
             <a:r>
-              <a:rPr lang="ja-JP" altLang="en-US" dirty="0"/>
-              <a:t>つなげることもできます</a:t>
-            </a:r>
-            <a:endParaRPr lang="en-US" altLang="ja-JP" dirty="0"/>
-          </a:p>
-          <a:p>
-            <a:pPr lvl="1"/>
-            <a:r>
-              <a:rPr lang="en-US" altLang="ja-JP" dirty="0"/>
-              <a:t>std::</a:t>
-            </a:r>
-            <a:r>
-              <a:rPr lang="en-US" altLang="ja-JP" dirty="0" err="1"/>
-              <a:t>cin</a:t>
-            </a:r>
-            <a:r>
-              <a:rPr lang="en-US" altLang="ja-JP" dirty="0"/>
-              <a:t> &gt;&gt; a &gt;&gt; b &gt;&gt; c;</a:t>
-            </a:r>
-            <a:endParaRPr kumimoji="1" lang="ja-JP" altLang="en-US" dirty="0"/>
+              <a:rPr kumimoji="1" lang="en-US" altLang="ja-JP"/>
+              <a:t>int a = b;</a:t>
+            </a:r>
+            <a:endParaRPr kumimoji="1" lang="en-US" altLang="ja-JP" dirty="0"/>
           </a:p>
         </p:txBody>
       </p:sp>
     </p:spTree>
     <p:extLst>
       <p:ext uri="{BB962C8B-B14F-4D97-AF65-F5344CB8AC3E}">
-        <p14:creationId xmlns:p14="http://schemas.microsoft.com/office/powerpoint/2010/main" val="1957951251"/>
+        <p14:creationId xmlns:p14="http://schemas.microsoft.com/office/powerpoint/2010/main" val="2317315233"/>
       </p:ext>
     </p:extLst>
   </p:cSld>
@@ -8173,7 +8311,7 @@
           <p:cNvPr id="2" name="タイトル 1">
             <a:extLst>
               <a:ext uri="{FF2B5EF4-FFF2-40B4-BE49-F238E27FC236}">
-                <a16:creationId xmlns:a16="http://schemas.microsoft.com/office/drawing/2014/main" id="{5F0233E8-E196-4479-9C4F-1C4861D34B8C}"/>
+                <a16:creationId xmlns:a16="http://schemas.microsoft.com/office/drawing/2014/main" id="{85DC0C69-98EB-4196-9D34-8C1EBA1640F7}"/>
               </a:ext>
             </a:extLst>
           </p:cNvPr>
@@ -8190,10 +8328,9 @@
           <a:lstStyle/>
           <a:p>
             <a:r>
-              <a:rPr kumimoji="1" lang="en-US" altLang="ja-JP" dirty="0"/>
-              <a:t>using namespace std;</a:t>
-            </a:r>
-            <a:endParaRPr kumimoji="1" lang="ja-JP" altLang="en-US" dirty="0"/>
+              <a:rPr kumimoji="1" lang="ja-JP" altLang="en-US" dirty="0"/>
+              <a:t>入出力</a:t>
+            </a:r>
           </a:p>
         </p:txBody>
       </p:sp>
@@ -8202,7 +8339,7 @@
           <p:cNvPr id="3" name="コンテンツ プレースホルダー 2">
             <a:extLst>
               <a:ext uri="{FF2B5EF4-FFF2-40B4-BE49-F238E27FC236}">
-                <a16:creationId xmlns:a16="http://schemas.microsoft.com/office/drawing/2014/main" id="{58E097CE-E45E-4E11-A917-89A62132B847}"/>
+                <a16:creationId xmlns:a16="http://schemas.microsoft.com/office/drawing/2014/main" id="{EACAFF31-3793-405F-BCAD-C009482F8F2D}"/>
               </a:ext>
             </a:extLst>
           </p:cNvPr>
@@ -8220,36 +8357,84 @@
           <a:p>
             <a:r>
               <a:rPr kumimoji="1" lang="ja-JP" altLang="en-US" dirty="0"/>
-              <a:t>毎回毎回</a:t>
+              <a:t>入力</a:t>
+            </a:r>
+            <a:endParaRPr kumimoji="1" lang="en-US" altLang="ja-JP" dirty="0"/>
+          </a:p>
+          <a:p>
+            <a:pPr lvl="1"/>
+            <a:r>
+              <a:rPr lang="en-US" altLang="ja-JP" dirty="0"/>
+              <a:t>std::</a:t>
+            </a:r>
+            <a:r>
+              <a:rPr lang="en-US" altLang="ja-JP" dirty="0" err="1"/>
+              <a:t>cin</a:t>
+            </a:r>
+            <a:r>
+              <a:rPr lang="en-US" altLang="ja-JP" dirty="0"/>
+              <a:t> &gt;&gt; a;</a:t>
+            </a:r>
+          </a:p>
+          <a:p>
+            <a:r>
+              <a:rPr kumimoji="1" lang="ja-JP" altLang="en-US" dirty="0"/>
+              <a:t>出力</a:t>
+            </a:r>
+            <a:endParaRPr kumimoji="1" lang="en-US" altLang="ja-JP" dirty="0"/>
+          </a:p>
+          <a:p>
+            <a:pPr lvl="1"/>
+            <a:r>
+              <a:rPr lang="en-US" altLang="ja-JP" dirty="0"/>
+              <a:t>std::</a:t>
+            </a:r>
+            <a:r>
+              <a:rPr kumimoji="1" lang="en-US" altLang="ja-JP" dirty="0" err="1"/>
+              <a:t>cout</a:t>
             </a:r>
             <a:r>
               <a:rPr kumimoji="1" lang="en-US" altLang="ja-JP" dirty="0"/>
+              <a:t> </a:t>
+            </a:r>
+            <a:r>
+              <a:rPr lang="en-US" altLang="ja-JP" dirty="0"/>
+              <a:t>&lt;&lt; a;</a:t>
+            </a:r>
+          </a:p>
+          <a:p>
+            <a:pPr lvl="1"/>
+            <a:endParaRPr kumimoji="1" lang="en-US" altLang="ja-JP" dirty="0"/>
+          </a:p>
+          <a:p>
+            <a:r>
+              <a:rPr lang="ja-JP" altLang="en-US" dirty="0"/>
+              <a:t>つなげることもできます</a:t>
+            </a:r>
+            <a:endParaRPr lang="en-US" altLang="ja-JP" dirty="0"/>
+          </a:p>
+          <a:p>
+            <a:pPr lvl="1"/>
+            <a:r>
+              <a:rPr lang="en-US" altLang="ja-JP" dirty="0"/>
               <a:t>std::</a:t>
             </a:r>
             <a:r>
-              <a:rPr kumimoji="1" lang="ja-JP" altLang="en-US" dirty="0"/>
-              <a:t>を書くのもめんどくさいので省略する方法</a:t>
+              <a:rPr lang="en-US" altLang="ja-JP" dirty="0" err="1"/>
+              <a:t>cin</a:t>
             </a:r>
             <a:r>
               <a:rPr lang="en-US" altLang="ja-JP" dirty="0"/>
-              <a:t>(</a:t>
-            </a:r>
-            <a:r>
-              <a:rPr lang="ja-JP" altLang="en-US" dirty="0"/>
-              <a:t>おまじない</a:t>
-            </a:r>
-            <a:r>
-              <a:rPr lang="en-US" altLang="ja-JP" dirty="0"/>
-              <a:t>)</a:t>
-            </a:r>
-            <a:endParaRPr kumimoji="1" lang="en-US" altLang="ja-JP" dirty="0"/>
+              <a:t> &gt;&gt; a &gt;&gt; b &gt;&gt; c;</a:t>
+            </a:r>
+            <a:endParaRPr kumimoji="1" lang="ja-JP" altLang="en-US" dirty="0"/>
           </a:p>
         </p:txBody>
       </p:sp>
     </p:spTree>
     <p:extLst>
       <p:ext uri="{BB962C8B-B14F-4D97-AF65-F5344CB8AC3E}">
-        <p14:creationId xmlns:p14="http://schemas.microsoft.com/office/powerpoint/2010/main" val="2440378548"/>
+        <p14:creationId xmlns:p14="http://schemas.microsoft.com/office/powerpoint/2010/main" val="1957951251"/>
       </p:ext>
     </p:extLst>
   </p:cSld>
@@ -8281,7 +8466,7 @@
           <p:cNvPr id="2" name="タイトル 1">
             <a:extLst>
               <a:ext uri="{FF2B5EF4-FFF2-40B4-BE49-F238E27FC236}">
-                <a16:creationId xmlns:a16="http://schemas.microsoft.com/office/drawing/2014/main" id="{A5E1A5F7-4926-4DEB-B189-47A06F4E0CFC}"/>
+                <a16:creationId xmlns:a16="http://schemas.microsoft.com/office/drawing/2014/main" id="{5F0233E8-E196-4479-9C4F-1C4861D34B8C}"/>
               </a:ext>
             </a:extLst>
           </p:cNvPr>
@@ -8298,9 +8483,10 @@
           <a:lstStyle/>
           <a:p>
             <a:r>
-              <a:rPr kumimoji="1" lang="ja-JP" altLang="en-US" dirty="0"/>
-              <a:t>演算</a:t>
-            </a:r>
+              <a:rPr kumimoji="1" lang="en-US" altLang="ja-JP" dirty="0"/>
+              <a:t>using namespace std;</a:t>
+            </a:r>
+            <a:endParaRPr kumimoji="1" lang="ja-JP" altLang="en-US" dirty="0"/>
           </a:p>
         </p:txBody>
       </p:sp>
@@ -8309,7 +8495,7 @@
           <p:cNvPr id="3" name="コンテンツ プレースホルダー 2">
             <a:extLst>
               <a:ext uri="{FF2B5EF4-FFF2-40B4-BE49-F238E27FC236}">
-                <a16:creationId xmlns:a16="http://schemas.microsoft.com/office/drawing/2014/main" id="{5F5CC58A-5BD2-4230-9C2D-BDD560D0E092}"/>
+                <a16:creationId xmlns:a16="http://schemas.microsoft.com/office/drawing/2014/main" id="{58E097CE-E45E-4E11-A917-89A62132B847}"/>
               </a:ext>
             </a:extLst>
           </p:cNvPr>
@@ -8326,65 +8512,37 @@
           <a:lstStyle/>
           <a:p>
             <a:r>
+              <a:rPr kumimoji="1" lang="ja-JP" altLang="en-US" dirty="0"/>
+              <a:t>毎回毎回</a:t>
+            </a:r>
+            <a:r>
+              <a:rPr kumimoji="1" lang="en-US" altLang="ja-JP" dirty="0"/>
+              <a:t>std::</a:t>
+            </a:r>
+            <a:r>
+              <a:rPr kumimoji="1" lang="ja-JP" altLang="en-US" dirty="0"/>
+              <a:t>を書くのもめんどくさいので省略する方法</a:t>
+            </a:r>
+            <a:r>
+              <a:rPr lang="en-US" altLang="ja-JP" dirty="0"/>
+              <a:t>(</a:t>
+            </a:r>
+            <a:r>
               <a:rPr lang="ja-JP" altLang="en-US" dirty="0"/>
-              <a:t>四則演算は</a:t>
+              <a:t>おまじない</a:t>
             </a:r>
             <a:r>
               <a:rPr lang="en-US" altLang="ja-JP" dirty="0"/>
-              <a:t>+, -, *, /</a:t>
-            </a:r>
-          </a:p>
-          <a:p>
-            <a:pPr lvl="1"/>
-            <a:r>
-              <a:rPr kumimoji="1" lang="ja-JP" altLang="en-US" dirty="0"/>
-              <a:t>計算順序もいつもと同じ</a:t>
+              <a:t>)</a:t>
             </a:r>
             <a:endParaRPr kumimoji="1" lang="en-US" altLang="ja-JP" dirty="0"/>
-          </a:p>
-          <a:p>
-            <a:r>
-              <a:rPr lang="ja-JP" altLang="en-US" dirty="0"/>
-              <a:t>剰余 </a:t>
-            </a:r>
-            <a:r>
-              <a:rPr lang="en-US" altLang="ja-JP" dirty="0"/>
-              <a:t>%</a:t>
-            </a:r>
-          </a:p>
-          <a:p>
-            <a:pPr lvl="1"/>
-            <a:r>
-              <a:rPr lang="en-US" altLang="ja-JP" dirty="0"/>
-              <a:t>A % B: A</a:t>
-            </a:r>
-            <a:r>
-              <a:rPr lang="ja-JP" altLang="en-US" dirty="0"/>
-              <a:t>を</a:t>
-            </a:r>
-            <a:r>
-              <a:rPr lang="en-US" altLang="ja-JP" dirty="0"/>
-              <a:t>B</a:t>
-            </a:r>
-            <a:r>
-              <a:rPr lang="ja-JP" altLang="en-US" dirty="0"/>
-              <a:t>で割ったあまり</a:t>
-            </a:r>
-            <a:endParaRPr lang="en-US" altLang="ja-JP" dirty="0"/>
-          </a:p>
-          <a:p>
-            <a:pPr lvl="1"/>
-            <a:r>
-              <a:rPr lang="en-US" altLang="ja-JP" dirty="0"/>
-              <a:t>7 % 3 = 1</a:t>
-            </a:r>
           </a:p>
         </p:txBody>
       </p:sp>
     </p:spTree>
     <p:extLst>
       <p:ext uri="{BB962C8B-B14F-4D97-AF65-F5344CB8AC3E}">
-        <p14:creationId xmlns:p14="http://schemas.microsoft.com/office/powerpoint/2010/main" val="4272272174"/>
+        <p14:creationId xmlns:p14="http://schemas.microsoft.com/office/powerpoint/2010/main" val="2440378548"/>
       </p:ext>
     </p:extLst>
   </p:cSld>
@@ -8416,7 +8574,7 @@
           <p:cNvPr id="2" name="タイトル 1">
             <a:extLst>
               <a:ext uri="{FF2B5EF4-FFF2-40B4-BE49-F238E27FC236}">
-                <a16:creationId xmlns:a16="http://schemas.microsoft.com/office/drawing/2014/main" id="{31DB7719-F059-4061-B84C-AFAB16153E48}"/>
+                <a16:creationId xmlns:a16="http://schemas.microsoft.com/office/drawing/2014/main" id="{A5E1A5F7-4926-4DEB-B189-47A06F4E0CFC}"/>
               </a:ext>
             </a:extLst>
           </p:cNvPr>
@@ -8434,7 +8592,7 @@
           <a:p>
             <a:r>
               <a:rPr kumimoji="1" lang="ja-JP" altLang="en-US" dirty="0"/>
-              <a:t>代入演算子</a:t>
+              <a:t>演算</a:t>
             </a:r>
           </a:p>
         </p:txBody>
@@ -8444,7 +8602,7 @@
           <p:cNvPr id="3" name="コンテンツ プレースホルダー 2">
             <a:extLst>
               <a:ext uri="{FF2B5EF4-FFF2-40B4-BE49-F238E27FC236}">
-                <a16:creationId xmlns:a16="http://schemas.microsoft.com/office/drawing/2014/main" id="{167A0537-0109-4D16-97E0-38784ADEAB2D}"/>
+                <a16:creationId xmlns:a16="http://schemas.microsoft.com/office/drawing/2014/main" id="{5F5CC58A-5BD2-4230-9C2D-BDD560D0E092}"/>
               </a:ext>
             </a:extLst>
           </p:cNvPr>
@@ -8455,173 +8613,71 @@
             <p:ph idx="1"/>
           </p:nvPr>
         </p:nvSpPr>
-        <p:spPr>
-          <a:xfrm>
-            <a:off x="677334" y="2160588"/>
-            <a:ext cx="8596668" cy="4727099"/>
-          </a:xfrm>
-        </p:spPr>
-        <p:txBody>
-          <a:bodyPr>
-            <a:normAutofit/>
-          </a:bodyPr>
-          <a:lstStyle/>
-          <a:p>
-            <a:r>
-              <a:rPr kumimoji="1" lang="en-US" altLang="ja-JP" dirty="0"/>
-              <a:t>int</a:t>
-            </a:r>
+        <p:spPr/>
+        <p:txBody>
+          <a:bodyPr/>
+          <a:lstStyle/>
+          <a:p>
+            <a:r>
+              <a:rPr lang="ja-JP" altLang="en-US" dirty="0"/>
+              <a:t>四則演算は</a:t>
+            </a:r>
+            <a:r>
+              <a:rPr lang="en-US" altLang="ja-JP" dirty="0"/>
+              <a:t>+, -, *, /</a:t>
+            </a:r>
+          </a:p>
+          <a:p>
+            <a:pPr lvl="1"/>
             <a:r>
               <a:rPr kumimoji="1" lang="ja-JP" altLang="en-US" dirty="0"/>
-              <a:t>型の</a:t>
-            </a:r>
-            <a:r>
-              <a:rPr kumimoji="1" lang="en-US" altLang="ja-JP" dirty="0"/>
-              <a:t>a</a:t>
-            </a:r>
-            <a:r>
-              <a:rPr kumimoji="1" lang="ja-JP" altLang="en-US" dirty="0"/>
-              <a:t>という変数の数値を</a:t>
-            </a:r>
-            <a:r>
-              <a:rPr kumimoji="1" lang="en-US" altLang="ja-JP" dirty="0"/>
-              <a:t>+3</a:t>
-            </a:r>
-            <a:r>
-              <a:rPr kumimoji="1" lang="ja-JP" altLang="en-US" dirty="0"/>
-              <a:t>したい</a:t>
+              <a:t>計算順序もいつもと同じ</a:t>
             </a:r>
             <a:endParaRPr kumimoji="1" lang="en-US" altLang="ja-JP" dirty="0"/>
           </a:p>
           <a:p>
+            <a:r>
+              <a:rPr lang="ja-JP" altLang="en-US" dirty="0"/>
+              <a:t>剰余 </a:t>
+            </a:r>
+            <a:r>
+              <a:rPr lang="en-US" altLang="ja-JP" dirty="0"/>
+              <a:t>%</a:t>
+            </a:r>
+          </a:p>
+          <a:p>
+            <a:pPr lvl="1"/>
+            <a:r>
+              <a:rPr lang="en-US" altLang="ja-JP" dirty="0"/>
+              <a:t>A % B: A</a:t>
+            </a:r>
+            <a:r>
+              <a:rPr lang="ja-JP" altLang="en-US" dirty="0"/>
+              <a:t>を</a:t>
+            </a:r>
+            <a:r>
+              <a:rPr lang="en-US" altLang="ja-JP" dirty="0"/>
+              <a:t>B</a:t>
+            </a:r>
+            <a:r>
+              <a:rPr lang="ja-JP" altLang="en-US" dirty="0"/>
+              <a:t>で割ったあまり</a:t>
+            </a:r>
             <a:endParaRPr lang="en-US" altLang="ja-JP" dirty="0"/>
           </a:p>
           <a:p>
+            <a:pPr lvl="1"/>
             <a:r>
               <a:rPr lang="en-US" altLang="ja-JP" dirty="0"/>
-              <a:t>a = a + 3;</a:t>
-            </a:r>
-          </a:p>
-          <a:p>
-            <a:pPr lvl="1"/>
-            <a:r>
-              <a:rPr kumimoji="1" lang="ja-JP" altLang="en-US" dirty="0"/>
-              <a:t>① </a:t>
-            </a:r>
-            <a:r>
-              <a:rPr kumimoji="1" lang="en-US" altLang="ja-JP" dirty="0"/>
-              <a:t>a + 3</a:t>
-            </a:r>
-            <a:r>
-              <a:rPr kumimoji="1" lang="ja-JP" altLang="en-US" dirty="0"/>
-              <a:t>の計算をする</a:t>
-            </a:r>
-            <a:endParaRPr kumimoji="1" lang="en-US" altLang="ja-JP" dirty="0"/>
-          </a:p>
-          <a:p>
-            <a:pPr lvl="1"/>
-            <a:r>
-              <a:rPr kumimoji="1" lang="ja-JP" altLang="en-US" dirty="0"/>
-              <a:t>② </a:t>
-            </a:r>
-            <a:r>
-              <a:rPr kumimoji="1" lang="en-US" altLang="ja-JP" dirty="0"/>
-              <a:t>a</a:t>
-            </a:r>
-            <a:r>
-              <a:rPr kumimoji="1" lang="ja-JP" altLang="en-US" dirty="0"/>
-              <a:t>に計算結果を代入する</a:t>
-            </a:r>
-            <a:endParaRPr kumimoji="1" lang="en-US" altLang="ja-JP" dirty="0"/>
-          </a:p>
-          <a:p>
-            <a:pPr lvl="1"/>
-            <a:endParaRPr lang="en-US" altLang="ja-JP" dirty="0"/>
-          </a:p>
-          <a:p>
-            <a:r>
-              <a:rPr lang="en-US" altLang="ja-JP" dirty="0"/>
-              <a:t>a</a:t>
-            </a:r>
-            <a:r>
-              <a:rPr lang="ja-JP" altLang="en-US" dirty="0"/>
-              <a:t> </a:t>
-            </a:r>
-            <a:r>
-              <a:rPr lang="en-US" altLang="ja-JP" dirty="0"/>
-              <a:t>+=</a:t>
-            </a:r>
-            <a:r>
-              <a:rPr lang="ja-JP" altLang="en-US" dirty="0"/>
-              <a:t> </a:t>
-            </a:r>
-            <a:r>
-              <a:rPr lang="en-US" altLang="ja-JP" dirty="0"/>
-              <a:t>3</a:t>
-            </a:r>
-          </a:p>
-          <a:p>
-            <a:pPr lvl="1"/>
-            <a:r>
-              <a:rPr kumimoji="1" lang="ja-JP" altLang="en-US" dirty="0"/>
-              <a:t>上だと見にくくなるので</a:t>
-            </a:r>
-            <a:r>
-              <a:rPr kumimoji="1" lang="en-US" altLang="ja-JP" dirty="0"/>
-              <a:t>(-, *, /, %</a:t>
-            </a:r>
-            <a:r>
-              <a:rPr kumimoji="1" lang="ja-JP" altLang="en-US" dirty="0"/>
-              <a:t>も同様</a:t>
-            </a:r>
-            <a:r>
-              <a:rPr kumimoji="1" lang="en-US" altLang="ja-JP" dirty="0"/>
-              <a:t>)</a:t>
-            </a:r>
-          </a:p>
-          <a:p>
-            <a:endParaRPr lang="en-US" altLang="ja-JP" dirty="0"/>
-          </a:p>
-          <a:p>
-            <a:r>
-              <a:rPr kumimoji="1" lang="en-US" altLang="ja-JP" dirty="0"/>
-              <a:t>a++ / a--</a:t>
-            </a:r>
-          </a:p>
-          <a:p>
-            <a:pPr lvl="1"/>
-            <a:r>
-              <a:rPr kumimoji="1" lang="en-US" altLang="ja-JP" dirty="0"/>
-              <a:t>1</a:t>
-            </a:r>
-            <a:r>
-              <a:rPr kumimoji="1" lang="ja-JP" altLang="en-US" dirty="0"/>
-              <a:t>増やす</a:t>
-            </a:r>
-            <a:r>
-              <a:rPr kumimoji="1" lang="en-US" altLang="ja-JP" dirty="0"/>
-              <a:t>/</a:t>
-            </a:r>
-            <a:r>
-              <a:rPr lang="ja-JP" altLang="en-US" dirty="0"/>
-              <a:t>減らすと言うのはめちゃくちゃ使うので別にインクリメント</a:t>
-            </a:r>
-            <a:r>
-              <a:rPr lang="en-US" altLang="ja-JP" dirty="0"/>
-              <a:t>/</a:t>
-            </a:r>
-            <a:r>
-              <a:rPr lang="ja-JP" altLang="en-US" dirty="0"/>
-              <a:t>デクリメントというのがあります</a:t>
-            </a:r>
-            <a:endParaRPr kumimoji="1" lang="en-US" altLang="ja-JP" dirty="0"/>
+              <a:t>7 % 3 = 1</a:t>
+            </a:r>
           </a:p>
         </p:txBody>
       </p:sp>
     </p:spTree>
     <p:extLst>
       <p:ext uri="{BB962C8B-B14F-4D97-AF65-F5344CB8AC3E}">
-        <p14:creationId xmlns:p14="http://schemas.microsoft.com/office/powerpoint/2010/main" val="3939755724"/>
+        <p14:creationId xmlns:p14="http://schemas.microsoft.com/office/powerpoint/2010/main" val="4272272174"/>
       </p:ext>
     </p:extLst>
   </p:cSld>
@@ -8653,7 +8709,7 @@
           <p:cNvPr id="2" name="タイトル 1">
             <a:extLst>
               <a:ext uri="{FF2B5EF4-FFF2-40B4-BE49-F238E27FC236}">
-                <a16:creationId xmlns:a16="http://schemas.microsoft.com/office/drawing/2014/main" id="{4E1D810D-0A99-4818-93B4-857A417AF58F}"/>
+                <a16:creationId xmlns:a16="http://schemas.microsoft.com/office/drawing/2014/main" id="{1DB924C2-6128-4356-BA75-C40B1513BC1A}"/>
               </a:ext>
             </a:extLst>
           </p:cNvPr>
@@ -8671,7 +8727,7 @@
           <a:p>
             <a:r>
               <a:rPr kumimoji="1" lang="ja-JP" altLang="en-US" dirty="0"/>
-              <a:t>本日の流れ</a:t>
+              <a:t>自己紹介</a:t>
             </a:r>
           </a:p>
         </p:txBody>
@@ -8681,7 +8737,7 @@
           <p:cNvPr id="3" name="コンテンツ プレースホルダー 2">
             <a:extLst>
               <a:ext uri="{FF2B5EF4-FFF2-40B4-BE49-F238E27FC236}">
-                <a16:creationId xmlns:a16="http://schemas.microsoft.com/office/drawing/2014/main" id="{7D713059-AE93-4D1D-941D-6B962AD79B68}"/>
+                <a16:creationId xmlns:a16="http://schemas.microsoft.com/office/drawing/2014/main" id="{D4B9F600-868D-49CB-AF98-E7870790376C}"/>
               </a:ext>
             </a:extLst>
           </p:cNvPr>
@@ -8699,44 +8755,112 @@
           <a:p>
             <a:r>
               <a:rPr lang="ja-JP" altLang="en-US" dirty="0"/>
-              <a:t>概論</a:t>
+              <a:t>氏名</a:t>
+            </a:r>
+            <a:r>
+              <a:rPr lang="en-US" altLang="ja-JP" dirty="0"/>
+              <a:t>:		</a:t>
+            </a:r>
+            <a:r>
+              <a:rPr lang="ja-JP" altLang="en-US" dirty="0"/>
+              <a:t>西村 優希</a:t>
             </a:r>
             <a:endParaRPr lang="en-US" altLang="ja-JP" dirty="0"/>
           </a:p>
           <a:p>
             <a:r>
+              <a:rPr kumimoji="1" lang="en-US" altLang="ja-JP" dirty="0"/>
+              <a:t>HN:		</a:t>
+            </a:r>
+            <a:r>
               <a:rPr kumimoji="1" lang="ja-JP" altLang="en-US" dirty="0"/>
-              <a:t>開発環境の構築</a:t>
+              <a:t>和奏</a:t>
+            </a:r>
+            <a:r>
+              <a:rPr kumimoji="1" lang="en-US" altLang="ja-JP" dirty="0"/>
+              <a:t>(</a:t>
+            </a:r>
+            <a:r>
+              <a:rPr kumimoji="1" lang="en-US" altLang="ja-JP" dirty="0" err="1"/>
+              <a:t>Kanade</a:t>
+            </a:r>
+            <a:r>
+              <a:rPr kumimoji="1" lang="en-US" altLang="ja-JP" dirty="0"/>
+              <a:t>)</a:t>
+            </a:r>
+          </a:p>
+          <a:p>
+            <a:r>
+              <a:rPr lang="ja-JP" altLang="en-US" dirty="0"/>
+              <a:t>所属</a:t>
+            </a:r>
+            <a:r>
+              <a:rPr lang="en-US" altLang="ja-JP" dirty="0"/>
+              <a:t>:		</a:t>
+            </a:r>
+            <a:r>
+              <a:rPr lang="ja-JP" altLang="en-US" dirty="0"/>
+              <a:t>理工学部電気工学科</a:t>
+            </a:r>
+            <a:r>
+              <a:rPr lang="en-US" altLang="ja-JP" dirty="0"/>
+              <a:t>3</a:t>
+            </a:r>
+            <a:r>
+              <a:rPr lang="ja-JP" altLang="en-US" dirty="0"/>
+              <a:t>回</a:t>
+            </a:r>
+            <a:endParaRPr lang="en-US" altLang="ja-JP" dirty="0"/>
+          </a:p>
+          <a:p>
+            <a:r>
+              <a:rPr kumimoji="1" lang="ja-JP" altLang="en-US" dirty="0"/>
+              <a:t>競プロとかいろいろ</a:t>
             </a:r>
             <a:endParaRPr kumimoji="1" lang="en-US" altLang="ja-JP" dirty="0"/>
           </a:p>
-          <a:p>
-            <a:r>
-              <a:rPr lang="ja-JP" altLang="en-US" dirty="0"/>
-              <a:t>いちばん簡単なプログラム</a:t>
-            </a:r>
-            <a:endParaRPr lang="en-US" altLang="ja-JP" dirty="0"/>
-          </a:p>
-          <a:p>
-            <a:r>
-              <a:rPr kumimoji="1" lang="ja-JP" altLang="en-US" dirty="0"/>
-              <a:t>変数</a:t>
-            </a:r>
-            <a:endParaRPr kumimoji="1" lang="en-US" altLang="ja-JP" dirty="0"/>
-          </a:p>
-          <a:p>
-            <a:r>
-              <a:rPr lang="ja-JP" altLang="en-US" dirty="0"/>
-              <a:t>演算</a:t>
-            </a:r>
-            <a:endParaRPr kumimoji="1" lang="en-US" altLang="ja-JP" dirty="0"/>
-          </a:p>
-        </p:txBody>
-      </p:sp>
+        </p:txBody>
+      </p:sp>
+      <p:pic>
+        <p:nvPicPr>
+          <p:cNvPr id="5" name="図 4" descr="ロゴ&#10;&#10;自動的に生成された説明">
+            <a:extLst>
+              <a:ext uri="{FF2B5EF4-FFF2-40B4-BE49-F238E27FC236}">
+                <a16:creationId xmlns:a16="http://schemas.microsoft.com/office/drawing/2014/main" id="{577D8325-06F2-4A96-A59B-90083F21FBAB}"/>
+              </a:ext>
+            </a:extLst>
+          </p:cNvPr>
+          <p:cNvPicPr>
+            <a:picLocks noChangeAspect="1"/>
+          </p:cNvPicPr>
+          <p:nvPr/>
+        </p:nvPicPr>
+        <p:blipFill>
+          <a:blip r:embed="rId2">
+            <a:extLst>
+              <a:ext uri="{28A0092B-C50C-407E-A947-70E740481C1C}">
+                <a14:useLocalDpi xmlns:a14="http://schemas.microsoft.com/office/drawing/2010/main" val="0"/>
+              </a:ext>
+            </a:extLst>
+          </a:blip>
+          <a:stretch>
+            <a:fillRect/>
+          </a:stretch>
+        </p:blipFill>
+        <p:spPr>
+          <a:xfrm>
+            <a:off x="8292076" y="2642702"/>
+            <a:ext cx="1458273" cy="1458273"/>
+          </a:xfrm>
+          <a:prstGeom prst="rect">
+            <a:avLst/>
+          </a:prstGeom>
+        </p:spPr>
+      </p:pic>
     </p:spTree>
     <p:extLst>
       <p:ext uri="{BB962C8B-B14F-4D97-AF65-F5344CB8AC3E}">
-        <p14:creationId xmlns:p14="http://schemas.microsoft.com/office/powerpoint/2010/main" val="781356563"/>
+        <p14:creationId xmlns:p14="http://schemas.microsoft.com/office/powerpoint/2010/main" val="1741926786"/>
       </p:ext>
     </p:extLst>
   </p:cSld>
@@ -8768,6 +8892,243 @@
           <p:cNvPr id="2" name="タイトル 1">
             <a:extLst>
               <a:ext uri="{FF2B5EF4-FFF2-40B4-BE49-F238E27FC236}">
+                <a16:creationId xmlns:a16="http://schemas.microsoft.com/office/drawing/2014/main" id="{31DB7719-F059-4061-B84C-AFAB16153E48}"/>
+              </a:ext>
+            </a:extLst>
+          </p:cNvPr>
+          <p:cNvSpPr>
+            <a:spLocks noGrp="1"/>
+          </p:cNvSpPr>
+          <p:nvPr>
+            <p:ph type="title"/>
+          </p:nvPr>
+        </p:nvSpPr>
+        <p:spPr/>
+        <p:txBody>
+          <a:bodyPr/>
+          <a:lstStyle/>
+          <a:p>
+            <a:r>
+              <a:rPr kumimoji="1" lang="ja-JP" altLang="en-US" dirty="0"/>
+              <a:t>代入演算子</a:t>
+            </a:r>
+          </a:p>
+        </p:txBody>
+      </p:sp>
+      <p:sp>
+        <p:nvSpPr>
+          <p:cNvPr id="3" name="コンテンツ プレースホルダー 2">
+            <a:extLst>
+              <a:ext uri="{FF2B5EF4-FFF2-40B4-BE49-F238E27FC236}">
+                <a16:creationId xmlns:a16="http://schemas.microsoft.com/office/drawing/2014/main" id="{167A0537-0109-4D16-97E0-38784ADEAB2D}"/>
+              </a:ext>
+            </a:extLst>
+          </p:cNvPr>
+          <p:cNvSpPr>
+            <a:spLocks noGrp="1"/>
+          </p:cNvSpPr>
+          <p:nvPr>
+            <p:ph idx="1"/>
+          </p:nvPr>
+        </p:nvSpPr>
+        <p:spPr>
+          <a:xfrm>
+            <a:off x="677334" y="2160588"/>
+            <a:ext cx="8596668" cy="4727099"/>
+          </a:xfrm>
+        </p:spPr>
+        <p:txBody>
+          <a:bodyPr>
+            <a:normAutofit/>
+          </a:bodyPr>
+          <a:lstStyle/>
+          <a:p>
+            <a:r>
+              <a:rPr kumimoji="1" lang="en-US" altLang="ja-JP" dirty="0"/>
+              <a:t>int</a:t>
+            </a:r>
+            <a:r>
+              <a:rPr kumimoji="1" lang="ja-JP" altLang="en-US" dirty="0"/>
+              <a:t>型の</a:t>
+            </a:r>
+            <a:r>
+              <a:rPr kumimoji="1" lang="en-US" altLang="ja-JP" dirty="0"/>
+              <a:t>a</a:t>
+            </a:r>
+            <a:r>
+              <a:rPr kumimoji="1" lang="ja-JP" altLang="en-US" dirty="0"/>
+              <a:t>という変数の数値を</a:t>
+            </a:r>
+            <a:r>
+              <a:rPr kumimoji="1" lang="en-US" altLang="ja-JP" dirty="0"/>
+              <a:t>+3</a:t>
+            </a:r>
+            <a:r>
+              <a:rPr kumimoji="1" lang="ja-JP" altLang="en-US" dirty="0"/>
+              <a:t>したい</a:t>
+            </a:r>
+            <a:endParaRPr kumimoji="1" lang="en-US" altLang="ja-JP" dirty="0"/>
+          </a:p>
+          <a:p>
+            <a:endParaRPr lang="en-US" altLang="ja-JP" dirty="0"/>
+          </a:p>
+          <a:p>
+            <a:r>
+              <a:rPr lang="en-US" altLang="ja-JP" dirty="0"/>
+              <a:t>a = a + 3;</a:t>
+            </a:r>
+          </a:p>
+          <a:p>
+            <a:pPr lvl="1"/>
+            <a:r>
+              <a:rPr kumimoji="1" lang="ja-JP" altLang="en-US" dirty="0"/>
+              <a:t>① </a:t>
+            </a:r>
+            <a:r>
+              <a:rPr kumimoji="1" lang="en-US" altLang="ja-JP" dirty="0"/>
+              <a:t>a + 3</a:t>
+            </a:r>
+            <a:r>
+              <a:rPr kumimoji="1" lang="ja-JP" altLang="en-US" dirty="0"/>
+              <a:t>の計算をする</a:t>
+            </a:r>
+            <a:endParaRPr kumimoji="1" lang="en-US" altLang="ja-JP" dirty="0"/>
+          </a:p>
+          <a:p>
+            <a:pPr lvl="1"/>
+            <a:r>
+              <a:rPr kumimoji="1" lang="ja-JP" altLang="en-US" dirty="0"/>
+              <a:t>② </a:t>
+            </a:r>
+            <a:r>
+              <a:rPr kumimoji="1" lang="en-US" altLang="ja-JP" dirty="0"/>
+              <a:t>a</a:t>
+            </a:r>
+            <a:r>
+              <a:rPr kumimoji="1" lang="ja-JP" altLang="en-US" dirty="0"/>
+              <a:t>に計算結果を代入する</a:t>
+            </a:r>
+            <a:endParaRPr kumimoji="1" lang="en-US" altLang="ja-JP" dirty="0"/>
+          </a:p>
+          <a:p>
+            <a:pPr lvl="1"/>
+            <a:endParaRPr lang="en-US" altLang="ja-JP" dirty="0"/>
+          </a:p>
+          <a:p>
+            <a:r>
+              <a:rPr lang="en-US" altLang="ja-JP" dirty="0"/>
+              <a:t>a</a:t>
+            </a:r>
+            <a:r>
+              <a:rPr lang="ja-JP" altLang="en-US" dirty="0"/>
+              <a:t> </a:t>
+            </a:r>
+            <a:r>
+              <a:rPr lang="en-US" altLang="ja-JP" dirty="0"/>
+              <a:t>+=</a:t>
+            </a:r>
+            <a:r>
+              <a:rPr lang="ja-JP" altLang="en-US" dirty="0"/>
+              <a:t> </a:t>
+            </a:r>
+            <a:r>
+              <a:rPr lang="en-US" altLang="ja-JP" dirty="0"/>
+              <a:t>3</a:t>
+            </a:r>
+          </a:p>
+          <a:p>
+            <a:pPr lvl="1"/>
+            <a:r>
+              <a:rPr kumimoji="1" lang="ja-JP" altLang="en-US" dirty="0"/>
+              <a:t>上だと見にくくなるので</a:t>
+            </a:r>
+            <a:r>
+              <a:rPr kumimoji="1" lang="en-US" altLang="ja-JP" dirty="0"/>
+              <a:t>(-, *, /, %</a:t>
+            </a:r>
+            <a:r>
+              <a:rPr kumimoji="1" lang="ja-JP" altLang="en-US" dirty="0"/>
+              <a:t>も同様</a:t>
+            </a:r>
+            <a:r>
+              <a:rPr kumimoji="1" lang="en-US" altLang="ja-JP" dirty="0"/>
+              <a:t>)</a:t>
+            </a:r>
+          </a:p>
+          <a:p>
+            <a:endParaRPr lang="en-US" altLang="ja-JP" dirty="0"/>
+          </a:p>
+          <a:p>
+            <a:r>
+              <a:rPr kumimoji="1" lang="en-US" altLang="ja-JP" dirty="0"/>
+              <a:t>a++ / a--</a:t>
+            </a:r>
+          </a:p>
+          <a:p>
+            <a:pPr lvl="1"/>
+            <a:r>
+              <a:rPr kumimoji="1" lang="en-US" altLang="ja-JP" dirty="0"/>
+              <a:t>1</a:t>
+            </a:r>
+            <a:r>
+              <a:rPr kumimoji="1" lang="ja-JP" altLang="en-US" dirty="0"/>
+              <a:t>増やす</a:t>
+            </a:r>
+            <a:r>
+              <a:rPr kumimoji="1" lang="en-US" altLang="ja-JP" dirty="0"/>
+              <a:t>/</a:t>
+            </a:r>
+            <a:r>
+              <a:rPr lang="ja-JP" altLang="en-US" dirty="0"/>
+              <a:t>減らすと言うのはめちゃくちゃ使うので別にインクリメント</a:t>
+            </a:r>
+            <a:r>
+              <a:rPr lang="en-US" altLang="ja-JP" dirty="0"/>
+              <a:t>/</a:t>
+            </a:r>
+            <a:r>
+              <a:rPr lang="ja-JP" altLang="en-US" dirty="0"/>
+              <a:t>デクリメントというのがあります</a:t>
+            </a:r>
+            <a:endParaRPr kumimoji="1" lang="en-US" altLang="ja-JP" dirty="0"/>
+          </a:p>
+        </p:txBody>
+      </p:sp>
+    </p:spTree>
+    <p:extLst>
+      <p:ext uri="{BB962C8B-B14F-4D97-AF65-F5344CB8AC3E}">
+        <p14:creationId xmlns:p14="http://schemas.microsoft.com/office/powerpoint/2010/main" val="3939755724"/>
+      </p:ext>
+    </p:extLst>
+  </p:cSld>
+  <p:clrMapOvr>
+    <a:masterClrMapping/>
+  </p:clrMapOvr>
+</p:sld>
+</file>
+
+<file path=ppt/slides/slide21.xml><?xml version="1.0" encoding="utf-8"?>
+<p:sld xmlns:a="http://schemas.openxmlformats.org/drawingml/2006/main" xmlns:r="http://schemas.openxmlformats.org/officeDocument/2006/relationships" xmlns:p="http://schemas.openxmlformats.org/presentationml/2006/main">
+  <p:cSld>
+    <p:spTree>
+      <p:nvGrpSpPr>
+        <p:cNvPr id="1" name=""/>
+        <p:cNvGrpSpPr/>
+        <p:nvPr/>
+      </p:nvGrpSpPr>
+      <p:grpSpPr>
+        <a:xfrm>
+          <a:off x="0" y="0"/>
+          <a:ext cx="0" cy="0"/>
+          <a:chOff x="0" y="0"/>
+          <a:chExt cx="0" cy="0"/>
+        </a:xfrm>
+      </p:grpSpPr>
+      <p:sp>
+        <p:nvSpPr>
+          <p:cNvPr id="2" name="タイトル 1">
+            <a:extLst>
+              <a:ext uri="{FF2B5EF4-FFF2-40B4-BE49-F238E27FC236}">
                 <a16:creationId xmlns:a16="http://schemas.microsoft.com/office/drawing/2014/main" id="{E1942261-743F-41E7-BA87-80C19453E07A}"/>
               </a:ext>
             </a:extLst>
@@ -8943,6 +9304,121 @@
 </file>
 
 <file path=ppt/slides/slide3.xml><?xml version="1.0" encoding="utf-8"?>
+<p:sld xmlns:a="http://schemas.openxmlformats.org/drawingml/2006/main" xmlns:r="http://schemas.openxmlformats.org/officeDocument/2006/relationships" xmlns:p="http://schemas.openxmlformats.org/presentationml/2006/main">
+  <p:cSld>
+    <p:spTree>
+      <p:nvGrpSpPr>
+        <p:cNvPr id="1" name=""/>
+        <p:cNvGrpSpPr/>
+        <p:nvPr/>
+      </p:nvGrpSpPr>
+      <p:grpSpPr>
+        <a:xfrm>
+          <a:off x="0" y="0"/>
+          <a:ext cx="0" cy="0"/>
+          <a:chOff x="0" y="0"/>
+          <a:chExt cx="0" cy="0"/>
+        </a:xfrm>
+      </p:grpSpPr>
+      <p:sp>
+        <p:nvSpPr>
+          <p:cNvPr id="2" name="タイトル 1">
+            <a:extLst>
+              <a:ext uri="{FF2B5EF4-FFF2-40B4-BE49-F238E27FC236}">
+                <a16:creationId xmlns:a16="http://schemas.microsoft.com/office/drawing/2014/main" id="{4E1D810D-0A99-4818-93B4-857A417AF58F}"/>
+              </a:ext>
+            </a:extLst>
+          </p:cNvPr>
+          <p:cNvSpPr>
+            <a:spLocks noGrp="1"/>
+          </p:cNvSpPr>
+          <p:nvPr>
+            <p:ph type="title"/>
+          </p:nvPr>
+        </p:nvSpPr>
+        <p:spPr/>
+        <p:txBody>
+          <a:bodyPr/>
+          <a:lstStyle/>
+          <a:p>
+            <a:r>
+              <a:rPr kumimoji="1" lang="ja-JP" altLang="en-US" dirty="0"/>
+              <a:t>本日の流れ</a:t>
+            </a:r>
+          </a:p>
+        </p:txBody>
+      </p:sp>
+      <p:sp>
+        <p:nvSpPr>
+          <p:cNvPr id="3" name="コンテンツ プレースホルダー 2">
+            <a:extLst>
+              <a:ext uri="{FF2B5EF4-FFF2-40B4-BE49-F238E27FC236}">
+                <a16:creationId xmlns:a16="http://schemas.microsoft.com/office/drawing/2014/main" id="{7D713059-AE93-4D1D-941D-6B962AD79B68}"/>
+              </a:ext>
+            </a:extLst>
+          </p:cNvPr>
+          <p:cNvSpPr>
+            <a:spLocks noGrp="1"/>
+          </p:cNvSpPr>
+          <p:nvPr>
+            <p:ph idx="1"/>
+          </p:nvPr>
+        </p:nvSpPr>
+        <p:spPr/>
+        <p:txBody>
+          <a:bodyPr/>
+          <a:lstStyle/>
+          <a:p>
+            <a:r>
+              <a:rPr lang="ja-JP" altLang="en-US" dirty="0"/>
+              <a:t>概論</a:t>
+            </a:r>
+            <a:endParaRPr lang="en-US" altLang="ja-JP" dirty="0"/>
+          </a:p>
+          <a:p>
+            <a:r>
+              <a:rPr kumimoji="1" lang="ja-JP" altLang="en-US" dirty="0"/>
+              <a:t>開発環境の構築</a:t>
+            </a:r>
+            <a:endParaRPr kumimoji="1" lang="en-US" altLang="ja-JP" dirty="0"/>
+          </a:p>
+          <a:p>
+            <a:r>
+              <a:rPr lang="ja-JP" altLang="en-US" dirty="0"/>
+              <a:t>いちばん簡単なプログラム</a:t>
+            </a:r>
+            <a:endParaRPr lang="en-US" altLang="ja-JP" dirty="0"/>
+          </a:p>
+          <a:p>
+            <a:r>
+              <a:rPr kumimoji="1" lang="ja-JP" altLang="en-US" dirty="0"/>
+              <a:t>変数</a:t>
+            </a:r>
+            <a:endParaRPr kumimoji="1" lang="en-US" altLang="ja-JP" dirty="0"/>
+          </a:p>
+          <a:p>
+            <a:r>
+              <a:rPr lang="ja-JP" altLang="en-US" dirty="0"/>
+              <a:t>演算</a:t>
+            </a:r>
+            <a:endParaRPr kumimoji="1" lang="en-US" altLang="ja-JP" dirty="0"/>
+          </a:p>
+        </p:txBody>
+      </p:sp>
+    </p:spTree>
+    <p:extLst>
+      <p:ext uri="{BB962C8B-B14F-4D97-AF65-F5344CB8AC3E}">
+        <p14:creationId xmlns:p14="http://schemas.microsoft.com/office/powerpoint/2010/main" val="781356563"/>
+      </p:ext>
+    </p:extLst>
+  </p:cSld>
+  <p:clrMapOvr>
+    <a:masterClrMapping/>
+  </p:clrMapOvr>
+</p:sld>
+</file>
+
+<file path=ppt/slides/slide4.xml><?xml version="1.0" encoding="utf-8"?>
 <p:sld xmlns:a="http://schemas.openxmlformats.org/drawingml/2006/main" xmlns:r="http://schemas.openxmlformats.org/officeDocument/2006/relationships" xmlns:p="http://schemas.openxmlformats.org/presentationml/2006/main">
   <p:cSld>
     <p:spTree>
@@ -9199,7 +9675,7 @@
 </p:sld>
 </file>
 
-<file path=ppt/slides/slide4.xml><?xml version="1.0" encoding="utf-8"?>
+<file path=ppt/slides/slide5.xml><?xml version="1.0" encoding="utf-8"?>
 <p:sld xmlns:a="http://schemas.openxmlformats.org/drawingml/2006/main" xmlns:r="http://schemas.openxmlformats.org/officeDocument/2006/relationships" xmlns:p="http://schemas.openxmlformats.org/presentationml/2006/main">
   <p:cSld>
     <p:spTree>
@@ -9438,7 +9914,7 @@
 </p:sld>
 </file>
 
-<file path=ppt/slides/slide5.xml><?xml version="1.0" encoding="utf-8"?>
+<file path=ppt/slides/slide6.xml><?xml version="1.0" encoding="utf-8"?>
 <p:sld xmlns:a="http://schemas.openxmlformats.org/drawingml/2006/main" xmlns:r="http://schemas.openxmlformats.org/officeDocument/2006/relationships" xmlns:p="http://schemas.openxmlformats.org/presentationml/2006/main">
   <p:cSld>
     <p:spTree>
@@ -9875,186 +10351,6 @@
 </p:sld>
 </file>
 
-<file path=ppt/slides/slide6.xml><?xml version="1.0" encoding="utf-8"?>
-<p:sld xmlns:a="http://schemas.openxmlformats.org/drawingml/2006/main" xmlns:r="http://schemas.openxmlformats.org/officeDocument/2006/relationships" xmlns:p="http://schemas.openxmlformats.org/presentationml/2006/main">
-  <p:cSld>
-    <p:spTree>
-      <p:nvGrpSpPr>
-        <p:cNvPr id="1" name=""/>
-        <p:cNvGrpSpPr/>
-        <p:nvPr/>
-      </p:nvGrpSpPr>
-      <p:grpSpPr>
-        <a:xfrm>
-          <a:off x="0" y="0"/>
-          <a:ext cx="0" cy="0"/>
-          <a:chOff x="0" y="0"/>
-          <a:chExt cx="0" cy="0"/>
-        </a:xfrm>
-      </p:grpSpPr>
-      <p:sp>
-        <p:nvSpPr>
-          <p:cNvPr id="2" name="タイトル 1">
-            <a:extLst>
-              <a:ext uri="{FF2B5EF4-FFF2-40B4-BE49-F238E27FC236}">
-                <a16:creationId xmlns:a16="http://schemas.microsoft.com/office/drawing/2014/main" id="{6D6E5EDD-7AB8-46C8-8E97-32B8DB0CCC40}"/>
-              </a:ext>
-            </a:extLst>
-          </p:cNvPr>
-          <p:cNvSpPr>
-            <a:spLocks noGrp="1"/>
-          </p:cNvSpPr>
-          <p:nvPr>
-            <p:ph type="title"/>
-          </p:nvPr>
-        </p:nvSpPr>
-        <p:spPr/>
-        <p:txBody>
-          <a:bodyPr/>
-          <a:lstStyle/>
-          <a:p>
-            <a:r>
-              <a:rPr kumimoji="1" lang="ja-JP" altLang="en-US" dirty="0"/>
-              <a:t>プログラミング言語の歴史</a:t>
-            </a:r>
-          </a:p>
-        </p:txBody>
-      </p:sp>
-      <p:sp>
-        <p:nvSpPr>
-          <p:cNvPr id="3" name="コンテンツ プレースホルダー 2">
-            <a:extLst>
-              <a:ext uri="{FF2B5EF4-FFF2-40B4-BE49-F238E27FC236}">
-                <a16:creationId xmlns:a16="http://schemas.microsoft.com/office/drawing/2014/main" id="{5003E081-6CAA-4173-B3D7-FD06557D8D5F}"/>
-              </a:ext>
-            </a:extLst>
-          </p:cNvPr>
-          <p:cNvSpPr>
-            <a:spLocks noGrp="1"/>
-          </p:cNvSpPr>
-          <p:nvPr>
-            <p:ph idx="1"/>
-          </p:nvPr>
-        </p:nvSpPr>
-        <p:spPr/>
-        <p:txBody>
-          <a:bodyPr/>
-          <a:lstStyle/>
-          <a:p>
-            <a:r>
-              <a:rPr kumimoji="1" lang="en-US" altLang="ja-JP" dirty="0"/>
-              <a:t>1960</a:t>
-            </a:r>
-            <a:r>
-              <a:rPr kumimoji="1" lang="ja-JP" altLang="en-US" dirty="0"/>
-              <a:t>年代</a:t>
-            </a:r>
-            <a:r>
-              <a:rPr kumimoji="1" lang="en-US" altLang="ja-JP" dirty="0"/>
-              <a:t>:	FORTRAN</a:t>
-            </a:r>
-            <a:r>
-              <a:rPr lang="en-US" altLang="ja-JP" dirty="0"/>
-              <a:t>,</a:t>
-            </a:r>
-            <a:r>
-              <a:rPr lang="ja-JP" altLang="en-US" dirty="0"/>
-              <a:t> </a:t>
-            </a:r>
-            <a:r>
-              <a:rPr lang="en-US" altLang="ja-JP" dirty="0"/>
-              <a:t>COBOL</a:t>
-            </a:r>
-          </a:p>
-          <a:p>
-            <a:r>
-              <a:rPr kumimoji="1" lang="en-US" altLang="ja-JP" dirty="0"/>
-              <a:t>1970</a:t>
-            </a:r>
-            <a:r>
-              <a:rPr kumimoji="1" lang="ja-JP" altLang="en-US" dirty="0"/>
-              <a:t>年代</a:t>
-            </a:r>
-            <a:r>
-              <a:rPr lang="en-US" altLang="ja-JP" dirty="0"/>
-              <a:t>:	B</a:t>
-            </a:r>
-            <a:r>
-              <a:rPr lang="ja-JP" altLang="en-US" dirty="0"/>
-              <a:t>言語、</a:t>
-            </a:r>
-            <a:r>
-              <a:rPr lang="en-US" altLang="ja-JP" dirty="0"/>
-              <a:t>C</a:t>
-            </a:r>
-            <a:r>
-              <a:rPr lang="ja-JP" altLang="en-US" dirty="0"/>
-              <a:t>言語</a:t>
-            </a:r>
-            <a:endParaRPr lang="en-US" altLang="ja-JP" dirty="0"/>
-          </a:p>
-          <a:p>
-            <a:r>
-              <a:rPr kumimoji="1" lang="en-US" altLang="ja-JP" dirty="0"/>
-              <a:t>1983:		C++</a:t>
-            </a:r>
-          </a:p>
-          <a:p>
-            <a:r>
-              <a:rPr lang="en-US" altLang="ja-JP" dirty="0"/>
-              <a:t>1987:		Perl</a:t>
-            </a:r>
-          </a:p>
-          <a:p>
-            <a:r>
-              <a:rPr kumimoji="1" lang="en-US" altLang="ja-JP" dirty="0"/>
-              <a:t>1990:		Python</a:t>
-            </a:r>
-          </a:p>
-          <a:p>
-            <a:r>
-              <a:rPr lang="en-US" altLang="ja-JP" dirty="0"/>
-              <a:t>1995:		Ruby	</a:t>
-            </a:r>
-            <a:r>
-              <a:rPr lang="ja-JP" altLang="en-US" dirty="0"/>
-              <a:t>←国内初のプログラミング言語</a:t>
-            </a:r>
-            <a:endParaRPr lang="en-US" altLang="ja-JP" dirty="0"/>
-          </a:p>
-          <a:p>
-            <a:r>
-              <a:rPr kumimoji="1" lang="en-US" altLang="ja-JP" dirty="0"/>
-              <a:t>1997:		JavaScript</a:t>
-            </a:r>
-          </a:p>
-          <a:p>
-            <a:r>
-              <a:rPr lang="en-US" altLang="ja-JP" dirty="0"/>
-              <a:t>2002:		C#</a:t>
-            </a:r>
-          </a:p>
-          <a:p>
-            <a:r>
-              <a:rPr kumimoji="1" lang="en-US" altLang="ja-JP" dirty="0"/>
-              <a:t>2009:		Go</a:t>
-            </a:r>
-          </a:p>
-        </p:txBody>
-      </p:sp>
-    </p:spTree>
-    <p:extLst>
-      <p:ext uri="{BB962C8B-B14F-4D97-AF65-F5344CB8AC3E}">
-        <p14:creationId xmlns:p14="http://schemas.microsoft.com/office/powerpoint/2010/main" val="1890755666"/>
-      </p:ext>
-    </p:extLst>
-  </p:cSld>
-  <p:clrMapOvr>
-    <a:masterClrMapping/>
-  </p:clrMapOvr>
-</p:sld>
-</file>
-
 <file path=ppt/slides/slide7.xml><?xml version="1.0" encoding="utf-8"?>
 <p:sld xmlns:a="http://schemas.openxmlformats.org/drawingml/2006/main" xmlns:r="http://schemas.openxmlformats.org/officeDocument/2006/relationships" xmlns:p="http://schemas.openxmlformats.org/presentationml/2006/main">
   <p:cSld>
@@ -10077,6 +10373,186 @@
           <p:cNvPr id="2" name="タイトル 1">
             <a:extLst>
               <a:ext uri="{FF2B5EF4-FFF2-40B4-BE49-F238E27FC236}">
+                <a16:creationId xmlns:a16="http://schemas.microsoft.com/office/drawing/2014/main" id="{6D6E5EDD-7AB8-46C8-8E97-32B8DB0CCC40}"/>
+              </a:ext>
+            </a:extLst>
+          </p:cNvPr>
+          <p:cNvSpPr>
+            <a:spLocks noGrp="1"/>
+          </p:cNvSpPr>
+          <p:nvPr>
+            <p:ph type="title"/>
+          </p:nvPr>
+        </p:nvSpPr>
+        <p:spPr/>
+        <p:txBody>
+          <a:bodyPr/>
+          <a:lstStyle/>
+          <a:p>
+            <a:r>
+              <a:rPr kumimoji="1" lang="ja-JP" altLang="en-US" dirty="0"/>
+              <a:t>プログラミング言語の歴史</a:t>
+            </a:r>
+          </a:p>
+        </p:txBody>
+      </p:sp>
+      <p:sp>
+        <p:nvSpPr>
+          <p:cNvPr id="3" name="コンテンツ プレースホルダー 2">
+            <a:extLst>
+              <a:ext uri="{FF2B5EF4-FFF2-40B4-BE49-F238E27FC236}">
+                <a16:creationId xmlns:a16="http://schemas.microsoft.com/office/drawing/2014/main" id="{5003E081-6CAA-4173-B3D7-FD06557D8D5F}"/>
+              </a:ext>
+            </a:extLst>
+          </p:cNvPr>
+          <p:cNvSpPr>
+            <a:spLocks noGrp="1"/>
+          </p:cNvSpPr>
+          <p:nvPr>
+            <p:ph idx="1"/>
+          </p:nvPr>
+        </p:nvSpPr>
+        <p:spPr/>
+        <p:txBody>
+          <a:bodyPr/>
+          <a:lstStyle/>
+          <a:p>
+            <a:r>
+              <a:rPr kumimoji="1" lang="en-US" altLang="ja-JP" dirty="0"/>
+              <a:t>1960</a:t>
+            </a:r>
+            <a:r>
+              <a:rPr kumimoji="1" lang="ja-JP" altLang="en-US" dirty="0"/>
+              <a:t>年代</a:t>
+            </a:r>
+            <a:r>
+              <a:rPr kumimoji="1" lang="en-US" altLang="ja-JP" dirty="0"/>
+              <a:t>:	FORTRAN</a:t>
+            </a:r>
+            <a:r>
+              <a:rPr lang="en-US" altLang="ja-JP" dirty="0"/>
+              <a:t>,</a:t>
+            </a:r>
+            <a:r>
+              <a:rPr lang="ja-JP" altLang="en-US" dirty="0"/>
+              <a:t> </a:t>
+            </a:r>
+            <a:r>
+              <a:rPr lang="en-US" altLang="ja-JP" dirty="0"/>
+              <a:t>COBOL</a:t>
+            </a:r>
+          </a:p>
+          <a:p>
+            <a:r>
+              <a:rPr kumimoji="1" lang="en-US" altLang="ja-JP" dirty="0"/>
+              <a:t>1970</a:t>
+            </a:r>
+            <a:r>
+              <a:rPr kumimoji="1" lang="ja-JP" altLang="en-US" dirty="0"/>
+              <a:t>年代</a:t>
+            </a:r>
+            <a:r>
+              <a:rPr lang="en-US" altLang="ja-JP" dirty="0"/>
+              <a:t>:	B</a:t>
+            </a:r>
+            <a:r>
+              <a:rPr lang="ja-JP" altLang="en-US" dirty="0"/>
+              <a:t>言語、</a:t>
+            </a:r>
+            <a:r>
+              <a:rPr lang="en-US" altLang="ja-JP" dirty="0"/>
+              <a:t>C</a:t>
+            </a:r>
+            <a:r>
+              <a:rPr lang="ja-JP" altLang="en-US" dirty="0"/>
+              <a:t>言語</a:t>
+            </a:r>
+            <a:endParaRPr lang="en-US" altLang="ja-JP" dirty="0"/>
+          </a:p>
+          <a:p>
+            <a:r>
+              <a:rPr kumimoji="1" lang="en-US" altLang="ja-JP" dirty="0"/>
+              <a:t>1983:		C++</a:t>
+            </a:r>
+          </a:p>
+          <a:p>
+            <a:r>
+              <a:rPr lang="en-US" altLang="ja-JP" dirty="0"/>
+              <a:t>1987:		Perl</a:t>
+            </a:r>
+          </a:p>
+          <a:p>
+            <a:r>
+              <a:rPr kumimoji="1" lang="en-US" altLang="ja-JP" dirty="0"/>
+              <a:t>1990:		Python</a:t>
+            </a:r>
+          </a:p>
+          <a:p>
+            <a:r>
+              <a:rPr lang="en-US" altLang="ja-JP" dirty="0"/>
+              <a:t>1995:		Ruby	</a:t>
+            </a:r>
+            <a:r>
+              <a:rPr lang="ja-JP" altLang="en-US" dirty="0"/>
+              <a:t>←国内初のプログラミング言語</a:t>
+            </a:r>
+            <a:endParaRPr lang="en-US" altLang="ja-JP" dirty="0"/>
+          </a:p>
+          <a:p>
+            <a:r>
+              <a:rPr kumimoji="1" lang="en-US" altLang="ja-JP" dirty="0"/>
+              <a:t>1997:		JavaScript</a:t>
+            </a:r>
+          </a:p>
+          <a:p>
+            <a:r>
+              <a:rPr lang="en-US" altLang="ja-JP" dirty="0"/>
+              <a:t>2002:		C#</a:t>
+            </a:r>
+          </a:p>
+          <a:p>
+            <a:r>
+              <a:rPr kumimoji="1" lang="en-US" altLang="ja-JP" dirty="0"/>
+              <a:t>2009:		Go</a:t>
+            </a:r>
+          </a:p>
+        </p:txBody>
+      </p:sp>
+    </p:spTree>
+    <p:extLst>
+      <p:ext uri="{BB962C8B-B14F-4D97-AF65-F5344CB8AC3E}">
+        <p14:creationId xmlns:p14="http://schemas.microsoft.com/office/powerpoint/2010/main" val="1890755666"/>
+      </p:ext>
+    </p:extLst>
+  </p:cSld>
+  <p:clrMapOvr>
+    <a:masterClrMapping/>
+  </p:clrMapOvr>
+</p:sld>
+</file>
+
+<file path=ppt/slides/slide8.xml><?xml version="1.0" encoding="utf-8"?>
+<p:sld xmlns:a="http://schemas.openxmlformats.org/drawingml/2006/main" xmlns:r="http://schemas.openxmlformats.org/officeDocument/2006/relationships" xmlns:p="http://schemas.openxmlformats.org/presentationml/2006/main">
+  <p:cSld>
+    <p:spTree>
+      <p:nvGrpSpPr>
+        <p:cNvPr id="1" name=""/>
+        <p:cNvGrpSpPr/>
+        <p:nvPr/>
+      </p:nvGrpSpPr>
+      <p:grpSpPr>
+        <a:xfrm>
+          <a:off x="0" y="0"/>
+          <a:ext cx="0" cy="0"/>
+          <a:chOff x="0" y="0"/>
+          <a:chExt cx="0" cy="0"/>
+        </a:xfrm>
+      </p:grpSpPr>
+      <p:sp>
+        <p:nvSpPr>
+          <p:cNvPr id="2" name="タイトル 1">
+            <a:extLst>
+              <a:ext uri="{FF2B5EF4-FFF2-40B4-BE49-F238E27FC236}">
                 <a16:creationId xmlns:a16="http://schemas.microsoft.com/office/drawing/2014/main" id="{F67D7BB4-3D44-4921-9153-D1D54947270A}"/>
               </a:ext>
             </a:extLst>
@@ -10162,7 +10638,7 @@
 </p:sld>
 </file>
 
-<file path=ppt/slides/slide8.xml><?xml version="1.0" encoding="utf-8"?>
+<file path=ppt/slides/slide9.xml><?xml version="1.0" encoding="utf-8"?>
 <p:sld xmlns:a="http://schemas.openxmlformats.org/drawingml/2006/main" xmlns:r="http://schemas.openxmlformats.org/officeDocument/2006/relationships" xmlns:p="http://schemas.openxmlformats.org/presentationml/2006/main">
   <p:cSld>
     <p:spTree>
@@ -10335,252 +10811,6 @@
     <p:extLst>
       <p:ext uri="{BB962C8B-B14F-4D97-AF65-F5344CB8AC3E}">
         <p14:creationId xmlns:p14="http://schemas.microsoft.com/office/powerpoint/2010/main" val="4111925139"/>
-      </p:ext>
-    </p:extLst>
-  </p:cSld>
-  <p:clrMapOvr>
-    <a:masterClrMapping/>
-  </p:clrMapOvr>
-</p:sld>
-</file>
-
-<file path=ppt/slides/slide9.xml><?xml version="1.0" encoding="utf-8"?>
-<p:sld xmlns:a="http://schemas.openxmlformats.org/drawingml/2006/main" xmlns:r="http://schemas.openxmlformats.org/officeDocument/2006/relationships" xmlns:p="http://schemas.openxmlformats.org/presentationml/2006/main">
-  <p:cSld>
-    <p:spTree>
-      <p:nvGrpSpPr>
-        <p:cNvPr id="1" name=""/>
-        <p:cNvGrpSpPr/>
-        <p:nvPr/>
-      </p:nvGrpSpPr>
-      <p:grpSpPr>
-        <a:xfrm>
-          <a:off x="0" y="0"/>
-          <a:ext cx="0" cy="0"/>
-          <a:chOff x="0" y="0"/>
-          <a:chExt cx="0" cy="0"/>
-        </a:xfrm>
-      </p:grpSpPr>
-      <p:sp>
-        <p:nvSpPr>
-          <p:cNvPr id="2" name="タイトル 1">
-            <a:extLst>
-              <a:ext uri="{FF2B5EF4-FFF2-40B4-BE49-F238E27FC236}">
-                <a16:creationId xmlns:a16="http://schemas.microsoft.com/office/drawing/2014/main" id="{58E53E00-00A7-4A3B-B54A-11C979702F9C}"/>
-              </a:ext>
-            </a:extLst>
-          </p:cNvPr>
-          <p:cNvSpPr>
-            <a:spLocks noGrp="1"/>
-          </p:cNvSpPr>
-          <p:nvPr>
-            <p:ph type="title"/>
-          </p:nvPr>
-        </p:nvSpPr>
-        <p:spPr/>
-        <p:txBody>
-          <a:bodyPr/>
-          <a:lstStyle/>
-          <a:p>
-            <a:r>
-              <a:rPr kumimoji="1" lang="ja-JP" altLang="en-US" dirty="0"/>
-              <a:t>では早速やっていきましょう</a:t>
-            </a:r>
-          </a:p>
-        </p:txBody>
-      </p:sp>
-      <p:sp>
-        <p:nvSpPr>
-          <p:cNvPr id="3" name="コンテンツ プレースホルダー 2">
-            <a:extLst>
-              <a:ext uri="{FF2B5EF4-FFF2-40B4-BE49-F238E27FC236}">
-                <a16:creationId xmlns:a16="http://schemas.microsoft.com/office/drawing/2014/main" id="{A73E6E66-50EA-4CE3-BCA6-7A03BC294D6B}"/>
-              </a:ext>
-            </a:extLst>
-          </p:cNvPr>
-          <p:cNvSpPr>
-            <a:spLocks noGrp="1"/>
-          </p:cNvSpPr>
-          <p:nvPr>
-            <p:ph idx="1"/>
-          </p:nvPr>
-        </p:nvSpPr>
-        <p:spPr/>
-        <p:txBody>
-          <a:bodyPr/>
-          <a:lstStyle/>
-          <a:p>
-            <a:r>
-              <a:rPr kumimoji="1" lang="ja-JP" altLang="en-US" dirty="0"/>
-              <a:t>と言いたいんですがまずはそのための環境を整えます</a:t>
-            </a:r>
-            <a:endParaRPr kumimoji="1" lang="en-US" altLang="ja-JP" dirty="0"/>
-          </a:p>
-          <a:p>
-            <a:r>
-              <a:rPr lang="en-US" altLang="ja-JP" dirty="0" err="1"/>
-              <a:t>gcc</a:t>
-            </a:r>
-            <a:r>
-              <a:rPr lang="en-US" altLang="ja-JP" dirty="0"/>
-              <a:t>(</a:t>
-            </a:r>
-            <a:r>
-              <a:rPr lang="ja-JP" altLang="en-US" dirty="0"/>
-              <a:t>コンパイラ</a:t>
-            </a:r>
-            <a:r>
-              <a:rPr lang="en-US" altLang="ja-JP" dirty="0"/>
-              <a:t>)</a:t>
-            </a:r>
-            <a:r>
-              <a:rPr lang="ja-JP" altLang="en-US" dirty="0"/>
-              <a:t>のインストール</a:t>
-            </a:r>
-            <a:r>
-              <a:rPr lang="en-US" altLang="ja-JP" dirty="0"/>
-              <a:t>(Win)</a:t>
-            </a:r>
-            <a:endParaRPr lang="en-US" altLang="ja-JP" b="0" i="0" dirty="0">
-              <a:effectLst/>
-              <a:latin typeface="Meiryo" panose="020B0604030504040204" pitchFamily="50" charset="-128"/>
-              <a:ea typeface="Meiryo" panose="020B0604030504040204" pitchFamily="50" charset="-128"/>
-              <a:hlinkClick r:id="rId2"/>
-            </a:endParaRPr>
-          </a:p>
-          <a:p>
-            <a:pPr lvl="1"/>
-            <a:r>
-              <a:rPr lang="en-US" altLang="ja-JP" b="0" i="0" dirty="0">
-                <a:effectLst/>
-                <a:latin typeface="Meiryo" panose="020B0604030504040204" pitchFamily="50" charset="-128"/>
-                <a:ea typeface="Meiryo" panose="020B0604030504040204" pitchFamily="50" charset="-128"/>
-                <a:hlinkClick r:id="rId2"/>
-              </a:rPr>
-              <a:t>MinGW-w64 - for 32 and 64 bit Windows</a:t>
-            </a:r>
-            <a:endParaRPr lang="en-US" altLang="ja-JP" b="0" i="0" dirty="0">
-              <a:effectLst/>
-              <a:latin typeface="Meiryo" panose="020B0604030504040204" pitchFamily="50" charset="-128"/>
-              <a:ea typeface="Meiryo" panose="020B0604030504040204" pitchFamily="50" charset="-128"/>
-            </a:endParaRPr>
-          </a:p>
-          <a:p>
-            <a:pPr lvl="1"/>
-            <a:r>
-              <a:rPr kumimoji="1" lang="en-US" altLang="ja-JP" dirty="0">
-                <a:latin typeface="Meiryo" panose="020B0604030504040204" pitchFamily="50" charset="-128"/>
-                <a:ea typeface="Meiryo" panose="020B0604030504040204" pitchFamily="50" charset="-128"/>
-              </a:rPr>
-              <a:t>OS</a:t>
-            </a:r>
-            <a:r>
-              <a:rPr kumimoji="1" lang="ja-JP" altLang="en-US" dirty="0">
-                <a:latin typeface="Meiryo" panose="020B0604030504040204" pitchFamily="50" charset="-128"/>
-                <a:ea typeface="Meiryo" panose="020B0604030504040204" pitchFamily="50" charset="-128"/>
-              </a:rPr>
-              <a:t>が</a:t>
-            </a:r>
-            <a:r>
-              <a:rPr kumimoji="1" lang="en-US" altLang="ja-JP" dirty="0">
-                <a:latin typeface="Meiryo" panose="020B0604030504040204" pitchFamily="50" charset="-128"/>
-                <a:ea typeface="Meiryo" panose="020B0604030504040204" pitchFamily="50" charset="-128"/>
-              </a:rPr>
-              <a:t>64bit</a:t>
-            </a:r>
-            <a:r>
-              <a:rPr kumimoji="1" lang="ja-JP" altLang="en-US" dirty="0">
-                <a:latin typeface="Meiryo" panose="020B0604030504040204" pitchFamily="50" charset="-128"/>
-                <a:ea typeface="Meiryo" panose="020B0604030504040204" pitchFamily="50" charset="-128"/>
-              </a:rPr>
-              <a:t>の場合は</a:t>
-            </a:r>
-            <a:r>
-              <a:rPr kumimoji="1" lang="en-US" altLang="ja-JP" dirty="0">
-                <a:latin typeface="Meiryo" panose="020B0604030504040204" pitchFamily="50" charset="-128"/>
-                <a:ea typeface="Meiryo" panose="020B0604030504040204" pitchFamily="50" charset="-128"/>
-              </a:rPr>
-              <a:t>x86_64</a:t>
-            </a:r>
-            <a:r>
-              <a:rPr kumimoji="1" lang="ja-JP" altLang="en-US" dirty="0">
-                <a:latin typeface="Meiryo" panose="020B0604030504040204" pitchFamily="50" charset="-128"/>
-                <a:ea typeface="Meiryo" panose="020B0604030504040204" pitchFamily="50" charset="-128"/>
-              </a:rPr>
-              <a:t>、</a:t>
-            </a:r>
-            <a:r>
-              <a:rPr kumimoji="1" lang="en-US" altLang="ja-JP" dirty="0">
-                <a:latin typeface="Meiryo" panose="020B0604030504040204" pitchFamily="50" charset="-128"/>
-                <a:ea typeface="Meiryo" panose="020B0604030504040204" pitchFamily="50" charset="-128"/>
-              </a:rPr>
-              <a:t>32bit</a:t>
-            </a:r>
-            <a:r>
-              <a:rPr kumimoji="1" lang="ja-JP" altLang="en-US" dirty="0">
-                <a:latin typeface="Meiryo" panose="020B0604030504040204" pitchFamily="50" charset="-128"/>
-                <a:ea typeface="Meiryo" panose="020B0604030504040204" pitchFamily="50" charset="-128"/>
-              </a:rPr>
-              <a:t>のばあいは</a:t>
-            </a:r>
-            <a:r>
-              <a:rPr kumimoji="1" lang="en-US" altLang="ja-JP" dirty="0">
-                <a:latin typeface="Meiryo" panose="020B0604030504040204" pitchFamily="50" charset="-128"/>
-                <a:ea typeface="Meiryo" panose="020B0604030504040204" pitchFamily="50" charset="-128"/>
-              </a:rPr>
-              <a:t>i686</a:t>
-            </a:r>
-            <a:r>
-              <a:rPr kumimoji="1" lang="ja-JP" altLang="en-US" dirty="0">
-                <a:latin typeface="Meiryo" panose="020B0604030504040204" pitchFamily="50" charset="-128"/>
-                <a:ea typeface="Meiryo" panose="020B0604030504040204" pitchFamily="50" charset="-128"/>
-              </a:rPr>
-              <a:t>を選択</a:t>
-            </a:r>
-            <a:endParaRPr lang="en-US" altLang="ja-JP" dirty="0">
-              <a:latin typeface="Meiryo" panose="020B0604030504040204" pitchFamily="50" charset="-128"/>
-              <a:ea typeface="Meiryo" panose="020B0604030504040204" pitchFamily="50" charset="-128"/>
-            </a:endParaRPr>
-          </a:p>
-          <a:p>
-            <a:r>
-              <a:rPr kumimoji="1" lang="en-US" altLang="ja-JP" dirty="0" err="1">
-                <a:latin typeface="Meiryo" panose="020B0604030504040204" pitchFamily="50" charset="-128"/>
-                <a:ea typeface="Meiryo" panose="020B0604030504040204" pitchFamily="50" charset="-128"/>
-              </a:rPr>
-              <a:t>VSCode</a:t>
-            </a:r>
-            <a:r>
-              <a:rPr kumimoji="1" lang="ja-JP" altLang="en-US" dirty="0">
-                <a:latin typeface="Meiryo" panose="020B0604030504040204" pitchFamily="50" charset="-128"/>
-                <a:ea typeface="Meiryo" panose="020B0604030504040204" pitchFamily="50" charset="-128"/>
-              </a:rPr>
-              <a:t>もインストールしておきましょう</a:t>
-            </a:r>
-            <a:endParaRPr kumimoji="1" lang="en-US" altLang="ja-JP" dirty="0">
-              <a:latin typeface="Meiryo" panose="020B0604030504040204" pitchFamily="50" charset="-128"/>
-              <a:ea typeface="Meiryo" panose="020B0604030504040204" pitchFamily="50" charset="-128"/>
-            </a:endParaRPr>
-          </a:p>
-          <a:p>
-            <a:pPr lvl="1"/>
-            <a:r>
-              <a:rPr kumimoji="1" lang="en-US" altLang="ja-JP" dirty="0">
-                <a:latin typeface="Meiryo" panose="020B0604030504040204" pitchFamily="50" charset="-128"/>
-                <a:ea typeface="Meiryo" panose="020B0604030504040204" pitchFamily="50" charset="-128"/>
-              </a:rPr>
-              <a:t>https://code.visualstudio.com/download</a:t>
-            </a:r>
-          </a:p>
-          <a:p>
-            <a:endParaRPr kumimoji="1" lang="ja-JP" altLang="en-US" dirty="0"/>
-          </a:p>
-        </p:txBody>
-      </p:sp>
-    </p:spTree>
-    <p:extLst>
-      <p:ext uri="{BB962C8B-B14F-4D97-AF65-F5344CB8AC3E}">
-        <p14:creationId xmlns:p14="http://schemas.microsoft.com/office/powerpoint/2010/main" val="4186084159"/>
       </p:ext>
     </p:extLst>
   </p:cSld>

--- a/第1回/C++入門講座-1.pptx
+++ b/第1回/C++入門講座-1.pptx
@@ -6,26 +6,25 @@
   </p:sldMasterIdLst>
   <p:sldIdLst>
     <p:sldId id="256" r:id="rId2"/>
-    <p:sldId id="277" r:id="rId3"/>
-    <p:sldId id="257" r:id="rId4"/>
-    <p:sldId id="261" r:id="rId5"/>
-    <p:sldId id="259" r:id="rId6"/>
-    <p:sldId id="260" r:id="rId7"/>
-    <p:sldId id="262" r:id="rId8"/>
-    <p:sldId id="263" r:id="rId9"/>
-    <p:sldId id="264" r:id="rId10"/>
-    <p:sldId id="265" r:id="rId11"/>
-    <p:sldId id="266" r:id="rId12"/>
-    <p:sldId id="267" r:id="rId13"/>
-    <p:sldId id="268" r:id="rId14"/>
-    <p:sldId id="274" r:id="rId15"/>
-    <p:sldId id="269" r:id="rId16"/>
-    <p:sldId id="270" r:id="rId17"/>
-    <p:sldId id="271" r:id="rId18"/>
-    <p:sldId id="275" r:id="rId19"/>
-    <p:sldId id="272" r:id="rId20"/>
-    <p:sldId id="273" r:id="rId21"/>
-    <p:sldId id="276" r:id="rId22"/>
+    <p:sldId id="257" r:id="rId3"/>
+    <p:sldId id="261" r:id="rId4"/>
+    <p:sldId id="259" r:id="rId5"/>
+    <p:sldId id="260" r:id="rId6"/>
+    <p:sldId id="262" r:id="rId7"/>
+    <p:sldId id="263" r:id="rId8"/>
+    <p:sldId id="264" r:id="rId9"/>
+    <p:sldId id="265" r:id="rId10"/>
+    <p:sldId id="266" r:id="rId11"/>
+    <p:sldId id="267" r:id="rId12"/>
+    <p:sldId id="268" r:id="rId13"/>
+    <p:sldId id="274" r:id="rId14"/>
+    <p:sldId id="269" r:id="rId15"/>
+    <p:sldId id="270" r:id="rId16"/>
+    <p:sldId id="271" r:id="rId17"/>
+    <p:sldId id="275" r:id="rId18"/>
+    <p:sldId id="272" r:id="rId19"/>
+    <p:sldId id="273" r:id="rId20"/>
+    <p:sldId id="276" r:id="rId21"/>
   </p:sldIdLst>
   <p:sldSz cx="12192000" cy="6858000"/>
   <p:notesSz cx="6858000" cy="9144000"/>
@@ -135,8 +134,7 @@
 <file path=ppt/revisionInfo.xml><?xml version="1.0" encoding="utf-8"?>
 <p1510:revInfo xmlns:a="http://schemas.openxmlformats.org/drawingml/2006/main" xmlns:r="http://schemas.openxmlformats.org/officeDocument/2006/relationships" xmlns:p1510="http://schemas.microsoft.com/office/powerpoint/2015/10/main">
   <p1510:revLst>
-    <p1510:client id="{520A3917-F2C6-407F-BBBE-5D5EE7D93B3E}" v="12" dt="2022-04-12T18:11:16.054"/>
-    <p1510:client id="{52204281-6F95-40E0-86D9-20C8C6CDEEDB}" v="339" dt="2022-04-12T17:42:35.662"/>
+    <p1510:client id="{520A3917-F2C6-407F-BBBE-5D5EE7D93B3E}" v="16" dt="2022-04-17T10:42:00.155"/>
   </p1510:revLst>
 </p1510:revInfo>
 </file>
@@ -145,13 +143,36 @@
 <pc:chgInfo xmlns:a="http://schemas.openxmlformats.org/drawingml/2006/main" xmlns:r="http://schemas.openxmlformats.org/officeDocument/2006/relationships" xmlns:ac="http://schemas.microsoft.com/office/drawing/2013/main/command" xmlns:pc="http://schemas.microsoft.com/office/powerpoint/2013/main/command">
   <pc:docChgLst>
     <pc:chgData name="Yuki Nishimura" userId="ffc7ada9-1d15-4a0e-80eb-bbcafa94b896" providerId="ADAL" clId="{520A3917-F2C6-407F-BBBE-5D5EE7D93B3E}"/>
-    <pc:docChg chg="addSld modSld">
-      <pc:chgData name="Yuki Nishimura" userId="ffc7ada9-1d15-4a0e-80eb-bbcafa94b896" providerId="ADAL" clId="{520A3917-F2C6-407F-BBBE-5D5EE7D93B3E}" dt="2022-04-12T18:11:42.402" v="324" actId="1076"/>
+    <pc:docChg chg="addSld delSld modSld">
+      <pc:chgData name="Yuki Nishimura" userId="ffc7ada9-1d15-4a0e-80eb-bbcafa94b896" providerId="ADAL" clId="{520A3917-F2C6-407F-BBBE-5D5EE7D93B3E}" dt="2022-04-17T10:42:07.482" v="361" actId="14100"/>
       <pc:docMkLst>
         <pc:docMk/>
       </pc:docMkLst>
-      <pc:sldChg chg="addSp modSp new mod">
-        <pc:chgData name="Yuki Nishimura" userId="ffc7ada9-1d15-4a0e-80eb-bbcafa94b896" providerId="ADAL" clId="{520A3917-F2C6-407F-BBBE-5D5EE7D93B3E}" dt="2022-04-12T18:11:42.402" v="324" actId="1076"/>
+      <pc:sldChg chg="addSp modSp mod">
+        <pc:chgData name="Yuki Nishimura" userId="ffc7ada9-1d15-4a0e-80eb-bbcafa94b896" providerId="ADAL" clId="{520A3917-F2C6-407F-BBBE-5D5EE7D93B3E}" dt="2022-04-17T10:42:07.482" v="361" actId="14100"/>
+        <pc:sldMkLst>
+          <pc:docMk/>
+          <pc:sldMk cId="3306307797" sldId="256"/>
+        </pc:sldMkLst>
+        <pc:spChg chg="mod">
+          <ac:chgData name="Yuki Nishimura" userId="ffc7ada9-1d15-4a0e-80eb-bbcafa94b896" providerId="ADAL" clId="{520A3917-F2C6-407F-BBBE-5D5EE7D93B3E}" dt="2022-04-17T10:42:00.155" v="359"/>
+          <ac:spMkLst>
+            <pc:docMk/>
+            <pc:sldMk cId="3306307797" sldId="256"/>
+            <ac:spMk id="3" creationId="{8AE37EBD-E218-4B7F-9A12-3C2E4FE8F5E7}"/>
+          </ac:spMkLst>
+        </pc:spChg>
+        <pc:picChg chg="add mod">
+          <ac:chgData name="Yuki Nishimura" userId="ffc7ada9-1d15-4a0e-80eb-bbcafa94b896" providerId="ADAL" clId="{520A3917-F2C6-407F-BBBE-5D5EE7D93B3E}" dt="2022-04-17T10:42:07.482" v="361" actId="14100"/>
+          <ac:picMkLst>
+            <pc:docMk/>
+            <pc:sldMk cId="3306307797" sldId="256"/>
+            <ac:picMk id="4" creationId="{4ECA55C1-DC60-40EE-85E5-8086EAB8F505}"/>
+          </ac:picMkLst>
+        </pc:picChg>
+      </pc:sldChg>
+      <pc:sldChg chg="addSp modSp new del mod">
+        <pc:chgData name="Yuki Nishimura" userId="ffc7ada9-1d15-4a0e-80eb-bbcafa94b896" providerId="ADAL" clId="{520A3917-F2C6-407F-BBBE-5D5EE7D93B3E}" dt="2022-04-17T10:41:17.284" v="326" actId="47"/>
         <pc:sldMkLst>
           <pc:docMk/>
           <pc:sldMk cId="1741926786" sldId="277"/>
@@ -173,7 +194,7 @@
           </ac:spMkLst>
         </pc:spChg>
         <pc:picChg chg="add mod">
-          <ac:chgData name="Yuki Nishimura" userId="ffc7ada9-1d15-4a0e-80eb-bbcafa94b896" providerId="ADAL" clId="{520A3917-F2C6-407F-BBBE-5D5EE7D93B3E}" dt="2022-04-12T18:11:42.402" v="324" actId="1076"/>
+          <ac:chgData name="Yuki Nishimura" userId="ffc7ada9-1d15-4a0e-80eb-bbcafa94b896" providerId="ADAL" clId="{520A3917-F2C6-407F-BBBE-5D5EE7D93B3E}" dt="2022-04-17T10:41:13.410" v="325" actId="1076"/>
           <ac:picMkLst>
             <pc:docMk/>
             <pc:sldMk cId="1741926786" sldId="277"/>
@@ -1598,7 +1619,7 @@
           <a:p>
             <a:fld id="{9D0BB894-B3B8-4D26-B19F-8989FDE70E0B}" type="datetimeFigureOut">
               <a:rPr kumimoji="1" lang="ja-JP" altLang="en-US" smtClean="0"/>
-              <a:t>2022/4/13</a:t>
+              <a:t>2022/4/17</a:t>
             </a:fld>
             <a:endParaRPr kumimoji="1" lang="ja-JP" altLang="en-US"/>
           </a:p>
@@ -1849,7 +1870,7 @@
           <a:p>
             <a:fld id="{9D0BB894-B3B8-4D26-B19F-8989FDE70E0B}" type="datetimeFigureOut">
               <a:rPr kumimoji="1" lang="ja-JP" altLang="en-US" smtClean="0"/>
-              <a:t>2022/4/13</a:t>
+              <a:t>2022/4/17</a:t>
             </a:fld>
             <a:endParaRPr kumimoji="1" lang="ja-JP" altLang="en-US"/>
           </a:p>
@@ -2163,7 +2184,7 @@
           <a:p>
             <a:fld id="{9D0BB894-B3B8-4D26-B19F-8989FDE70E0B}" type="datetimeFigureOut">
               <a:rPr kumimoji="1" lang="ja-JP" altLang="en-US" smtClean="0"/>
-              <a:t>2022/4/13</a:t>
+              <a:t>2022/4/17</a:t>
             </a:fld>
             <a:endParaRPr kumimoji="1" lang="ja-JP" altLang="en-US"/>
           </a:p>
@@ -2496,7 +2517,7 @@
           <a:p>
             <a:fld id="{9D0BB894-B3B8-4D26-B19F-8989FDE70E0B}" type="datetimeFigureOut">
               <a:rPr kumimoji="1" lang="ja-JP" altLang="en-US" smtClean="0"/>
-              <a:t>2022/4/13</a:t>
+              <a:t>2022/4/17</a:t>
             </a:fld>
             <a:endParaRPr kumimoji="1" lang="ja-JP" altLang="en-US"/>
           </a:p>
@@ -2810,7 +2831,7 @@
           <a:p>
             <a:fld id="{9D0BB894-B3B8-4D26-B19F-8989FDE70E0B}" type="datetimeFigureOut">
               <a:rPr kumimoji="1" lang="ja-JP" altLang="en-US" smtClean="0"/>
-              <a:t>2022/4/13</a:t>
+              <a:t>2022/4/17</a:t>
             </a:fld>
             <a:endParaRPr kumimoji="1" lang="ja-JP" altLang="en-US"/>
           </a:p>
@@ -3203,7 +3224,7 @@
           <a:p>
             <a:fld id="{9D0BB894-B3B8-4D26-B19F-8989FDE70E0B}" type="datetimeFigureOut">
               <a:rPr kumimoji="1" lang="ja-JP" altLang="en-US" smtClean="0"/>
-              <a:t>2022/4/13</a:t>
+              <a:t>2022/4/17</a:t>
             </a:fld>
             <a:endParaRPr kumimoji="1" lang="ja-JP" altLang="en-US"/>
           </a:p>
@@ -3405,7 +3426,7 @@
           <a:p>
             <a:fld id="{9D0BB894-B3B8-4D26-B19F-8989FDE70E0B}" type="datetimeFigureOut">
               <a:rPr kumimoji="1" lang="ja-JP" altLang="en-US" smtClean="0"/>
-              <a:t>2022/4/13</a:t>
+              <a:t>2022/4/17</a:t>
             </a:fld>
             <a:endParaRPr kumimoji="1" lang="ja-JP" altLang="en-US"/>
           </a:p>
@@ -3617,7 +3638,7 @@
           <a:p>
             <a:fld id="{9D0BB894-B3B8-4D26-B19F-8989FDE70E0B}" type="datetimeFigureOut">
               <a:rPr kumimoji="1" lang="ja-JP" altLang="en-US" smtClean="0"/>
-              <a:t>2022/4/13</a:t>
+              <a:t>2022/4/17</a:t>
             </a:fld>
             <a:endParaRPr kumimoji="1" lang="ja-JP" altLang="en-US"/>
           </a:p>
@@ -3819,7 +3840,7 @@
           <a:p>
             <a:fld id="{9D0BB894-B3B8-4D26-B19F-8989FDE70E0B}" type="datetimeFigureOut">
               <a:rPr kumimoji="1" lang="ja-JP" altLang="en-US" smtClean="0"/>
-              <a:t>2022/4/13</a:t>
+              <a:t>2022/4/17</a:t>
             </a:fld>
             <a:endParaRPr kumimoji="1" lang="ja-JP" altLang="en-US"/>
           </a:p>
@@ -4066,7 +4087,7 @@
           <a:p>
             <a:fld id="{9D0BB894-B3B8-4D26-B19F-8989FDE70E0B}" type="datetimeFigureOut">
               <a:rPr kumimoji="1" lang="ja-JP" altLang="en-US" smtClean="0"/>
-              <a:t>2022/4/13</a:t>
+              <a:t>2022/4/17</a:t>
             </a:fld>
             <a:endParaRPr kumimoji="1" lang="ja-JP" altLang="en-US"/>
           </a:p>
@@ -4362,7 +4383,7 @@
           <a:p>
             <a:fld id="{9D0BB894-B3B8-4D26-B19F-8989FDE70E0B}" type="datetimeFigureOut">
               <a:rPr kumimoji="1" lang="ja-JP" altLang="en-US" smtClean="0"/>
-              <a:t>2022/4/13</a:t>
+              <a:t>2022/4/17</a:t>
             </a:fld>
             <a:endParaRPr kumimoji="1" lang="ja-JP" altLang="en-US"/>
           </a:p>
@@ -4800,7 +4821,7 @@
           <a:p>
             <a:fld id="{9D0BB894-B3B8-4D26-B19F-8989FDE70E0B}" type="datetimeFigureOut">
               <a:rPr kumimoji="1" lang="ja-JP" altLang="en-US" smtClean="0"/>
-              <a:t>2022/4/13</a:t>
+              <a:t>2022/4/17</a:t>
             </a:fld>
             <a:endParaRPr kumimoji="1" lang="ja-JP" altLang="en-US"/>
           </a:p>
@@ -4923,7 +4944,7 @@
           <a:p>
             <a:fld id="{9D0BB894-B3B8-4D26-B19F-8989FDE70E0B}" type="datetimeFigureOut">
               <a:rPr kumimoji="1" lang="ja-JP" altLang="en-US" smtClean="0"/>
-              <a:t>2022/4/13</a:t>
+              <a:t>2022/4/17</a:t>
             </a:fld>
             <a:endParaRPr kumimoji="1" lang="ja-JP" altLang="en-US"/>
           </a:p>
@@ -5018,7 +5039,7 @@
           <a:p>
             <a:fld id="{9D0BB894-B3B8-4D26-B19F-8989FDE70E0B}" type="datetimeFigureOut">
               <a:rPr kumimoji="1" lang="ja-JP" altLang="en-US" smtClean="0"/>
-              <a:t>2022/4/13</a:t>
+              <a:t>2022/4/17</a:t>
             </a:fld>
             <a:endParaRPr kumimoji="1" lang="ja-JP" altLang="en-US"/>
           </a:p>
@@ -5305,7 +5326,7 @@
           <a:p>
             <a:fld id="{9D0BB894-B3B8-4D26-B19F-8989FDE70E0B}" type="datetimeFigureOut">
               <a:rPr kumimoji="1" lang="ja-JP" altLang="en-US" smtClean="0"/>
-              <a:t>2022/4/13</a:t>
+              <a:t>2022/4/17</a:t>
             </a:fld>
             <a:endParaRPr kumimoji="1" lang="ja-JP" altLang="en-US"/>
           </a:p>
@@ -5610,7 +5631,7 @@
           <a:p>
             <a:fld id="{9D0BB894-B3B8-4D26-B19F-8989FDE70E0B}" type="datetimeFigureOut">
               <a:rPr kumimoji="1" lang="ja-JP" altLang="en-US" smtClean="0"/>
-              <a:t>2022/4/13</a:t>
+              <a:t>2022/4/17</a:t>
             </a:fld>
             <a:endParaRPr kumimoji="1" lang="ja-JP" altLang="en-US"/>
           </a:p>
@@ -6344,7 +6365,7 @@
           <a:p>
             <a:fld id="{9D0BB894-B3B8-4D26-B19F-8989FDE70E0B}" type="datetimeFigureOut">
               <a:rPr kumimoji="1" lang="ja-JP" altLang="en-US" smtClean="0"/>
-              <a:t>2022/4/13</a:t>
+              <a:t>2022/4/17</a:t>
             </a:fld>
             <a:endParaRPr kumimoji="1" lang="ja-JP" altLang="en-US"/>
           </a:p>
@@ -6921,10 +6942,50 @@
           <a:bodyPr/>
           <a:lstStyle/>
           <a:p>
+            <a:r>
+              <a:rPr kumimoji="1" lang="ja-JP" altLang="en-US" sz="3600" dirty="0"/>
+              <a:t>和奏ー　　</a:t>
+            </a:r>
             <a:endParaRPr kumimoji="1" lang="ja-JP" altLang="en-US" dirty="0"/>
           </a:p>
         </p:txBody>
       </p:sp>
+      <p:pic>
+        <p:nvPicPr>
+          <p:cNvPr id="4" name="図 3" descr="ロゴ&#10;&#10;自動的に生成された説明">
+            <a:extLst>
+              <a:ext uri="{FF2B5EF4-FFF2-40B4-BE49-F238E27FC236}">
+                <a16:creationId xmlns:a16="http://schemas.microsoft.com/office/drawing/2014/main" id="{4ECA55C1-DC60-40EE-85E5-8086EAB8F505}"/>
+              </a:ext>
+            </a:extLst>
+          </p:cNvPr>
+          <p:cNvPicPr>
+            <a:picLocks noChangeAspect="1"/>
+          </p:cNvPicPr>
+          <p:nvPr/>
+        </p:nvPicPr>
+        <p:blipFill>
+          <a:blip r:embed="rId2">
+            <a:extLst>
+              <a:ext uri="{28A0092B-C50C-407E-A947-70E740481C1C}">
+                <a14:useLocalDpi xmlns:a14="http://schemas.microsoft.com/office/drawing/2010/main" val="0"/>
+              </a:ext>
+            </a:extLst>
+          </a:blip>
+          <a:stretch>
+            <a:fillRect/>
+          </a:stretch>
+        </p:blipFill>
+        <p:spPr>
+          <a:xfrm>
+            <a:off x="8739835" y="4050833"/>
+            <a:ext cx="534168" cy="534168"/>
+          </a:xfrm>
+          <a:prstGeom prst="rect">
+            <a:avLst/>
+          </a:prstGeom>
+        </p:spPr>
+      </p:pic>
     </p:spTree>
     <p:extLst>
       <p:ext uri="{BB962C8B-B14F-4D97-AF65-F5344CB8AC3E}">
@@ -6939,252 +7000,6 @@
 </file>
 
 <file path=ppt/slides/slide10.xml><?xml version="1.0" encoding="utf-8"?>
-<p:sld xmlns:a="http://schemas.openxmlformats.org/drawingml/2006/main" xmlns:r="http://schemas.openxmlformats.org/officeDocument/2006/relationships" xmlns:p="http://schemas.openxmlformats.org/presentationml/2006/main">
-  <p:cSld>
-    <p:spTree>
-      <p:nvGrpSpPr>
-        <p:cNvPr id="1" name=""/>
-        <p:cNvGrpSpPr/>
-        <p:nvPr/>
-      </p:nvGrpSpPr>
-      <p:grpSpPr>
-        <a:xfrm>
-          <a:off x="0" y="0"/>
-          <a:ext cx="0" cy="0"/>
-          <a:chOff x="0" y="0"/>
-          <a:chExt cx="0" cy="0"/>
-        </a:xfrm>
-      </p:grpSpPr>
-      <p:sp>
-        <p:nvSpPr>
-          <p:cNvPr id="2" name="タイトル 1">
-            <a:extLst>
-              <a:ext uri="{FF2B5EF4-FFF2-40B4-BE49-F238E27FC236}">
-                <a16:creationId xmlns:a16="http://schemas.microsoft.com/office/drawing/2014/main" id="{58E53E00-00A7-4A3B-B54A-11C979702F9C}"/>
-              </a:ext>
-            </a:extLst>
-          </p:cNvPr>
-          <p:cNvSpPr>
-            <a:spLocks noGrp="1"/>
-          </p:cNvSpPr>
-          <p:nvPr>
-            <p:ph type="title"/>
-          </p:nvPr>
-        </p:nvSpPr>
-        <p:spPr/>
-        <p:txBody>
-          <a:bodyPr/>
-          <a:lstStyle/>
-          <a:p>
-            <a:r>
-              <a:rPr kumimoji="1" lang="ja-JP" altLang="en-US" dirty="0"/>
-              <a:t>では早速やっていきましょう</a:t>
-            </a:r>
-          </a:p>
-        </p:txBody>
-      </p:sp>
-      <p:sp>
-        <p:nvSpPr>
-          <p:cNvPr id="3" name="コンテンツ プレースホルダー 2">
-            <a:extLst>
-              <a:ext uri="{FF2B5EF4-FFF2-40B4-BE49-F238E27FC236}">
-                <a16:creationId xmlns:a16="http://schemas.microsoft.com/office/drawing/2014/main" id="{A73E6E66-50EA-4CE3-BCA6-7A03BC294D6B}"/>
-              </a:ext>
-            </a:extLst>
-          </p:cNvPr>
-          <p:cNvSpPr>
-            <a:spLocks noGrp="1"/>
-          </p:cNvSpPr>
-          <p:nvPr>
-            <p:ph idx="1"/>
-          </p:nvPr>
-        </p:nvSpPr>
-        <p:spPr/>
-        <p:txBody>
-          <a:bodyPr/>
-          <a:lstStyle/>
-          <a:p>
-            <a:r>
-              <a:rPr kumimoji="1" lang="ja-JP" altLang="en-US" dirty="0"/>
-              <a:t>と言いたいんですがまずはそのための環境を整えます</a:t>
-            </a:r>
-            <a:endParaRPr kumimoji="1" lang="en-US" altLang="ja-JP" dirty="0"/>
-          </a:p>
-          <a:p>
-            <a:r>
-              <a:rPr lang="en-US" altLang="ja-JP" dirty="0" err="1"/>
-              <a:t>gcc</a:t>
-            </a:r>
-            <a:r>
-              <a:rPr lang="en-US" altLang="ja-JP" dirty="0"/>
-              <a:t>(</a:t>
-            </a:r>
-            <a:r>
-              <a:rPr lang="ja-JP" altLang="en-US" dirty="0"/>
-              <a:t>コンパイラ</a:t>
-            </a:r>
-            <a:r>
-              <a:rPr lang="en-US" altLang="ja-JP" dirty="0"/>
-              <a:t>)</a:t>
-            </a:r>
-            <a:r>
-              <a:rPr lang="ja-JP" altLang="en-US" dirty="0"/>
-              <a:t>のインストール</a:t>
-            </a:r>
-            <a:r>
-              <a:rPr lang="en-US" altLang="ja-JP" dirty="0"/>
-              <a:t>(Win)</a:t>
-            </a:r>
-            <a:endParaRPr lang="en-US" altLang="ja-JP" b="0" i="0" dirty="0">
-              <a:effectLst/>
-              <a:latin typeface="Meiryo" panose="020B0604030504040204" pitchFamily="50" charset="-128"/>
-              <a:ea typeface="Meiryo" panose="020B0604030504040204" pitchFamily="50" charset="-128"/>
-              <a:hlinkClick r:id="rId2"/>
-            </a:endParaRPr>
-          </a:p>
-          <a:p>
-            <a:pPr lvl="1"/>
-            <a:r>
-              <a:rPr lang="en-US" altLang="ja-JP" b="0" i="0" dirty="0">
-                <a:effectLst/>
-                <a:latin typeface="Meiryo" panose="020B0604030504040204" pitchFamily="50" charset="-128"/>
-                <a:ea typeface="Meiryo" panose="020B0604030504040204" pitchFamily="50" charset="-128"/>
-                <a:hlinkClick r:id="rId2"/>
-              </a:rPr>
-              <a:t>MinGW-w64 - for 32 and 64 bit Windows</a:t>
-            </a:r>
-            <a:endParaRPr lang="en-US" altLang="ja-JP" b="0" i="0" dirty="0">
-              <a:effectLst/>
-              <a:latin typeface="Meiryo" panose="020B0604030504040204" pitchFamily="50" charset="-128"/>
-              <a:ea typeface="Meiryo" panose="020B0604030504040204" pitchFamily="50" charset="-128"/>
-            </a:endParaRPr>
-          </a:p>
-          <a:p>
-            <a:pPr lvl="1"/>
-            <a:r>
-              <a:rPr kumimoji="1" lang="en-US" altLang="ja-JP" dirty="0">
-                <a:latin typeface="Meiryo" panose="020B0604030504040204" pitchFamily="50" charset="-128"/>
-                <a:ea typeface="Meiryo" panose="020B0604030504040204" pitchFamily="50" charset="-128"/>
-              </a:rPr>
-              <a:t>OS</a:t>
-            </a:r>
-            <a:r>
-              <a:rPr kumimoji="1" lang="ja-JP" altLang="en-US" dirty="0">
-                <a:latin typeface="Meiryo" panose="020B0604030504040204" pitchFamily="50" charset="-128"/>
-                <a:ea typeface="Meiryo" panose="020B0604030504040204" pitchFamily="50" charset="-128"/>
-              </a:rPr>
-              <a:t>が</a:t>
-            </a:r>
-            <a:r>
-              <a:rPr kumimoji="1" lang="en-US" altLang="ja-JP" dirty="0">
-                <a:latin typeface="Meiryo" panose="020B0604030504040204" pitchFamily="50" charset="-128"/>
-                <a:ea typeface="Meiryo" panose="020B0604030504040204" pitchFamily="50" charset="-128"/>
-              </a:rPr>
-              <a:t>64bit</a:t>
-            </a:r>
-            <a:r>
-              <a:rPr kumimoji="1" lang="ja-JP" altLang="en-US" dirty="0">
-                <a:latin typeface="Meiryo" panose="020B0604030504040204" pitchFamily="50" charset="-128"/>
-                <a:ea typeface="Meiryo" panose="020B0604030504040204" pitchFamily="50" charset="-128"/>
-              </a:rPr>
-              <a:t>の場合は</a:t>
-            </a:r>
-            <a:r>
-              <a:rPr kumimoji="1" lang="en-US" altLang="ja-JP" dirty="0">
-                <a:latin typeface="Meiryo" panose="020B0604030504040204" pitchFamily="50" charset="-128"/>
-                <a:ea typeface="Meiryo" panose="020B0604030504040204" pitchFamily="50" charset="-128"/>
-              </a:rPr>
-              <a:t>x86_64</a:t>
-            </a:r>
-            <a:r>
-              <a:rPr kumimoji="1" lang="ja-JP" altLang="en-US" dirty="0">
-                <a:latin typeface="Meiryo" panose="020B0604030504040204" pitchFamily="50" charset="-128"/>
-                <a:ea typeface="Meiryo" panose="020B0604030504040204" pitchFamily="50" charset="-128"/>
-              </a:rPr>
-              <a:t>、</a:t>
-            </a:r>
-            <a:r>
-              <a:rPr kumimoji="1" lang="en-US" altLang="ja-JP" dirty="0">
-                <a:latin typeface="Meiryo" panose="020B0604030504040204" pitchFamily="50" charset="-128"/>
-                <a:ea typeface="Meiryo" panose="020B0604030504040204" pitchFamily="50" charset="-128"/>
-              </a:rPr>
-              <a:t>32bit</a:t>
-            </a:r>
-            <a:r>
-              <a:rPr kumimoji="1" lang="ja-JP" altLang="en-US" dirty="0">
-                <a:latin typeface="Meiryo" panose="020B0604030504040204" pitchFamily="50" charset="-128"/>
-                <a:ea typeface="Meiryo" panose="020B0604030504040204" pitchFamily="50" charset="-128"/>
-              </a:rPr>
-              <a:t>のばあいは</a:t>
-            </a:r>
-            <a:r>
-              <a:rPr kumimoji="1" lang="en-US" altLang="ja-JP" dirty="0">
-                <a:latin typeface="Meiryo" panose="020B0604030504040204" pitchFamily="50" charset="-128"/>
-                <a:ea typeface="Meiryo" panose="020B0604030504040204" pitchFamily="50" charset="-128"/>
-              </a:rPr>
-              <a:t>i686</a:t>
-            </a:r>
-            <a:r>
-              <a:rPr kumimoji="1" lang="ja-JP" altLang="en-US" dirty="0">
-                <a:latin typeface="Meiryo" panose="020B0604030504040204" pitchFamily="50" charset="-128"/>
-                <a:ea typeface="Meiryo" panose="020B0604030504040204" pitchFamily="50" charset="-128"/>
-              </a:rPr>
-              <a:t>を選択</a:t>
-            </a:r>
-            <a:endParaRPr lang="en-US" altLang="ja-JP" dirty="0">
-              <a:latin typeface="Meiryo" panose="020B0604030504040204" pitchFamily="50" charset="-128"/>
-              <a:ea typeface="Meiryo" panose="020B0604030504040204" pitchFamily="50" charset="-128"/>
-            </a:endParaRPr>
-          </a:p>
-          <a:p>
-            <a:r>
-              <a:rPr kumimoji="1" lang="en-US" altLang="ja-JP" dirty="0" err="1">
-                <a:latin typeface="Meiryo" panose="020B0604030504040204" pitchFamily="50" charset="-128"/>
-                <a:ea typeface="Meiryo" panose="020B0604030504040204" pitchFamily="50" charset="-128"/>
-              </a:rPr>
-              <a:t>VSCode</a:t>
-            </a:r>
-            <a:r>
-              <a:rPr kumimoji="1" lang="ja-JP" altLang="en-US" dirty="0">
-                <a:latin typeface="Meiryo" panose="020B0604030504040204" pitchFamily="50" charset="-128"/>
-                <a:ea typeface="Meiryo" panose="020B0604030504040204" pitchFamily="50" charset="-128"/>
-              </a:rPr>
-              <a:t>もインストールしておきましょう</a:t>
-            </a:r>
-            <a:endParaRPr kumimoji="1" lang="en-US" altLang="ja-JP" dirty="0">
-              <a:latin typeface="Meiryo" panose="020B0604030504040204" pitchFamily="50" charset="-128"/>
-              <a:ea typeface="Meiryo" panose="020B0604030504040204" pitchFamily="50" charset="-128"/>
-            </a:endParaRPr>
-          </a:p>
-          <a:p>
-            <a:pPr lvl="1"/>
-            <a:r>
-              <a:rPr kumimoji="1" lang="en-US" altLang="ja-JP" dirty="0">
-                <a:latin typeface="Meiryo" panose="020B0604030504040204" pitchFamily="50" charset="-128"/>
-                <a:ea typeface="Meiryo" panose="020B0604030504040204" pitchFamily="50" charset="-128"/>
-              </a:rPr>
-              <a:t>https://code.visualstudio.com/download</a:t>
-            </a:r>
-          </a:p>
-          <a:p>
-            <a:endParaRPr kumimoji="1" lang="ja-JP" altLang="en-US" dirty="0"/>
-          </a:p>
-        </p:txBody>
-      </p:sp>
-    </p:spTree>
-    <p:extLst>
-      <p:ext uri="{BB962C8B-B14F-4D97-AF65-F5344CB8AC3E}">
-        <p14:creationId xmlns:p14="http://schemas.microsoft.com/office/powerpoint/2010/main" val="4186084159"/>
-      </p:ext>
-    </p:extLst>
-  </p:cSld>
-  <p:clrMapOvr>
-    <a:masterClrMapping/>
-  </p:clrMapOvr>
-</p:sld>
-</file>
-
-<file path=ppt/slides/slide11.xml><?xml version="1.0" encoding="utf-8"?>
 <p:sld xmlns:a="http://schemas.openxmlformats.org/drawingml/2006/main" xmlns:r="http://schemas.openxmlformats.org/officeDocument/2006/relationships" xmlns:p="http://schemas.openxmlformats.org/presentationml/2006/main">
   <p:cSld>
     <p:spTree>
@@ -7404,6 +7219,155 @@
 </p:sld>
 </file>
 
+<file path=ppt/slides/slide11.xml><?xml version="1.0" encoding="utf-8"?>
+<p:sld xmlns:a="http://schemas.openxmlformats.org/drawingml/2006/main" xmlns:r="http://schemas.openxmlformats.org/officeDocument/2006/relationships" xmlns:p="http://schemas.openxmlformats.org/presentationml/2006/main">
+  <p:cSld>
+    <p:spTree>
+      <p:nvGrpSpPr>
+        <p:cNvPr id="1" name=""/>
+        <p:cNvGrpSpPr/>
+        <p:nvPr/>
+      </p:nvGrpSpPr>
+      <p:grpSpPr>
+        <a:xfrm>
+          <a:off x="0" y="0"/>
+          <a:ext cx="0" cy="0"/>
+          <a:chOff x="0" y="0"/>
+          <a:chExt cx="0" cy="0"/>
+        </a:xfrm>
+      </p:grpSpPr>
+      <p:sp>
+        <p:nvSpPr>
+          <p:cNvPr id="2" name="タイトル 1">
+            <a:extLst>
+              <a:ext uri="{FF2B5EF4-FFF2-40B4-BE49-F238E27FC236}">
+                <a16:creationId xmlns:a16="http://schemas.microsoft.com/office/drawing/2014/main" id="{D6E241A8-25F2-4FD9-BD0E-A7F68BD7E77B}"/>
+              </a:ext>
+            </a:extLst>
+          </p:cNvPr>
+          <p:cNvSpPr>
+            <a:spLocks noGrp="1"/>
+          </p:cNvSpPr>
+          <p:nvPr>
+            <p:ph type="title"/>
+          </p:nvPr>
+        </p:nvSpPr>
+        <p:spPr/>
+        <p:txBody>
+          <a:bodyPr/>
+          <a:lstStyle/>
+          <a:p>
+            <a:r>
+              <a:rPr kumimoji="1" lang="en-US" altLang="ja-JP" dirty="0" err="1"/>
+              <a:t>VSCode</a:t>
+            </a:r>
+            <a:r>
+              <a:rPr kumimoji="1" lang="ja-JP" altLang="en-US" dirty="0"/>
+              <a:t>の拡張機能</a:t>
+            </a:r>
+          </a:p>
+        </p:txBody>
+      </p:sp>
+      <p:sp>
+        <p:nvSpPr>
+          <p:cNvPr id="3" name="コンテンツ プレースホルダー 2">
+            <a:extLst>
+              <a:ext uri="{FF2B5EF4-FFF2-40B4-BE49-F238E27FC236}">
+                <a16:creationId xmlns:a16="http://schemas.microsoft.com/office/drawing/2014/main" id="{ECA6157F-BBC3-46CD-A9ED-081AA98FE596}"/>
+              </a:ext>
+            </a:extLst>
+          </p:cNvPr>
+          <p:cNvSpPr>
+            <a:spLocks noGrp="1"/>
+          </p:cNvSpPr>
+          <p:nvPr>
+            <p:ph idx="1"/>
+          </p:nvPr>
+        </p:nvSpPr>
+        <p:spPr>
+          <a:xfrm>
+            <a:off x="677333" y="2160589"/>
+            <a:ext cx="10089627" cy="3880773"/>
+          </a:xfrm>
+        </p:spPr>
+        <p:txBody>
+          <a:bodyPr/>
+          <a:lstStyle/>
+          <a:p>
+            <a:r>
+              <a:rPr kumimoji="1" lang="en-US" altLang="ja-JP" dirty="0"/>
+              <a:t>C/C++</a:t>
+            </a:r>
+          </a:p>
+          <a:p>
+            <a:r>
+              <a:rPr lang="en-US" altLang="ja-JP" dirty="0"/>
+              <a:t>Code Runner</a:t>
+            </a:r>
+          </a:p>
+          <a:p>
+            <a:r>
+              <a:rPr lang="en-US" altLang="ja-JP" dirty="0"/>
+              <a:t>Japanese Language Pack for Visual Studio Code</a:t>
+            </a:r>
+          </a:p>
+          <a:p>
+            <a:endParaRPr lang="en-US" altLang="ja-JP" dirty="0"/>
+          </a:p>
+          <a:p>
+            <a:r>
+              <a:rPr lang="ja-JP" altLang="en-US" dirty="0"/>
+              <a:t>左下の設定からコマンドパレットから「</a:t>
+            </a:r>
+            <a:r>
+              <a:rPr lang="en-US" altLang="ja-JP" dirty="0"/>
+              <a:t>UI</a:t>
+            </a:r>
+            <a:r>
+              <a:rPr lang="ja-JP" altLang="en-US" dirty="0"/>
+              <a:t>」と入力して</a:t>
+            </a:r>
+            <a:r>
+              <a:rPr lang="en-US" altLang="ja-JP" dirty="0"/>
+              <a:t>C/C++ Configurations</a:t>
+            </a:r>
+            <a:r>
+              <a:rPr lang="ja-JP" altLang="en-US" dirty="0"/>
+              <a:t>を開く</a:t>
+            </a:r>
+            <a:endParaRPr lang="en-US" altLang="ja-JP" dirty="0"/>
+          </a:p>
+          <a:p>
+            <a:pPr lvl="1"/>
+            <a:r>
+              <a:rPr lang="ja-JP" altLang="en-US" dirty="0"/>
+              <a:t>コンパイラパスに</a:t>
+            </a:r>
+            <a:r>
+              <a:rPr lang="en-US" altLang="ja-JP" dirty="0"/>
+              <a:t>/bin/gcc.exe</a:t>
+            </a:r>
+            <a:r>
+              <a:rPr lang="ja-JP" altLang="en-US" dirty="0"/>
+              <a:t>を入力</a:t>
+            </a:r>
+            <a:endParaRPr lang="en-US" altLang="ja-JP" dirty="0"/>
+          </a:p>
+        </p:txBody>
+      </p:sp>
+    </p:spTree>
+    <p:extLst>
+      <p:ext uri="{BB962C8B-B14F-4D97-AF65-F5344CB8AC3E}">
+        <p14:creationId xmlns:p14="http://schemas.microsoft.com/office/powerpoint/2010/main" val="847510545"/>
+      </p:ext>
+    </p:extLst>
+  </p:cSld>
+  <p:clrMapOvr>
+    <a:masterClrMapping/>
+  </p:clrMapOvr>
+</p:sld>
+</file>
+
 <file path=ppt/slides/slide12.xml><?xml version="1.0" encoding="utf-8"?>
 <p:sld xmlns:a="http://schemas.openxmlformats.org/drawingml/2006/main" xmlns:r="http://schemas.openxmlformats.org/officeDocument/2006/relationships" xmlns:p="http://schemas.openxmlformats.org/presentationml/2006/main">
   <p:cSld>
@@ -7426,155 +7390,6 @@
           <p:cNvPr id="2" name="タイトル 1">
             <a:extLst>
               <a:ext uri="{FF2B5EF4-FFF2-40B4-BE49-F238E27FC236}">
-                <a16:creationId xmlns:a16="http://schemas.microsoft.com/office/drawing/2014/main" id="{D6E241A8-25F2-4FD9-BD0E-A7F68BD7E77B}"/>
-              </a:ext>
-            </a:extLst>
-          </p:cNvPr>
-          <p:cNvSpPr>
-            <a:spLocks noGrp="1"/>
-          </p:cNvSpPr>
-          <p:nvPr>
-            <p:ph type="title"/>
-          </p:nvPr>
-        </p:nvSpPr>
-        <p:spPr/>
-        <p:txBody>
-          <a:bodyPr/>
-          <a:lstStyle/>
-          <a:p>
-            <a:r>
-              <a:rPr kumimoji="1" lang="en-US" altLang="ja-JP" dirty="0" err="1"/>
-              <a:t>VSCode</a:t>
-            </a:r>
-            <a:r>
-              <a:rPr kumimoji="1" lang="ja-JP" altLang="en-US" dirty="0"/>
-              <a:t>の拡張機能</a:t>
-            </a:r>
-          </a:p>
-        </p:txBody>
-      </p:sp>
-      <p:sp>
-        <p:nvSpPr>
-          <p:cNvPr id="3" name="コンテンツ プレースホルダー 2">
-            <a:extLst>
-              <a:ext uri="{FF2B5EF4-FFF2-40B4-BE49-F238E27FC236}">
-                <a16:creationId xmlns:a16="http://schemas.microsoft.com/office/drawing/2014/main" id="{ECA6157F-BBC3-46CD-A9ED-081AA98FE596}"/>
-              </a:ext>
-            </a:extLst>
-          </p:cNvPr>
-          <p:cNvSpPr>
-            <a:spLocks noGrp="1"/>
-          </p:cNvSpPr>
-          <p:nvPr>
-            <p:ph idx="1"/>
-          </p:nvPr>
-        </p:nvSpPr>
-        <p:spPr>
-          <a:xfrm>
-            <a:off x="677333" y="2160589"/>
-            <a:ext cx="10089627" cy="3880773"/>
-          </a:xfrm>
-        </p:spPr>
-        <p:txBody>
-          <a:bodyPr/>
-          <a:lstStyle/>
-          <a:p>
-            <a:r>
-              <a:rPr kumimoji="1" lang="en-US" altLang="ja-JP" dirty="0"/>
-              <a:t>C/C++</a:t>
-            </a:r>
-          </a:p>
-          <a:p>
-            <a:r>
-              <a:rPr lang="en-US" altLang="ja-JP" dirty="0"/>
-              <a:t>Code Runner</a:t>
-            </a:r>
-          </a:p>
-          <a:p>
-            <a:r>
-              <a:rPr lang="en-US" altLang="ja-JP" dirty="0"/>
-              <a:t>Japanese Language Pack for Visual Studio Code</a:t>
-            </a:r>
-          </a:p>
-          <a:p>
-            <a:endParaRPr lang="en-US" altLang="ja-JP" dirty="0"/>
-          </a:p>
-          <a:p>
-            <a:r>
-              <a:rPr lang="ja-JP" altLang="en-US" dirty="0"/>
-              <a:t>左下の設定からコマンドパレットから「</a:t>
-            </a:r>
-            <a:r>
-              <a:rPr lang="en-US" altLang="ja-JP" dirty="0"/>
-              <a:t>UI</a:t>
-            </a:r>
-            <a:r>
-              <a:rPr lang="ja-JP" altLang="en-US" dirty="0"/>
-              <a:t>」と入力して</a:t>
-            </a:r>
-            <a:r>
-              <a:rPr lang="en-US" altLang="ja-JP" dirty="0"/>
-              <a:t>C/C++ Configurations</a:t>
-            </a:r>
-            <a:r>
-              <a:rPr lang="ja-JP" altLang="en-US" dirty="0"/>
-              <a:t>を開く</a:t>
-            </a:r>
-            <a:endParaRPr lang="en-US" altLang="ja-JP" dirty="0"/>
-          </a:p>
-          <a:p>
-            <a:pPr lvl="1"/>
-            <a:r>
-              <a:rPr lang="ja-JP" altLang="en-US" dirty="0"/>
-              <a:t>コンパイラパスに</a:t>
-            </a:r>
-            <a:r>
-              <a:rPr lang="en-US" altLang="ja-JP" dirty="0"/>
-              <a:t>/bin/gcc.exe</a:t>
-            </a:r>
-            <a:r>
-              <a:rPr lang="ja-JP" altLang="en-US" dirty="0"/>
-              <a:t>を入力</a:t>
-            </a:r>
-            <a:endParaRPr lang="en-US" altLang="ja-JP" dirty="0"/>
-          </a:p>
-        </p:txBody>
-      </p:sp>
-    </p:spTree>
-    <p:extLst>
-      <p:ext uri="{BB962C8B-B14F-4D97-AF65-F5344CB8AC3E}">
-        <p14:creationId xmlns:p14="http://schemas.microsoft.com/office/powerpoint/2010/main" val="847510545"/>
-      </p:ext>
-    </p:extLst>
-  </p:cSld>
-  <p:clrMapOvr>
-    <a:masterClrMapping/>
-  </p:clrMapOvr>
-</p:sld>
-</file>
-
-<file path=ppt/slides/slide13.xml><?xml version="1.0" encoding="utf-8"?>
-<p:sld xmlns:a="http://schemas.openxmlformats.org/drawingml/2006/main" xmlns:r="http://schemas.openxmlformats.org/officeDocument/2006/relationships" xmlns:p="http://schemas.openxmlformats.org/presentationml/2006/main">
-  <p:cSld>
-    <p:spTree>
-      <p:nvGrpSpPr>
-        <p:cNvPr id="1" name=""/>
-        <p:cNvGrpSpPr/>
-        <p:nvPr/>
-      </p:nvGrpSpPr>
-      <p:grpSpPr>
-        <a:xfrm>
-          <a:off x="0" y="0"/>
-          <a:ext cx="0" cy="0"/>
-          <a:chOff x="0" y="0"/>
-          <a:chExt cx="0" cy="0"/>
-        </a:xfrm>
-      </p:grpSpPr>
-      <p:sp>
-        <p:nvSpPr>
-          <p:cNvPr id="2" name="タイトル 1">
-            <a:extLst>
-              <a:ext uri="{FF2B5EF4-FFF2-40B4-BE49-F238E27FC236}">
                 <a16:creationId xmlns:a16="http://schemas.microsoft.com/office/drawing/2014/main" id="{FA78C0CA-4206-47B7-8981-B9AB4AFE80CA}"/>
               </a:ext>
             </a:extLst>
@@ -7646,7 +7461,7 @@
 </p:sld>
 </file>
 
-<file path=ppt/slides/slide14.xml><?xml version="1.0" encoding="utf-8"?>
+<file path=ppt/slides/slide13.xml><?xml version="1.0" encoding="utf-8"?>
 <p:sld xmlns:a="http://schemas.openxmlformats.org/drawingml/2006/main" xmlns:r="http://schemas.openxmlformats.org/officeDocument/2006/relationships" xmlns:p="http://schemas.openxmlformats.org/presentationml/2006/main">
   <p:cSld>
     <p:spTree>
@@ -7863,7 +7678,7 @@
 </p:sld>
 </file>
 
-<file path=ppt/slides/slide15.xml><?xml version="1.0" encoding="utf-8"?>
+<file path=ppt/slides/slide14.xml><?xml version="1.0" encoding="utf-8"?>
 <p:sld xmlns:a="http://schemas.openxmlformats.org/drawingml/2006/main" xmlns:r="http://schemas.openxmlformats.org/officeDocument/2006/relationships" xmlns:p="http://schemas.openxmlformats.org/presentationml/2006/main">
   <p:cSld>
     <p:spTree>
@@ -8069,6 +7884,226 @@
 </p:sld>
 </file>
 
+<file path=ppt/slides/slide15.xml><?xml version="1.0" encoding="utf-8"?>
+<p:sld xmlns:a="http://schemas.openxmlformats.org/drawingml/2006/main" xmlns:r="http://schemas.openxmlformats.org/officeDocument/2006/relationships" xmlns:p="http://schemas.openxmlformats.org/presentationml/2006/main">
+  <p:cSld>
+    <p:spTree>
+      <p:nvGrpSpPr>
+        <p:cNvPr id="1" name=""/>
+        <p:cNvGrpSpPr/>
+        <p:nvPr/>
+      </p:nvGrpSpPr>
+      <p:grpSpPr>
+        <a:xfrm>
+          <a:off x="0" y="0"/>
+          <a:ext cx="0" cy="0"/>
+          <a:chOff x="0" y="0"/>
+          <a:chExt cx="0" cy="0"/>
+        </a:xfrm>
+      </p:grpSpPr>
+      <p:sp>
+        <p:nvSpPr>
+          <p:cNvPr id="2" name="タイトル 1">
+            <a:extLst>
+              <a:ext uri="{FF2B5EF4-FFF2-40B4-BE49-F238E27FC236}">
+                <a16:creationId xmlns:a16="http://schemas.microsoft.com/office/drawing/2014/main" id="{3A453586-5B33-474C-839B-4406E759A710}"/>
+              </a:ext>
+            </a:extLst>
+          </p:cNvPr>
+          <p:cNvSpPr>
+            <a:spLocks noGrp="1"/>
+          </p:cNvSpPr>
+          <p:nvPr>
+            <p:ph type="title"/>
+          </p:nvPr>
+        </p:nvSpPr>
+        <p:spPr/>
+        <p:txBody>
+          <a:bodyPr/>
+          <a:lstStyle/>
+          <a:p>
+            <a:r>
+              <a:rPr lang="ja-JP" altLang="en-US" dirty="0"/>
+              <a:t>変数の宣言、代入</a:t>
+            </a:r>
+            <a:br>
+              <a:rPr lang="en-US" altLang="ja-JP" dirty="0"/>
+            </a:br>
+            <a:endParaRPr kumimoji="1" lang="ja-JP" altLang="en-US" dirty="0"/>
+          </a:p>
+        </p:txBody>
+      </p:sp>
+      <p:sp>
+        <p:nvSpPr>
+          <p:cNvPr id="3" name="コンテンツ プレースホルダー 2">
+            <a:extLst>
+              <a:ext uri="{FF2B5EF4-FFF2-40B4-BE49-F238E27FC236}">
+                <a16:creationId xmlns:a16="http://schemas.microsoft.com/office/drawing/2014/main" id="{E7724D41-0F38-4C89-9DC2-C8E84D213411}"/>
+              </a:ext>
+            </a:extLst>
+          </p:cNvPr>
+          <p:cNvSpPr>
+            <a:spLocks noGrp="1"/>
+          </p:cNvSpPr>
+          <p:nvPr>
+            <p:ph idx="1"/>
+          </p:nvPr>
+        </p:nvSpPr>
+        <p:spPr>
+          <a:xfrm>
+            <a:off x="677334" y="2160589"/>
+            <a:ext cx="8596668" cy="5210029"/>
+          </a:xfrm>
+        </p:spPr>
+        <p:txBody>
+          <a:bodyPr>
+            <a:normAutofit/>
+          </a:bodyPr>
+          <a:lstStyle/>
+          <a:p>
+            <a:r>
+              <a:rPr kumimoji="1" lang="ja-JP" altLang="en-US" dirty="0"/>
+              <a:t>変数</a:t>
+            </a:r>
+            <a:r>
+              <a:rPr kumimoji="1" lang="en-US" altLang="ja-JP" dirty="0"/>
+              <a:t>: </a:t>
+            </a:r>
+            <a:r>
+              <a:rPr kumimoji="1" lang="ja-JP" altLang="en-US" dirty="0"/>
+              <a:t>数値や文字を入れるための箱</a:t>
+            </a:r>
+            <a:endParaRPr kumimoji="1" lang="en-US" altLang="ja-JP" dirty="0"/>
+          </a:p>
+          <a:p>
+            <a:endParaRPr lang="en-US" altLang="ja-JP" dirty="0"/>
+          </a:p>
+          <a:p>
+            <a:r>
+              <a:rPr lang="ja-JP" altLang="en-US" dirty="0"/>
+              <a:t>型</a:t>
+            </a:r>
+            <a:r>
+              <a:rPr lang="en-US" altLang="ja-JP" dirty="0"/>
+              <a:t>: </a:t>
+            </a:r>
+            <a:r>
+              <a:rPr lang="ja-JP" altLang="en-US" dirty="0"/>
+              <a:t>数値を入れるのか文字を入れるのか</a:t>
+            </a:r>
+            <a:r>
+              <a:rPr lang="en-US" altLang="ja-JP" dirty="0"/>
+              <a:t>……</a:t>
+            </a:r>
+            <a:r>
+              <a:rPr lang="ja-JP" altLang="en-US" dirty="0"/>
+              <a:t>というのを先に教えてあげなければならない</a:t>
+            </a:r>
+            <a:endParaRPr lang="en-US" altLang="ja-JP" dirty="0"/>
+          </a:p>
+          <a:p>
+            <a:pPr lvl="1"/>
+            <a:r>
+              <a:rPr lang="en-US" altLang="ja-JP" dirty="0"/>
+              <a:t>int: 32bit</a:t>
+            </a:r>
+            <a:r>
+              <a:rPr lang="ja-JP" altLang="en-US" dirty="0"/>
+              <a:t>整数</a:t>
+            </a:r>
+            <a:endParaRPr lang="en-US" altLang="ja-JP" dirty="0"/>
+          </a:p>
+          <a:p>
+            <a:pPr lvl="1"/>
+            <a:r>
+              <a:rPr lang="en-US" altLang="ja-JP" dirty="0"/>
+              <a:t>double: 64bit</a:t>
+            </a:r>
+            <a:r>
+              <a:rPr lang="ja-JP" altLang="en-US" dirty="0"/>
+              <a:t>浮動小数点数</a:t>
+            </a:r>
+            <a:endParaRPr lang="en-US" altLang="ja-JP" dirty="0"/>
+          </a:p>
+          <a:p>
+            <a:pPr lvl="1"/>
+            <a:r>
+              <a:rPr kumimoji="1" lang="en-US" altLang="ja-JP" dirty="0"/>
+              <a:t>char</a:t>
+            </a:r>
+            <a:r>
+              <a:rPr lang="en-US" altLang="ja-JP" dirty="0"/>
+              <a:t>: </a:t>
+            </a:r>
+            <a:r>
+              <a:rPr lang="ja-JP" altLang="en-US" dirty="0"/>
+              <a:t>文字</a:t>
+            </a:r>
+            <a:endParaRPr lang="en-US" altLang="ja-JP" dirty="0"/>
+          </a:p>
+          <a:p>
+            <a:pPr lvl="1"/>
+            <a:r>
+              <a:rPr kumimoji="1" lang="en-US" altLang="ja-JP" dirty="0"/>
+              <a:t>string: </a:t>
+            </a:r>
+            <a:r>
+              <a:rPr kumimoji="1" lang="ja-JP" altLang="en-US" dirty="0"/>
+              <a:t>文字列</a:t>
+            </a:r>
+            <a:endParaRPr kumimoji="1" lang="en-US" altLang="ja-JP" dirty="0"/>
+          </a:p>
+          <a:p>
+            <a:endParaRPr lang="en-US" altLang="ja-JP" dirty="0"/>
+          </a:p>
+          <a:p>
+            <a:r>
+              <a:rPr lang="en-US" altLang="ja-JP" dirty="0"/>
+              <a:t>int ten = 10;</a:t>
+            </a:r>
+          </a:p>
+          <a:p>
+            <a:pPr lvl="1"/>
+            <a:r>
+              <a:rPr kumimoji="1" lang="en-US" altLang="ja-JP" dirty="0"/>
+              <a:t>ten</a:t>
+            </a:r>
+            <a:r>
+              <a:rPr kumimoji="1" lang="ja-JP" altLang="en-US" dirty="0"/>
+              <a:t>という名前の変数に</a:t>
+            </a:r>
+            <a:r>
+              <a:rPr kumimoji="1" lang="en-US" altLang="ja-JP" dirty="0"/>
+              <a:t>10</a:t>
+            </a:r>
+            <a:r>
+              <a:rPr kumimoji="1" lang="ja-JP" altLang="en-US" dirty="0"/>
+              <a:t>を代入</a:t>
+            </a:r>
+            <a:endParaRPr kumimoji="1" lang="en-US" altLang="ja-JP" dirty="0"/>
+          </a:p>
+          <a:p>
+            <a:r>
+              <a:rPr kumimoji="1" lang="en-US" altLang="ja-JP"/>
+              <a:t>int a = b;</a:t>
+            </a:r>
+            <a:endParaRPr kumimoji="1" lang="en-US" altLang="ja-JP" dirty="0"/>
+          </a:p>
+        </p:txBody>
+      </p:sp>
+    </p:spTree>
+    <p:extLst>
+      <p:ext uri="{BB962C8B-B14F-4D97-AF65-F5344CB8AC3E}">
+        <p14:creationId xmlns:p14="http://schemas.microsoft.com/office/powerpoint/2010/main" val="2317315233"/>
+      </p:ext>
+    </p:extLst>
+  </p:cSld>
+  <p:clrMapOvr>
+    <a:masterClrMapping/>
+  </p:clrMapOvr>
+</p:sld>
+</file>
+
 <file path=ppt/slides/slide16.xml><?xml version="1.0" encoding="utf-8"?>
 <p:sld xmlns:a="http://schemas.openxmlformats.org/drawingml/2006/main" xmlns:r="http://schemas.openxmlformats.org/officeDocument/2006/relationships" xmlns:p="http://schemas.openxmlformats.org/presentationml/2006/main">
   <p:cSld>
@@ -8091,7 +8126,7 @@
           <p:cNvPr id="2" name="タイトル 1">
             <a:extLst>
               <a:ext uri="{FF2B5EF4-FFF2-40B4-BE49-F238E27FC236}">
-                <a16:creationId xmlns:a16="http://schemas.microsoft.com/office/drawing/2014/main" id="{3A453586-5B33-474C-839B-4406E759A710}"/>
+                <a16:creationId xmlns:a16="http://schemas.microsoft.com/office/drawing/2014/main" id="{85DC0C69-98EB-4196-9D34-8C1EBA1640F7}"/>
               </a:ext>
             </a:extLst>
           </p:cNvPr>
@@ -8108,13 +8143,9 @@
           <a:lstStyle/>
           <a:p>
             <a:r>
-              <a:rPr lang="ja-JP" altLang="en-US" dirty="0"/>
-              <a:t>変数の宣言、代入</a:t>
-            </a:r>
-            <a:br>
-              <a:rPr lang="en-US" altLang="ja-JP" dirty="0"/>
-            </a:br>
-            <a:endParaRPr kumimoji="1" lang="ja-JP" altLang="en-US" dirty="0"/>
+              <a:rPr kumimoji="1" lang="ja-JP" altLang="en-US" dirty="0"/>
+              <a:t>入出力</a:t>
+            </a:r>
           </a:p>
         </p:txBody>
       </p:sp>
@@ -8123,7 +8154,7 @@
           <p:cNvPr id="3" name="コンテンツ プレースホルダー 2">
             <a:extLst>
               <a:ext uri="{FF2B5EF4-FFF2-40B4-BE49-F238E27FC236}">
-                <a16:creationId xmlns:a16="http://schemas.microsoft.com/office/drawing/2014/main" id="{E7724D41-0F38-4C89-9DC2-C8E84D213411}"/>
+                <a16:creationId xmlns:a16="http://schemas.microsoft.com/office/drawing/2014/main" id="{EACAFF31-3793-405F-BCAD-C009482F8F2D}"/>
               </a:ext>
             </a:extLst>
           </p:cNvPr>
@@ -8134,152 +8165,91 @@
             <p:ph idx="1"/>
           </p:nvPr>
         </p:nvSpPr>
-        <p:spPr>
-          <a:xfrm>
-            <a:off x="677334" y="2160589"/>
-            <a:ext cx="8596668" cy="5210029"/>
-          </a:xfrm>
-        </p:spPr>
-        <p:txBody>
-          <a:bodyPr>
-            <a:normAutofit/>
-          </a:bodyPr>
+        <p:spPr/>
+        <p:txBody>
+          <a:bodyPr/>
           <a:lstStyle/>
           <a:p>
             <a:r>
               <a:rPr kumimoji="1" lang="ja-JP" altLang="en-US" dirty="0"/>
-              <a:t>変数</a:t>
+              <a:t>入力</a:t>
+            </a:r>
+            <a:endParaRPr kumimoji="1" lang="en-US" altLang="ja-JP" dirty="0"/>
+          </a:p>
+          <a:p>
+            <a:pPr lvl="1"/>
+            <a:r>
+              <a:rPr lang="en-US" altLang="ja-JP" dirty="0"/>
+              <a:t>std::</a:t>
+            </a:r>
+            <a:r>
+              <a:rPr lang="en-US" altLang="ja-JP" dirty="0" err="1"/>
+              <a:t>cin</a:t>
+            </a:r>
+            <a:r>
+              <a:rPr lang="en-US" altLang="ja-JP" dirty="0"/>
+              <a:t> &gt;&gt; a;</a:t>
+            </a:r>
+          </a:p>
+          <a:p>
+            <a:r>
+              <a:rPr kumimoji="1" lang="ja-JP" altLang="en-US" dirty="0"/>
+              <a:t>出力</a:t>
+            </a:r>
+            <a:endParaRPr kumimoji="1" lang="en-US" altLang="ja-JP" dirty="0"/>
+          </a:p>
+          <a:p>
+            <a:pPr lvl="1"/>
+            <a:r>
+              <a:rPr lang="en-US" altLang="ja-JP" dirty="0"/>
+              <a:t>std::</a:t>
+            </a:r>
+            <a:r>
+              <a:rPr kumimoji="1" lang="en-US" altLang="ja-JP" dirty="0" err="1"/>
+              <a:t>cout</a:t>
             </a:r>
             <a:r>
               <a:rPr kumimoji="1" lang="en-US" altLang="ja-JP" dirty="0"/>
-              <a:t>: </a:t>
-            </a:r>
-            <a:r>
-              <a:rPr kumimoji="1" lang="ja-JP" altLang="en-US" dirty="0"/>
-              <a:t>数値や文字を入れるための箱</a:t>
-            </a:r>
+              <a:t> </a:t>
+            </a:r>
+            <a:r>
+              <a:rPr lang="en-US" altLang="ja-JP" dirty="0"/>
+              <a:t>&lt;&lt; a;</a:t>
+            </a:r>
+          </a:p>
+          <a:p>
+            <a:pPr lvl="1"/>
             <a:endParaRPr kumimoji="1" lang="en-US" altLang="ja-JP" dirty="0"/>
           </a:p>
           <a:p>
+            <a:r>
+              <a:rPr lang="ja-JP" altLang="en-US" dirty="0"/>
+              <a:t>つなげることもできます</a:t>
+            </a:r>
             <a:endParaRPr lang="en-US" altLang="ja-JP" dirty="0"/>
           </a:p>
           <a:p>
-            <a:r>
-              <a:rPr lang="ja-JP" altLang="en-US" dirty="0"/>
-              <a:t>型</a:t>
-            </a:r>
+            <a:pPr lvl="1"/>
             <a:r>
               <a:rPr lang="en-US" altLang="ja-JP" dirty="0"/>
-              <a:t>: </a:t>
-            </a:r>
-            <a:r>
-              <a:rPr lang="ja-JP" altLang="en-US" dirty="0"/>
-              <a:t>数値を入れるのか文字を入れるのか</a:t>
+              <a:t>std::</a:t>
+            </a:r>
+            <a:r>
+              <a:rPr lang="en-US" altLang="ja-JP" dirty="0" err="1"/>
+              <a:t>cin</a:t>
             </a:r>
             <a:r>
               <a:rPr lang="en-US" altLang="ja-JP" dirty="0"/>
-              <a:t>……</a:t>
-            </a:r>
-            <a:r>
-              <a:rPr lang="ja-JP" altLang="en-US" dirty="0"/>
-              <a:t>というのを先に教えてあげなければならない</a:t>
-            </a:r>
-            <a:endParaRPr lang="en-US" altLang="ja-JP" dirty="0"/>
-          </a:p>
-          <a:p>
-            <a:pPr lvl="1"/>
-            <a:r>
-              <a:rPr lang="en-US" altLang="ja-JP" dirty="0"/>
-              <a:t>int: 32bit</a:t>
-            </a:r>
-            <a:r>
-              <a:rPr lang="ja-JP" altLang="en-US" dirty="0"/>
-              <a:t>整数</a:t>
-            </a:r>
-            <a:endParaRPr lang="en-US" altLang="ja-JP" dirty="0"/>
-          </a:p>
-          <a:p>
-            <a:pPr lvl="1"/>
-            <a:r>
-              <a:rPr lang="en-US" altLang="ja-JP" dirty="0"/>
-              <a:t>double: 64bit</a:t>
-            </a:r>
-            <a:r>
-              <a:rPr lang="ja-JP" altLang="en-US" dirty="0"/>
-              <a:t>浮動小数点数</a:t>
-            </a:r>
-            <a:endParaRPr lang="en-US" altLang="ja-JP" dirty="0"/>
-          </a:p>
-          <a:p>
-            <a:pPr lvl="1"/>
-            <a:r>
-              <a:rPr kumimoji="1" lang="en-US" altLang="ja-JP" dirty="0"/>
-              <a:t>char</a:t>
-            </a:r>
-            <a:r>
-              <a:rPr lang="en-US" altLang="ja-JP" dirty="0"/>
-              <a:t>: </a:t>
-            </a:r>
-            <a:r>
-              <a:rPr lang="ja-JP" altLang="en-US" dirty="0"/>
-              <a:t>文字</a:t>
-            </a:r>
-            <a:endParaRPr lang="en-US" altLang="ja-JP" dirty="0"/>
-          </a:p>
-          <a:p>
-            <a:pPr lvl="1"/>
-            <a:r>
-              <a:rPr kumimoji="1" lang="en-US" altLang="ja-JP" dirty="0"/>
-              <a:t>string: </a:t>
-            </a:r>
-            <a:r>
-              <a:rPr kumimoji="1" lang="ja-JP" altLang="en-US" dirty="0"/>
-              <a:t>文字列</a:t>
-            </a:r>
-            <a:endParaRPr kumimoji="1" lang="en-US" altLang="ja-JP" dirty="0"/>
-          </a:p>
-          <a:p>
-            <a:endParaRPr lang="en-US" altLang="ja-JP" dirty="0"/>
-          </a:p>
-          <a:p>
-            <a:r>
-              <a:rPr lang="en-US" altLang="ja-JP" dirty="0"/>
-              <a:t>int ten = 10;</a:t>
-            </a:r>
-          </a:p>
-          <a:p>
-            <a:pPr lvl="1"/>
-            <a:r>
-              <a:rPr kumimoji="1" lang="en-US" altLang="ja-JP" dirty="0"/>
-              <a:t>ten</a:t>
-            </a:r>
-            <a:r>
-              <a:rPr kumimoji="1" lang="ja-JP" altLang="en-US" dirty="0"/>
-              <a:t>という名前の変数に</a:t>
-            </a:r>
-            <a:r>
-              <a:rPr kumimoji="1" lang="en-US" altLang="ja-JP" dirty="0"/>
-              <a:t>10</a:t>
-            </a:r>
-            <a:r>
-              <a:rPr kumimoji="1" lang="ja-JP" altLang="en-US" dirty="0"/>
-              <a:t>を代入</a:t>
-            </a:r>
-            <a:endParaRPr kumimoji="1" lang="en-US" altLang="ja-JP" dirty="0"/>
-          </a:p>
-          <a:p>
-            <a:r>
-              <a:rPr kumimoji="1" lang="en-US" altLang="ja-JP"/>
-              <a:t>int a = b;</a:t>
-            </a:r>
-            <a:endParaRPr kumimoji="1" lang="en-US" altLang="ja-JP" dirty="0"/>
+              <a:t> &gt;&gt; a &gt;&gt; b &gt;&gt; c;</a:t>
+            </a:r>
+            <a:endParaRPr kumimoji="1" lang="ja-JP" altLang="en-US" dirty="0"/>
           </a:p>
         </p:txBody>
       </p:sp>
     </p:spTree>
     <p:extLst>
       <p:ext uri="{BB962C8B-B14F-4D97-AF65-F5344CB8AC3E}">
-        <p14:creationId xmlns:p14="http://schemas.microsoft.com/office/powerpoint/2010/main" val="2317315233"/>
+        <p14:creationId xmlns:p14="http://schemas.microsoft.com/office/powerpoint/2010/main" val="1957951251"/>
       </p:ext>
     </p:extLst>
   </p:cSld>
@@ -8311,7 +8281,7 @@
           <p:cNvPr id="2" name="タイトル 1">
             <a:extLst>
               <a:ext uri="{FF2B5EF4-FFF2-40B4-BE49-F238E27FC236}">
-                <a16:creationId xmlns:a16="http://schemas.microsoft.com/office/drawing/2014/main" id="{85DC0C69-98EB-4196-9D34-8C1EBA1640F7}"/>
+                <a16:creationId xmlns:a16="http://schemas.microsoft.com/office/drawing/2014/main" id="{5F0233E8-E196-4479-9C4F-1C4861D34B8C}"/>
               </a:ext>
             </a:extLst>
           </p:cNvPr>
@@ -8328,9 +8298,10 @@
           <a:lstStyle/>
           <a:p>
             <a:r>
-              <a:rPr kumimoji="1" lang="ja-JP" altLang="en-US" dirty="0"/>
-              <a:t>入出力</a:t>
-            </a:r>
+              <a:rPr kumimoji="1" lang="en-US" altLang="ja-JP" dirty="0"/>
+              <a:t>using namespace std;</a:t>
+            </a:r>
+            <a:endParaRPr kumimoji="1" lang="ja-JP" altLang="en-US" dirty="0"/>
           </a:p>
         </p:txBody>
       </p:sp>
@@ -8339,7 +8310,7 @@
           <p:cNvPr id="3" name="コンテンツ プレースホルダー 2">
             <a:extLst>
               <a:ext uri="{FF2B5EF4-FFF2-40B4-BE49-F238E27FC236}">
-                <a16:creationId xmlns:a16="http://schemas.microsoft.com/office/drawing/2014/main" id="{EACAFF31-3793-405F-BCAD-C009482F8F2D}"/>
+                <a16:creationId xmlns:a16="http://schemas.microsoft.com/office/drawing/2014/main" id="{58E097CE-E45E-4E11-A917-89A62132B847}"/>
               </a:ext>
             </a:extLst>
           </p:cNvPr>
@@ -8357,84 +8328,36 @@
           <a:p>
             <a:r>
               <a:rPr kumimoji="1" lang="ja-JP" altLang="en-US" dirty="0"/>
-              <a:t>入力</a:t>
+              <a:t>毎回毎回</a:t>
+            </a:r>
+            <a:r>
+              <a:rPr kumimoji="1" lang="en-US" altLang="ja-JP" dirty="0"/>
+              <a:t>std::</a:t>
+            </a:r>
+            <a:r>
+              <a:rPr kumimoji="1" lang="ja-JP" altLang="en-US" dirty="0"/>
+              <a:t>を書くのもめんどくさいので省略する方法</a:t>
+            </a:r>
+            <a:r>
+              <a:rPr lang="en-US" altLang="ja-JP" dirty="0"/>
+              <a:t>(</a:t>
+            </a:r>
+            <a:r>
+              <a:rPr lang="ja-JP" altLang="en-US" dirty="0"/>
+              <a:t>おまじない</a:t>
+            </a:r>
+            <a:r>
+              <a:rPr lang="en-US" altLang="ja-JP" dirty="0"/>
+              <a:t>)</a:t>
             </a:r>
             <a:endParaRPr kumimoji="1" lang="en-US" altLang="ja-JP" dirty="0"/>
-          </a:p>
-          <a:p>
-            <a:pPr lvl="1"/>
-            <a:r>
-              <a:rPr lang="en-US" altLang="ja-JP" dirty="0"/>
-              <a:t>std::</a:t>
-            </a:r>
-            <a:r>
-              <a:rPr lang="en-US" altLang="ja-JP" dirty="0" err="1"/>
-              <a:t>cin</a:t>
-            </a:r>
-            <a:r>
-              <a:rPr lang="en-US" altLang="ja-JP" dirty="0"/>
-              <a:t> &gt;&gt; a;</a:t>
-            </a:r>
-          </a:p>
-          <a:p>
-            <a:r>
-              <a:rPr kumimoji="1" lang="ja-JP" altLang="en-US" dirty="0"/>
-              <a:t>出力</a:t>
-            </a:r>
-            <a:endParaRPr kumimoji="1" lang="en-US" altLang="ja-JP" dirty="0"/>
-          </a:p>
-          <a:p>
-            <a:pPr lvl="1"/>
-            <a:r>
-              <a:rPr lang="en-US" altLang="ja-JP" dirty="0"/>
-              <a:t>std::</a:t>
-            </a:r>
-            <a:r>
-              <a:rPr kumimoji="1" lang="en-US" altLang="ja-JP" dirty="0" err="1"/>
-              <a:t>cout</a:t>
-            </a:r>
-            <a:r>
-              <a:rPr kumimoji="1" lang="en-US" altLang="ja-JP" dirty="0"/>
-              <a:t> </a:t>
-            </a:r>
-            <a:r>
-              <a:rPr lang="en-US" altLang="ja-JP" dirty="0"/>
-              <a:t>&lt;&lt; a;</a:t>
-            </a:r>
-          </a:p>
-          <a:p>
-            <a:pPr lvl="1"/>
-            <a:endParaRPr kumimoji="1" lang="en-US" altLang="ja-JP" dirty="0"/>
-          </a:p>
-          <a:p>
-            <a:r>
-              <a:rPr lang="ja-JP" altLang="en-US" dirty="0"/>
-              <a:t>つなげることもできます</a:t>
-            </a:r>
-            <a:endParaRPr lang="en-US" altLang="ja-JP" dirty="0"/>
-          </a:p>
-          <a:p>
-            <a:pPr lvl="1"/>
-            <a:r>
-              <a:rPr lang="en-US" altLang="ja-JP" dirty="0"/>
-              <a:t>std::</a:t>
-            </a:r>
-            <a:r>
-              <a:rPr lang="en-US" altLang="ja-JP" dirty="0" err="1"/>
-              <a:t>cin</a:t>
-            </a:r>
-            <a:r>
-              <a:rPr lang="en-US" altLang="ja-JP" dirty="0"/>
-              <a:t> &gt;&gt; a &gt;&gt; b &gt;&gt; c;</a:t>
-            </a:r>
-            <a:endParaRPr kumimoji="1" lang="ja-JP" altLang="en-US" dirty="0"/>
           </a:p>
         </p:txBody>
       </p:sp>
     </p:spTree>
     <p:extLst>
       <p:ext uri="{BB962C8B-B14F-4D97-AF65-F5344CB8AC3E}">
-        <p14:creationId xmlns:p14="http://schemas.microsoft.com/office/powerpoint/2010/main" val="1957951251"/>
+        <p14:creationId xmlns:p14="http://schemas.microsoft.com/office/powerpoint/2010/main" val="2440378548"/>
       </p:ext>
     </p:extLst>
   </p:cSld>
@@ -8466,7 +8389,7 @@
           <p:cNvPr id="2" name="タイトル 1">
             <a:extLst>
               <a:ext uri="{FF2B5EF4-FFF2-40B4-BE49-F238E27FC236}">
-                <a16:creationId xmlns:a16="http://schemas.microsoft.com/office/drawing/2014/main" id="{5F0233E8-E196-4479-9C4F-1C4861D34B8C}"/>
+                <a16:creationId xmlns:a16="http://schemas.microsoft.com/office/drawing/2014/main" id="{A5E1A5F7-4926-4DEB-B189-47A06F4E0CFC}"/>
               </a:ext>
             </a:extLst>
           </p:cNvPr>
@@ -8483,10 +8406,9 @@
           <a:lstStyle/>
           <a:p>
             <a:r>
-              <a:rPr kumimoji="1" lang="en-US" altLang="ja-JP" dirty="0"/>
-              <a:t>using namespace std;</a:t>
-            </a:r>
-            <a:endParaRPr kumimoji="1" lang="ja-JP" altLang="en-US" dirty="0"/>
+              <a:rPr kumimoji="1" lang="ja-JP" altLang="en-US" dirty="0"/>
+              <a:t>演算</a:t>
+            </a:r>
           </a:p>
         </p:txBody>
       </p:sp>
@@ -8495,7 +8417,7 @@
           <p:cNvPr id="3" name="コンテンツ プレースホルダー 2">
             <a:extLst>
               <a:ext uri="{FF2B5EF4-FFF2-40B4-BE49-F238E27FC236}">
-                <a16:creationId xmlns:a16="http://schemas.microsoft.com/office/drawing/2014/main" id="{58E097CE-E45E-4E11-A917-89A62132B847}"/>
+                <a16:creationId xmlns:a16="http://schemas.microsoft.com/office/drawing/2014/main" id="{5F5CC58A-5BD2-4230-9C2D-BDD560D0E092}"/>
               </a:ext>
             </a:extLst>
           </p:cNvPr>
@@ -8512,37 +8434,65 @@
           <a:lstStyle/>
           <a:p>
             <a:r>
+              <a:rPr lang="ja-JP" altLang="en-US" dirty="0"/>
+              <a:t>四則演算は</a:t>
+            </a:r>
+            <a:r>
+              <a:rPr lang="en-US" altLang="ja-JP" dirty="0"/>
+              <a:t>+, -, *, /</a:t>
+            </a:r>
+          </a:p>
+          <a:p>
+            <a:pPr lvl="1"/>
+            <a:r>
               <a:rPr kumimoji="1" lang="ja-JP" altLang="en-US" dirty="0"/>
-              <a:t>毎回毎回</a:t>
-            </a:r>
-            <a:r>
-              <a:rPr kumimoji="1" lang="en-US" altLang="ja-JP" dirty="0"/>
-              <a:t>std::</a:t>
-            </a:r>
-            <a:r>
-              <a:rPr kumimoji="1" lang="ja-JP" altLang="en-US" dirty="0"/>
-              <a:t>を書くのもめんどくさいので省略する方法</a:t>
+              <a:t>計算順序もいつもと同じ</a:t>
+            </a:r>
+            <a:endParaRPr kumimoji="1" lang="en-US" altLang="ja-JP" dirty="0"/>
+          </a:p>
+          <a:p>
+            <a:r>
+              <a:rPr lang="ja-JP" altLang="en-US" dirty="0"/>
+              <a:t>剰余 </a:t>
             </a:r>
             <a:r>
               <a:rPr lang="en-US" altLang="ja-JP" dirty="0"/>
-              <a:t>(</a:t>
+              <a:t>%</a:t>
+            </a:r>
+          </a:p>
+          <a:p>
+            <a:pPr lvl="1"/>
+            <a:r>
+              <a:rPr lang="en-US" altLang="ja-JP" dirty="0"/>
+              <a:t>A % B: A</a:t>
             </a:r>
             <a:r>
               <a:rPr lang="ja-JP" altLang="en-US" dirty="0"/>
-              <a:t>おまじない</a:t>
+              <a:t>を</a:t>
             </a:r>
             <a:r>
               <a:rPr lang="en-US" altLang="ja-JP" dirty="0"/>
-              <a:t>)</a:t>
-            </a:r>
-            <a:endParaRPr kumimoji="1" lang="en-US" altLang="ja-JP" dirty="0"/>
+              <a:t>B</a:t>
+            </a:r>
+            <a:r>
+              <a:rPr lang="ja-JP" altLang="en-US" dirty="0"/>
+              <a:t>で割ったあまり</a:t>
+            </a:r>
+            <a:endParaRPr lang="en-US" altLang="ja-JP" dirty="0"/>
+          </a:p>
+          <a:p>
+            <a:pPr lvl="1"/>
+            <a:r>
+              <a:rPr lang="en-US" altLang="ja-JP" dirty="0"/>
+              <a:t>7 % 3 = 1</a:t>
+            </a:r>
           </a:p>
         </p:txBody>
       </p:sp>
     </p:spTree>
     <p:extLst>
       <p:ext uri="{BB962C8B-B14F-4D97-AF65-F5344CB8AC3E}">
-        <p14:creationId xmlns:p14="http://schemas.microsoft.com/office/powerpoint/2010/main" val="2440378548"/>
+        <p14:creationId xmlns:p14="http://schemas.microsoft.com/office/powerpoint/2010/main" val="4272272174"/>
       </p:ext>
     </p:extLst>
   </p:cSld>
@@ -8574,7 +8524,7 @@
           <p:cNvPr id="2" name="タイトル 1">
             <a:extLst>
               <a:ext uri="{FF2B5EF4-FFF2-40B4-BE49-F238E27FC236}">
-                <a16:creationId xmlns:a16="http://schemas.microsoft.com/office/drawing/2014/main" id="{A5E1A5F7-4926-4DEB-B189-47A06F4E0CFC}"/>
+                <a16:creationId xmlns:a16="http://schemas.microsoft.com/office/drawing/2014/main" id="{31DB7719-F059-4061-B84C-AFAB16153E48}"/>
               </a:ext>
             </a:extLst>
           </p:cNvPr>
@@ -8592,7 +8542,7 @@
           <a:p>
             <a:r>
               <a:rPr kumimoji="1" lang="ja-JP" altLang="en-US" dirty="0"/>
-              <a:t>演算</a:t>
+              <a:t>代入演算子</a:t>
             </a:r>
           </a:p>
         </p:txBody>
@@ -8602,7 +8552,7 @@
           <p:cNvPr id="3" name="コンテンツ プレースホルダー 2">
             <a:extLst>
               <a:ext uri="{FF2B5EF4-FFF2-40B4-BE49-F238E27FC236}">
-                <a16:creationId xmlns:a16="http://schemas.microsoft.com/office/drawing/2014/main" id="{5F5CC58A-5BD2-4230-9C2D-BDD560D0E092}"/>
+                <a16:creationId xmlns:a16="http://schemas.microsoft.com/office/drawing/2014/main" id="{167A0537-0109-4D16-97E0-38784ADEAB2D}"/>
               </a:ext>
             </a:extLst>
           </p:cNvPr>
@@ -8613,71 +8563,173 @@
             <p:ph idx="1"/>
           </p:nvPr>
         </p:nvSpPr>
-        <p:spPr/>
-        <p:txBody>
-          <a:bodyPr/>
-          <a:lstStyle/>
-          <a:p>
+        <p:spPr>
+          <a:xfrm>
+            <a:off x="677334" y="2160588"/>
+            <a:ext cx="8596668" cy="4727099"/>
+          </a:xfrm>
+        </p:spPr>
+        <p:txBody>
+          <a:bodyPr>
+            <a:normAutofit/>
+          </a:bodyPr>
+          <a:lstStyle/>
+          <a:p>
+            <a:r>
+              <a:rPr kumimoji="1" lang="en-US" altLang="ja-JP" dirty="0"/>
+              <a:t>int</a:t>
+            </a:r>
+            <a:r>
+              <a:rPr kumimoji="1" lang="ja-JP" altLang="en-US" dirty="0"/>
+              <a:t>型の</a:t>
+            </a:r>
+            <a:r>
+              <a:rPr kumimoji="1" lang="en-US" altLang="ja-JP" dirty="0"/>
+              <a:t>a</a:t>
+            </a:r>
+            <a:r>
+              <a:rPr kumimoji="1" lang="ja-JP" altLang="en-US" dirty="0"/>
+              <a:t>という変数の数値を</a:t>
+            </a:r>
+            <a:r>
+              <a:rPr kumimoji="1" lang="en-US" altLang="ja-JP" dirty="0"/>
+              <a:t>+3</a:t>
+            </a:r>
+            <a:r>
+              <a:rPr kumimoji="1" lang="ja-JP" altLang="en-US" dirty="0"/>
+              <a:t>したい</a:t>
+            </a:r>
+            <a:endParaRPr kumimoji="1" lang="en-US" altLang="ja-JP" dirty="0"/>
+          </a:p>
+          <a:p>
+            <a:endParaRPr lang="en-US" altLang="ja-JP" dirty="0"/>
+          </a:p>
+          <a:p>
+            <a:r>
+              <a:rPr lang="en-US" altLang="ja-JP" dirty="0"/>
+              <a:t>a = a + 3;</a:t>
+            </a:r>
+          </a:p>
+          <a:p>
+            <a:pPr lvl="1"/>
+            <a:r>
+              <a:rPr kumimoji="1" lang="ja-JP" altLang="en-US" dirty="0"/>
+              <a:t>① </a:t>
+            </a:r>
+            <a:r>
+              <a:rPr kumimoji="1" lang="en-US" altLang="ja-JP" dirty="0"/>
+              <a:t>a + 3</a:t>
+            </a:r>
+            <a:r>
+              <a:rPr kumimoji="1" lang="ja-JP" altLang="en-US" dirty="0"/>
+              <a:t>の計算をする</a:t>
+            </a:r>
+            <a:endParaRPr kumimoji="1" lang="en-US" altLang="ja-JP" dirty="0"/>
+          </a:p>
+          <a:p>
+            <a:pPr lvl="1"/>
+            <a:r>
+              <a:rPr kumimoji="1" lang="ja-JP" altLang="en-US" dirty="0"/>
+              <a:t>② </a:t>
+            </a:r>
+            <a:r>
+              <a:rPr kumimoji="1" lang="en-US" altLang="ja-JP" dirty="0"/>
+              <a:t>a</a:t>
+            </a:r>
+            <a:r>
+              <a:rPr kumimoji="1" lang="ja-JP" altLang="en-US" dirty="0"/>
+              <a:t>に計算結果を代入する</a:t>
+            </a:r>
+            <a:endParaRPr kumimoji="1" lang="en-US" altLang="ja-JP" dirty="0"/>
+          </a:p>
+          <a:p>
+            <a:pPr lvl="1"/>
+            <a:endParaRPr lang="en-US" altLang="ja-JP" dirty="0"/>
+          </a:p>
+          <a:p>
+            <a:r>
+              <a:rPr lang="en-US" altLang="ja-JP" dirty="0"/>
+              <a:t>a</a:t>
+            </a:r>
             <a:r>
               <a:rPr lang="ja-JP" altLang="en-US" dirty="0"/>
-              <a:t>四則演算は</a:t>
+              <a:t> </a:t>
             </a:r>
             <a:r>
               <a:rPr lang="en-US" altLang="ja-JP" dirty="0"/>
-              <a:t>+, -, *, /</a:t>
+              <a:t>+=</a:t>
+            </a:r>
+            <a:r>
+              <a:rPr lang="ja-JP" altLang="en-US" dirty="0"/>
+              <a:t> </a:t>
+            </a:r>
+            <a:r>
+              <a:rPr lang="en-US" altLang="ja-JP" dirty="0"/>
+              <a:t>3</a:t>
             </a:r>
           </a:p>
           <a:p>
             <a:pPr lvl="1"/>
             <a:r>
               <a:rPr kumimoji="1" lang="ja-JP" altLang="en-US" dirty="0"/>
-              <a:t>計算順序もいつもと同じ</a:t>
+              <a:t>上だと見にくくなるので</a:t>
+            </a:r>
+            <a:r>
+              <a:rPr kumimoji="1" lang="en-US" altLang="ja-JP" dirty="0"/>
+              <a:t>(-, *, /, %</a:t>
+            </a:r>
+            <a:r>
+              <a:rPr kumimoji="1" lang="ja-JP" altLang="en-US" dirty="0"/>
+              <a:t>も同様</a:t>
+            </a:r>
+            <a:r>
+              <a:rPr kumimoji="1" lang="en-US" altLang="ja-JP" dirty="0"/>
+              <a:t>)</a:t>
+            </a:r>
+          </a:p>
+          <a:p>
+            <a:endParaRPr lang="en-US" altLang="ja-JP" dirty="0"/>
+          </a:p>
+          <a:p>
+            <a:r>
+              <a:rPr kumimoji="1" lang="en-US" altLang="ja-JP" dirty="0"/>
+              <a:t>a++ / a--</a:t>
+            </a:r>
+          </a:p>
+          <a:p>
+            <a:pPr lvl="1"/>
+            <a:r>
+              <a:rPr kumimoji="1" lang="en-US" altLang="ja-JP" dirty="0"/>
+              <a:t>1</a:t>
+            </a:r>
+            <a:r>
+              <a:rPr kumimoji="1" lang="ja-JP" altLang="en-US" dirty="0"/>
+              <a:t>増やす</a:t>
+            </a:r>
+            <a:r>
+              <a:rPr kumimoji="1" lang="en-US" altLang="ja-JP" dirty="0"/>
+              <a:t>/</a:t>
+            </a:r>
+            <a:r>
+              <a:rPr lang="ja-JP" altLang="en-US" dirty="0"/>
+              <a:t>減らすと言うのはめちゃくちゃ使うので別にインクリメント</a:t>
+            </a:r>
+            <a:r>
+              <a:rPr lang="en-US" altLang="ja-JP" dirty="0"/>
+              <a:t>/</a:t>
+            </a:r>
+            <a:r>
+              <a:rPr lang="ja-JP" altLang="en-US" dirty="0"/>
+              <a:t>デクリメントというのがあります</a:t>
             </a:r>
             <a:endParaRPr kumimoji="1" lang="en-US" altLang="ja-JP" dirty="0"/>
-          </a:p>
-          <a:p>
-            <a:r>
-              <a:rPr lang="ja-JP" altLang="en-US" dirty="0"/>
-              <a:t>剰余 </a:t>
-            </a:r>
-            <a:r>
-              <a:rPr lang="en-US" altLang="ja-JP" dirty="0"/>
-              <a:t>%</a:t>
-            </a:r>
-          </a:p>
-          <a:p>
-            <a:pPr lvl="1"/>
-            <a:r>
-              <a:rPr lang="en-US" altLang="ja-JP" dirty="0"/>
-              <a:t>A % B: A</a:t>
-            </a:r>
-            <a:r>
-              <a:rPr lang="ja-JP" altLang="en-US" dirty="0"/>
-              <a:t>を</a:t>
-            </a:r>
-            <a:r>
-              <a:rPr lang="en-US" altLang="ja-JP" dirty="0"/>
-              <a:t>B</a:t>
-            </a:r>
-            <a:r>
-              <a:rPr lang="ja-JP" altLang="en-US" dirty="0"/>
-              <a:t>で割ったあまり</a:t>
-            </a:r>
-            <a:endParaRPr lang="en-US" altLang="ja-JP" dirty="0"/>
-          </a:p>
-          <a:p>
-            <a:pPr lvl="1"/>
-            <a:r>
-              <a:rPr lang="en-US" altLang="ja-JP" dirty="0"/>
-              <a:t>7 % 3 = 1</a:t>
-            </a:r>
           </a:p>
         </p:txBody>
       </p:sp>
     </p:spTree>
     <p:extLst>
       <p:ext uri="{BB962C8B-B14F-4D97-AF65-F5344CB8AC3E}">
-        <p14:creationId xmlns:p14="http://schemas.microsoft.com/office/powerpoint/2010/main" val="4272272174"/>
+        <p14:creationId xmlns:p14="http://schemas.microsoft.com/office/powerpoint/2010/main" val="3939755724"/>
       </p:ext>
     </p:extLst>
   </p:cSld>
@@ -8709,7 +8761,7 @@
           <p:cNvPr id="2" name="タイトル 1">
             <a:extLst>
               <a:ext uri="{FF2B5EF4-FFF2-40B4-BE49-F238E27FC236}">
-                <a16:creationId xmlns:a16="http://schemas.microsoft.com/office/drawing/2014/main" id="{1DB924C2-6128-4356-BA75-C40B1513BC1A}"/>
+                <a16:creationId xmlns:a16="http://schemas.microsoft.com/office/drawing/2014/main" id="{4E1D810D-0A99-4818-93B4-857A417AF58F}"/>
               </a:ext>
             </a:extLst>
           </p:cNvPr>
@@ -8727,7 +8779,7 @@
           <a:p>
             <a:r>
               <a:rPr kumimoji="1" lang="ja-JP" altLang="en-US" dirty="0"/>
-              <a:t>自己紹介</a:t>
+              <a:t>本日の流れ</a:t>
             </a:r>
           </a:p>
         </p:txBody>
@@ -8737,7 +8789,7 @@
           <p:cNvPr id="3" name="コンテンツ プレースホルダー 2">
             <a:extLst>
               <a:ext uri="{FF2B5EF4-FFF2-40B4-BE49-F238E27FC236}">
-                <a16:creationId xmlns:a16="http://schemas.microsoft.com/office/drawing/2014/main" id="{D4B9F600-868D-49CB-AF98-E7870790376C}"/>
+                <a16:creationId xmlns:a16="http://schemas.microsoft.com/office/drawing/2014/main" id="{7D713059-AE93-4D1D-941D-6B962AD79B68}"/>
               </a:ext>
             </a:extLst>
           </p:cNvPr>
@@ -8755,112 +8807,44 @@
           <a:p>
             <a:r>
               <a:rPr lang="ja-JP" altLang="en-US" dirty="0"/>
-              <a:t>氏名</a:t>
-            </a:r>
-            <a:r>
-              <a:rPr lang="en-US" altLang="ja-JP" dirty="0"/>
-              <a:t>:		</a:t>
-            </a:r>
+              <a:t>概論</a:t>
+            </a:r>
+            <a:endParaRPr lang="en-US" altLang="ja-JP" dirty="0"/>
+          </a:p>
+          <a:p>
+            <a:r>
+              <a:rPr kumimoji="1" lang="ja-JP" altLang="en-US" dirty="0"/>
+              <a:t>開発環境の構築</a:t>
+            </a:r>
+            <a:endParaRPr kumimoji="1" lang="en-US" altLang="ja-JP" dirty="0"/>
+          </a:p>
+          <a:p>
             <a:r>
               <a:rPr lang="ja-JP" altLang="en-US" dirty="0"/>
-              <a:t>西村 優希</a:t>
+              <a:t>いちばん簡単なプログラム</a:t>
             </a:r>
             <a:endParaRPr lang="en-US" altLang="ja-JP" dirty="0"/>
           </a:p>
           <a:p>
             <a:r>
-              <a:rPr kumimoji="1" lang="en-US" altLang="ja-JP" dirty="0"/>
-              <a:t>HN:		</a:t>
-            </a:r>
-            <a:r>
               <a:rPr kumimoji="1" lang="ja-JP" altLang="en-US" dirty="0"/>
-              <a:t>和奏</a:t>
-            </a:r>
-            <a:r>
-              <a:rPr kumimoji="1" lang="en-US" altLang="ja-JP" dirty="0"/>
-              <a:t>(</a:t>
-            </a:r>
-            <a:r>
-              <a:rPr kumimoji="1" lang="en-US" altLang="ja-JP" dirty="0" err="1"/>
-              <a:t>Kanade</a:t>
-            </a:r>
-            <a:r>
-              <a:rPr kumimoji="1" lang="en-US" altLang="ja-JP" dirty="0"/>
-              <a:t>)</a:t>
-            </a:r>
+              <a:t>変数</a:t>
+            </a:r>
+            <a:endParaRPr kumimoji="1" lang="en-US" altLang="ja-JP" dirty="0"/>
           </a:p>
           <a:p>
             <a:r>
               <a:rPr lang="ja-JP" altLang="en-US" dirty="0"/>
-              <a:t>所属</a:t>
-            </a:r>
-            <a:r>
-              <a:rPr lang="en-US" altLang="ja-JP" dirty="0"/>
-              <a:t>:		</a:t>
-            </a:r>
-            <a:r>
-              <a:rPr lang="ja-JP" altLang="en-US" dirty="0"/>
-              <a:t>理工学部電気工学科</a:t>
-            </a:r>
-            <a:r>
-              <a:rPr lang="en-US" altLang="ja-JP" dirty="0"/>
-              <a:t>3</a:t>
-            </a:r>
-            <a:r>
-              <a:rPr lang="ja-JP" altLang="en-US" dirty="0"/>
-              <a:t>回</a:t>
-            </a:r>
-            <a:endParaRPr lang="en-US" altLang="ja-JP" dirty="0"/>
-          </a:p>
-          <a:p>
-            <a:r>
-              <a:rPr kumimoji="1" lang="ja-JP" altLang="en-US" dirty="0"/>
-              <a:t>競プロとかいろいろ</a:t>
+              <a:t>演算</a:t>
             </a:r>
             <a:endParaRPr kumimoji="1" lang="en-US" altLang="ja-JP" dirty="0"/>
           </a:p>
         </p:txBody>
       </p:sp>
-      <p:pic>
-        <p:nvPicPr>
-          <p:cNvPr id="5" name="図 4" descr="ロゴ&#10;&#10;自動的に生成された説明">
-            <a:extLst>
-              <a:ext uri="{FF2B5EF4-FFF2-40B4-BE49-F238E27FC236}">
-                <a16:creationId xmlns:a16="http://schemas.microsoft.com/office/drawing/2014/main" id="{577D8325-06F2-4A96-A59B-90083F21FBAB}"/>
-              </a:ext>
-            </a:extLst>
-          </p:cNvPr>
-          <p:cNvPicPr>
-            <a:picLocks noChangeAspect="1"/>
-          </p:cNvPicPr>
-          <p:nvPr/>
-        </p:nvPicPr>
-        <p:blipFill>
-          <a:blip r:embed="rId2">
-            <a:extLst>
-              <a:ext uri="{28A0092B-C50C-407E-A947-70E740481C1C}">
-                <a14:useLocalDpi xmlns:a14="http://schemas.microsoft.com/office/drawing/2010/main" val="0"/>
-              </a:ext>
-            </a:extLst>
-          </a:blip>
-          <a:stretch>
-            <a:fillRect/>
-          </a:stretch>
-        </p:blipFill>
-        <p:spPr>
-          <a:xfrm>
-            <a:off x="8292076" y="2642702"/>
-            <a:ext cx="1458273" cy="1458273"/>
-          </a:xfrm>
-          <a:prstGeom prst="rect">
-            <a:avLst/>
-          </a:prstGeom>
-        </p:spPr>
-      </p:pic>
     </p:spTree>
     <p:extLst>
       <p:ext uri="{BB962C8B-B14F-4D97-AF65-F5344CB8AC3E}">
-        <p14:creationId xmlns:p14="http://schemas.microsoft.com/office/powerpoint/2010/main" val="1741926786"/>
+        <p14:creationId xmlns:p14="http://schemas.microsoft.com/office/powerpoint/2010/main" val="781356563"/>
       </p:ext>
     </p:extLst>
   </p:cSld>
@@ -8892,243 +8876,6 @@
           <p:cNvPr id="2" name="タイトル 1">
             <a:extLst>
               <a:ext uri="{FF2B5EF4-FFF2-40B4-BE49-F238E27FC236}">
-                <a16:creationId xmlns:a16="http://schemas.microsoft.com/office/drawing/2014/main" id="{31DB7719-F059-4061-B84C-AFAB16153E48}"/>
-              </a:ext>
-            </a:extLst>
-          </p:cNvPr>
-          <p:cNvSpPr>
-            <a:spLocks noGrp="1"/>
-          </p:cNvSpPr>
-          <p:nvPr>
-            <p:ph type="title"/>
-          </p:nvPr>
-        </p:nvSpPr>
-        <p:spPr/>
-        <p:txBody>
-          <a:bodyPr/>
-          <a:lstStyle/>
-          <a:p>
-            <a:r>
-              <a:rPr kumimoji="1" lang="ja-JP" altLang="en-US" dirty="0"/>
-              <a:t>代入演算子</a:t>
-            </a:r>
-          </a:p>
-        </p:txBody>
-      </p:sp>
-      <p:sp>
-        <p:nvSpPr>
-          <p:cNvPr id="3" name="コンテンツ プレースホルダー 2">
-            <a:extLst>
-              <a:ext uri="{FF2B5EF4-FFF2-40B4-BE49-F238E27FC236}">
-                <a16:creationId xmlns:a16="http://schemas.microsoft.com/office/drawing/2014/main" id="{167A0537-0109-4D16-97E0-38784ADEAB2D}"/>
-              </a:ext>
-            </a:extLst>
-          </p:cNvPr>
-          <p:cNvSpPr>
-            <a:spLocks noGrp="1"/>
-          </p:cNvSpPr>
-          <p:nvPr>
-            <p:ph idx="1"/>
-          </p:nvPr>
-        </p:nvSpPr>
-        <p:spPr>
-          <a:xfrm>
-            <a:off x="677334" y="2160588"/>
-            <a:ext cx="8596668" cy="4727099"/>
-          </a:xfrm>
-        </p:spPr>
-        <p:txBody>
-          <a:bodyPr>
-            <a:normAutofit/>
-          </a:bodyPr>
-          <a:lstStyle/>
-          <a:p>
-            <a:r>
-              <a:rPr kumimoji="1" lang="en-US" altLang="ja-JP" dirty="0"/>
-              <a:t>int</a:t>
-            </a:r>
-            <a:r>
-              <a:rPr kumimoji="1" lang="ja-JP" altLang="en-US" dirty="0"/>
-              <a:t>型の</a:t>
-            </a:r>
-            <a:r>
-              <a:rPr kumimoji="1" lang="en-US" altLang="ja-JP" dirty="0"/>
-              <a:t>a</a:t>
-            </a:r>
-            <a:r>
-              <a:rPr kumimoji="1" lang="ja-JP" altLang="en-US" dirty="0"/>
-              <a:t>という変数の数値を</a:t>
-            </a:r>
-            <a:r>
-              <a:rPr kumimoji="1" lang="en-US" altLang="ja-JP" dirty="0"/>
-              <a:t>+3</a:t>
-            </a:r>
-            <a:r>
-              <a:rPr kumimoji="1" lang="ja-JP" altLang="en-US" dirty="0"/>
-              <a:t>したい</a:t>
-            </a:r>
-            <a:endParaRPr kumimoji="1" lang="en-US" altLang="ja-JP" dirty="0"/>
-          </a:p>
-          <a:p>
-            <a:endParaRPr lang="en-US" altLang="ja-JP" dirty="0"/>
-          </a:p>
-          <a:p>
-            <a:r>
-              <a:rPr lang="en-US" altLang="ja-JP" dirty="0"/>
-              <a:t>a = a + 3;</a:t>
-            </a:r>
-          </a:p>
-          <a:p>
-            <a:pPr lvl="1"/>
-            <a:r>
-              <a:rPr kumimoji="1" lang="ja-JP" altLang="en-US" dirty="0"/>
-              <a:t>① </a:t>
-            </a:r>
-            <a:r>
-              <a:rPr kumimoji="1" lang="en-US" altLang="ja-JP" dirty="0"/>
-              <a:t>a + 3</a:t>
-            </a:r>
-            <a:r>
-              <a:rPr kumimoji="1" lang="ja-JP" altLang="en-US" dirty="0"/>
-              <a:t>の計算をする</a:t>
-            </a:r>
-            <a:endParaRPr kumimoji="1" lang="en-US" altLang="ja-JP" dirty="0"/>
-          </a:p>
-          <a:p>
-            <a:pPr lvl="1"/>
-            <a:r>
-              <a:rPr kumimoji="1" lang="ja-JP" altLang="en-US" dirty="0"/>
-              <a:t>② </a:t>
-            </a:r>
-            <a:r>
-              <a:rPr kumimoji="1" lang="en-US" altLang="ja-JP" dirty="0"/>
-              <a:t>a</a:t>
-            </a:r>
-            <a:r>
-              <a:rPr kumimoji="1" lang="ja-JP" altLang="en-US" dirty="0"/>
-              <a:t>に計算結果を代入する</a:t>
-            </a:r>
-            <a:endParaRPr kumimoji="1" lang="en-US" altLang="ja-JP" dirty="0"/>
-          </a:p>
-          <a:p>
-            <a:pPr lvl="1"/>
-            <a:endParaRPr lang="en-US" altLang="ja-JP" dirty="0"/>
-          </a:p>
-          <a:p>
-            <a:r>
-              <a:rPr lang="en-US" altLang="ja-JP" dirty="0"/>
-              <a:t>a</a:t>
-            </a:r>
-            <a:r>
-              <a:rPr lang="ja-JP" altLang="en-US" dirty="0"/>
-              <a:t> </a:t>
-            </a:r>
-            <a:r>
-              <a:rPr lang="en-US" altLang="ja-JP" dirty="0"/>
-              <a:t>+=</a:t>
-            </a:r>
-            <a:r>
-              <a:rPr lang="ja-JP" altLang="en-US" dirty="0"/>
-              <a:t> </a:t>
-            </a:r>
-            <a:r>
-              <a:rPr lang="en-US" altLang="ja-JP" dirty="0"/>
-              <a:t>3</a:t>
-            </a:r>
-          </a:p>
-          <a:p>
-            <a:pPr lvl="1"/>
-            <a:r>
-              <a:rPr kumimoji="1" lang="ja-JP" altLang="en-US" dirty="0"/>
-              <a:t>上だと見にくくなるので</a:t>
-            </a:r>
-            <a:r>
-              <a:rPr kumimoji="1" lang="en-US" altLang="ja-JP" dirty="0"/>
-              <a:t>(-, *, /, %</a:t>
-            </a:r>
-            <a:r>
-              <a:rPr kumimoji="1" lang="ja-JP" altLang="en-US" dirty="0"/>
-              <a:t>も同様</a:t>
-            </a:r>
-            <a:r>
-              <a:rPr kumimoji="1" lang="en-US" altLang="ja-JP" dirty="0"/>
-              <a:t>)</a:t>
-            </a:r>
-          </a:p>
-          <a:p>
-            <a:endParaRPr lang="en-US" altLang="ja-JP" dirty="0"/>
-          </a:p>
-          <a:p>
-            <a:r>
-              <a:rPr kumimoji="1" lang="en-US" altLang="ja-JP" dirty="0"/>
-              <a:t>a++ / a--</a:t>
-            </a:r>
-          </a:p>
-          <a:p>
-            <a:pPr lvl="1"/>
-            <a:r>
-              <a:rPr kumimoji="1" lang="en-US" altLang="ja-JP" dirty="0"/>
-              <a:t>1</a:t>
-            </a:r>
-            <a:r>
-              <a:rPr kumimoji="1" lang="ja-JP" altLang="en-US" dirty="0"/>
-              <a:t>増やす</a:t>
-            </a:r>
-            <a:r>
-              <a:rPr kumimoji="1" lang="en-US" altLang="ja-JP" dirty="0"/>
-              <a:t>/</a:t>
-            </a:r>
-            <a:r>
-              <a:rPr lang="ja-JP" altLang="en-US" dirty="0"/>
-              <a:t>減らすと言うのはめちゃくちゃ使うので別にインクリメント</a:t>
-            </a:r>
-            <a:r>
-              <a:rPr lang="en-US" altLang="ja-JP" dirty="0"/>
-              <a:t>/</a:t>
-            </a:r>
-            <a:r>
-              <a:rPr lang="ja-JP" altLang="en-US" dirty="0"/>
-              <a:t>デクリメントというのがあります</a:t>
-            </a:r>
-            <a:endParaRPr kumimoji="1" lang="en-US" altLang="ja-JP" dirty="0"/>
-          </a:p>
-        </p:txBody>
-      </p:sp>
-    </p:spTree>
-    <p:extLst>
-      <p:ext uri="{BB962C8B-B14F-4D97-AF65-F5344CB8AC3E}">
-        <p14:creationId xmlns:p14="http://schemas.microsoft.com/office/powerpoint/2010/main" val="3939755724"/>
-      </p:ext>
-    </p:extLst>
-  </p:cSld>
-  <p:clrMapOvr>
-    <a:masterClrMapping/>
-  </p:clrMapOvr>
-</p:sld>
-</file>
-
-<file path=ppt/slides/slide21.xml><?xml version="1.0" encoding="utf-8"?>
-<p:sld xmlns:a="http://schemas.openxmlformats.org/drawingml/2006/main" xmlns:r="http://schemas.openxmlformats.org/officeDocument/2006/relationships" xmlns:p="http://schemas.openxmlformats.org/presentationml/2006/main">
-  <p:cSld>
-    <p:spTree>
-      <p:nvGrpSpPr>
-        <p:cNvPr id="1" name=""/>
-        <p:cNvGrpSpPr/>
-        <p:nvPr/>
-      </p:nvGrpSpPr>
-      <p:grpSpPr>
-        <a:xfrm>
-          <a:off x="0" y="0"/>
-          <a:ext cx="0" cy="0"/>
-          <a:chOff x="0" y="0"/>
-          <a:chExt cx="0" cy="0"/>
-        </a:xfrm>
-      </p:grpSpPr>
-      <p:sp>
-        <p:nvSpPr>
-          <p:cNvPr id="2" name="タイトル 1">
-            <a:extLst>
-              <a:ext uri="{FF2B5EF4-FFF2-40B4-BE49-F238E27FC236}">
                 <a16:creationId xmlns:a16="http://schemas.microsoft.com/office/drawing/2014/main" id="{E1942261-743F-41E7-BA87-80C19453E07A}"/>
               </a:ext>
             </a:extLst>
@@ -9304,121 +9051,6 @@
 </file>
 
 <file path=ppt/slides/slide3.xml><?xml version="1.0" encoding="utf-8"?>
-<p:sld xmlns:a="http://schemas.openxmlformats.org/drawingml/2006/main" xmlns:r="http://schemas.openxmlformats.org/officeDocument/2006/relationships" xmlns:p="http://schemas.openxmlformats.org/presentationml/2006/main">
-  <p:cSld>
-    <p:spTree>
-      <p:nvGrpSpPr>
-        <p:cNvPr id="1" name=""/>
-        <p:cNvGrpSpPr/>
-        <p:nvPr/>
-      </p:nvGrpSpPr>
-      <p:grpSpPr>
-        <a:xfrm>
-          <a:off x="0" y="0"/>
-          <a:ext cx="0" cy="0"/>
-          <a:chOff x="0" y="0"/>
-          <a:chExt cx="0" cy="0"/>
-        </a:xfrm>
-      </p:grpSpPr>
-      <p:sp>
-        <p:nvSpPr>
-          <p:cNvPr id="2" name="タイトル 1">
-            <a:extLst>
-              <a:ext uri="{FF2B5EF4-FFF2-40B4-BE49-F238E27FC236}">
-                <a16:creationId xmlns:a16="http://schemas.microsoft.com/office/drawing/2014/main" id="{4E1D810D-0A99-4818-93B4-857A417AF58F}"/>
-              </a:ext>
-            </a:extLst>
-          </p:cNvPr>
-          <p:cNvSpPr>
-            <a:spLocks noGrp="1"/>
-          </p:cNvSpPr>
-          <p:nvPr>
-            <p:ph type="title"/>
-          </p:nvPr>
-        </p:nvSpPr>
-        <p:spPr/>
-        <p:txBody>
-          <a:bodyPr/>
-          <a:lstStyle/>
-          <a:p>
-            <a:r>
-              <a:rPr kumimoji="1" lang="ja-JP" altLang="en-US" dirty="0"/>
-              <a:t>本日の流れ</a:t>
-            </a:r>
-          </a:p>
-        </p:txBody>
-      </p:sp>
-      <p:sp>
-        <p:nvSpPr>
-          <p:cNvPr id="3" name="コンテンツ プレースホルダー 2">
-            <a:extLst>
-              <a:ext uri="{FF2B5EF4-FFF2-40B4-BE49-F238E27FC236}">
-                <a16:creationId xmlns:a16="http://schemas.microsoft.com/office/drawing/2014/main" id="{7D713059-AE93-4D1D-941D-6B962AD79B68}"/>
-              </a:ext>
-            </a:extLst>
-          </p:cNvPr>
-          <p:cNvSpPr>
-            <a:spLocks noGrp="1"/>
-          </p:cNvSpPr>
-          <p:nvPr>
-            <p:ph idx="1"/>
-          </p:nvPr>
-        </p:nvSpPr>
-        <p:spPr/>
-        <p:txBody>
-          <a:bodyPr/>
-          <a:lstStyle/>
-          <a:p>
-            <a:r>
-              <a:rPr lang="ja-JP" altLang="en-US" dirty="0"/>
-              <a:t>概論</a:t>
-            </a:r>
-            <a:endParaRPr lang="en-US" altLang="ja-JP" dirty="0"/>
-          </a:p>
-          <a:p>
-            <a:r>
-              <a:rPr kumimoji="1" lang="ja-JP" altLang="en-US" dirty="0"/>
-              <a:t>開発環境の構築</a:t>
-            </a:r>
-            <a:endParaRPr kumimoji="1" lang="en-US" altLang="ja-JP" dirty="0"/>
-          </a:p>
-          <a:p>
-            <a:r>
-              <a:rPr lang="ja-JP" altLang="en-US" dirty="0"/>
-              <a:t>いちばん簡単なプログラム</a:t>
-            </a:r>
-            <a:endParaRPr lang="en-US" altLang="ja-JP" dirty="0"/>
-          </a:p>
-          <a:p>
-            <a:r>
-              <a:rPr kumimoji="1" lang="ja-JP" altLang="en-US" dirty="0"/>
-              <a:t>変数</a:t>
-            </a:r>
-            <a:endParaRPr kumimoji="1" lang="en-US" altLang="ja-JP" dirty="0"/>
-          </a:p>
-          <a:p>
-            <a:r>
-              <a:rPr lang="ja-JP" altLang="en-US" dirty="0"/>
-              <a:t>演算</a:t>
-            </a:r>
-            <a:endParaRPr kumimoji="1" lang="en-US" altLang="ja-JP" dirty="0"/>
-          </a:p>
-        </p:txBody>
-      </p:sp>
-    </p:spTree>
-    <p:extLst>
-      <p:ext uri="{BB962C8B-B14F-4D97-AF65-F5344CB8AC3E}">
-        <p14:creationId xmlns:p14="http://schemas.microsoft.com/office/powerpoint/2010/main" val="781356563"/>
-      </p:ext>
-    </p:extLst>
-  </p:cSld>
-  <p:clrMapOvr>
-    <a:masterClrMapping/>
-  </p:clrMapOvr>
-</p:sld>
-</file>
-
-<file path=ppt/slides/slide4.xml><?xml version="1.0" encoding="utf-8"?>
 <p:sld xmlns:a="http://schemas.openxmlformats.org/drawingml/2006/main" xmlns:r="http://schemas.openxmlformats.org/officeDocument/2006/relationships" xmlns:p="http://schemas.openxmlformats.org/presentationml/2006/main">
   <p:cSld>
     <p:spTree>
@@ -9675,7 +9307,7 @@
 </p:sld>
 </file>
 
-<file path=ppt/slides/slide5.xml><?xml version="1.0" encoding="utf-8"?>
+<file path=ppt/slides/slide4.xml><?xml version="1.0" encoding="utf-8"?>
 <p:sld xmlns:a="http://schemas.openxmlformats.org/drawingml/2006/main" xmlns:r="http://schemas.openxmlformats.org/officeDocument/2006/relationships" xmlns:p="http://schemas.openxmlformats.org/presentationml/2006/main">
   <p:cSld>
     <p:spTree>
@@ -9914,7 +9546,7 @@
 </p:sld>
 </file>
 
-<file path=ppt/slides/slide6.xml><?xml version="1.0" encoding="utf-8"?>
+<file path=ppt/slides/slide5.xml><?xml version="1.0" encoding="utf-8"?>
 <p:sld xmlns:a="http://schemas.openxmlformats.org/drawingml/2006/main" xmlns:r="http://schemas.openxmlformats.org/officeDocument/2006/relationships" xmlns:p="http://schemas.openxmlformats.org/presentationml/2006/main">
   <p:cSld>
     <p:spTree>
@@ -10351,6 +9983,186 @@
 </p:sld>
 </file>
 
+<file path=ppt/slides/slide6.xml><?xml version="1.0" encoding="utf-8"?>
+<p:sld xmlns:a="http://schemas.openxmlformats.org/drawingml/2006/main" xmlns:r="http://schemas.openxmlformats.org/officeDocument/2006/relationships" xmlns:p="http://schemas.openxmlformats.org/presentationml/2006/main">
+  <p:cSld>
+    <p:spTree>
+      <p:nvGrpSpPr>
+        <p:cNvPr id="1" name=""/>
+        <p:cNvGrpSpPr/>
+        <p:nvPr/>
+      </p:nvGrpSpPr>
+      <p:grpSpPr>
+        <a:xfrm>
+          <a:off x="0" y="0"/>
+          <a:ext cx="0" cy="0"/>
+          <a:chOff x="0" y="0"/>
+          <a:chExt cx="0" cy="0"/>
+        </a:xfrm>
+      </p:grpSpPr>
+      <p:sp>
+        <p:nvSpPr>
+          <p:cNvPr id="2" name="タイトル 1">
+            <a:extLst>
+              <a:ext uri="{FF2B5EF4-FFF2-40B4-BE49-F238E27FC236}">
+                <a16:creationId xmlns:a16="http://schemas.microsoft.com/office/drawing/2014/main" id="{6D6E5EDD-7AB8-46C8-8E97-32B8DB0CCC40}"/>
+              </a:ext>
+            </a:extLst>
+          </p:cNvPr>
+          <p:cNvSpPr>
+            <a:spLocks noGrp="1"/>
+          </p:cNvSpPr>
+          <p:nvPr>
+            <p:ph type="title"/>
+          </p:nvPr>
+        </p:nvSpPr>
+        <p:spPr/>
+        <p:txBody>
+          <a:bodyPr/>
+          <a:lstStyle/>
+          <a:p>
+            <a:r>
+              <a:rPr kumimoji="1" lang="ja-JP" altLang="en-US" dirty="0"/>
+              <a:t>プログラミング言語の歴史</a:t>
+            </a:r>
+          </a:p>
+        </p:txBody>
+      </p:sp>
+      <p:sp>
+        <p:nvSpPr>
+          <p:cNvPr id="3" name="コンテンツ プレースホルダー 2">
+            <a:extLst>
+              <a:ext uri="{FF2B5EF4-FFF2-40B4-BE49-F238E27FC236}">
+                <a16:creationId xmlns:a16="http://schemas.microsoft.com/office/drawing/2014/main" id="{5003E081-6CAA-4173-B3D7-FD06557D8D5F}"/>
+              </a:ext>
+            </a:extLst>
+          </p:cNvPr>
+          <p:cNvSpPr>
+            <a:spLocks noGrp="1"/>
+          </p:cNvSpPr>
+          <p:nvPr>
+            <p:ph idx="1"/>
+          </p:nvPr>
+        </p:nvSpPr>
+        <p:spPr/>
+        <p:txBody>
+          <a:bodyPr/>
+          <a:lstStyle/>
+          <a:p>
+            <a:r>
+              <a:rPr kumimoji="1" lang="en-US" altLang="ja-JP" dirty="0"/>
+              <a:t>1960</a:t>
+            </a:r>
+            <a:r>
+              <a:rPr kumimoji="1" lang="ja-JP" altLang="en-US" dirty="0"/>
+              <a:t>年代</a:t>
+            </a:r>
+            <a:r>
+              <a:rPr kumimoji="1" lang="en-US" altLang="ja-JP" dirty="0"/>
+              <a:t>:	FORTRAN</a:t>
+            </a:r>
+            <a:r>
+              <a:rPr lang="en-US" altLang="ja-JP" dirty="0"/>
+              <a:t>,</a:t>
+            </a:r>
+            <a:r>
+              <a:rPr lang="ja-JP" altLang="en-US" dirty="0"/>
+              <a:t> </a:t>
+            </a:r>
+            <a:r>
+              <a:rPr lang="en-US" altLang="ja-JP" dirty="0"/>
+              <a:t>COBOL</a:t>
+            </a:r>
+          </a:p>
+          <a:p>
+            <a:r>
+              <a:rPr kumimoji="1" lang="en-US" altLang="ja-JP" dirty="0"/>
+              <a:t>1970</a:t>
+            </a:r>
+            <a:r>
+              <a:rPr kumimoji="1" lang="ja-JP" altLang="en-US" dirty="0"/>
+              <a:t>年代</a:t>
+            </a:r>
+            <a:r>
+              <a:rPr lang="en-US" altLang="ja-JP" dirty="0"/>
+              <a:t>:	B</a:t>
+            </a:r>
+            <a:r>
+              <a:rPr lang="ja-JP" altLang="en-US" dirty="0"/>
+              <a:t>言語、</a:t>
+            </a:r>
+            <a:r>
+              <a:rPr lang="en-US" altLang="ja-JP" dirty="0"/>
+              <a:t>C</a:t>
+            </a:r>
+            <a:r>
+              <a:rPr lang="ja-JP" altLang="en-US" dirty="0"/>
+              <a:t>言語</a:t>
+            </a:r>
+            <a:endParaRPr lang="en-US" altLang="ja-JP" dirty="0"/>
+          </a:p>
+          <a:p>
+            <a:r>
+              <a:rPr kumimoji="1" lang="en-US" altLang="ja-JP" dirty="0"/>
+              <a:t>1983:		C++</a:t>
+            </a:r>
+          </a:p>
+          <a:p>
+            <a:r>
+              <a:rPr lang="en-US" altLang="ja-JP" dirty="0"/>
+              <a:t>1987:		Perl</a:t>
+            </a:r>
+          </a:p>
+          <a:p>
+            <a:r>
+              <a:rPr kumimoji="1" lang="en-US" altLang="ja-JP" dirty="0"/>
+              <a:t>1990:		Python</a:t>
+            </a:r>
+          </a:p>
+          <a:p>
+            <a:r>
+              <a:rPr lang="en-US" altLang="ja-JP" dirty="0"/>
+              <a:t>1995:		Ruby	</a:t>
+            </a:r>
+            <a:r>
+              <a:rPr lang="ja-JP" altLang="en-US" dirty="0"/>
+              <a:t>←国内初のプログラミング言語</a:t>
+            </a:r>
+            <a:endParaRPr lang="en-US" altLang="ja-JP" dirty="0"/>
+          </a:p>
+          <a:p>
+            <a:r>
+              <a:rPr kumimoji="1" lang="en-US" altLang="ja-JP" dirty="0"/>
+              <a:t>1997:		JavaScript</a:t>
+            </a:r>
+          </a:p>
+          <a:p>
+            <a:r>
+              <a:rPr lang="en-US" altLang="ja-JP" dirty="0"/>
+              <a:t>2002:		C#</a:t>
+            </a:r>
+          </a:p>
+          <a:p>
+            <a:r>
+              <a:rPr kumimoji="1" lang="en-US" altLang="ja-JP" dirty="0"/>
+              <a:t>2009:		Go</a:t>
+            </a:r>
+          </a:p>
+        </p:txBody>
+      </p:sp>
+    </p:spTree>
+    <p:extLst>
+      <p:ext uri="{BB962C8B-B14F-4D97-AF65-F5344CB8AC3E}">
+        <p14:creationId xmlns:p14="http://schemas.microsoft.com/office/powerpoint/2010/main" val="1890755666"/>
+      </p:ext>
+    </p:extLst>
+  </p:cSld>
+  <p:clrMapOvr>
+    <a:masterClrMapping/>
+  </p:clrMapOvr>
+</p:sld>
+</file>
+
 <file path=ppt/slides/slide7.xml><?xml version="1.0" encoding="utf-8"?>
 <p:sld xmlns:a="http://schemas.openxmlformats.org/drawingml/2006/main" xmlns:r="http://schemas.openxmlformats.org/officeDocument/2006/relationships" xmlns:p="http://schemas.openxmlformats.org/presentationml/2006/main">
   <p:cSld>
@@ -10373,186 +10185,6 @@
           <p:cNvPr id="2" name="タイトル 1">
             <a:extLst>
               <a:ext uri="{FF2B5EF4-FFF2-40B4-BE49-F238E27FC236}">
-                <a16:creationId xmlns:a16="http://schemas.microsoft.com/office/drawing/2014/main" id="{6D6E5EDD-7AB8-46C8-8E97-32B8DB0CCC40}"/>
-              </a:ext>
-            </a:extLst>
-          </p:cNvPr>
-          <p:cNvSpPr>
-            <a:spLocks noGrp="1"/>
-          </p:cNvSpPr>
-          <p:nvPr>
-            <p:ph type="title"/>
-          </p:nvPr>
-        </p:nvSpPr>
-        <p:spPr/>
-        <p:txBody>
-          <a:bodyPr/>
-          <a:lstStyle/>
-          <a:p>
-            <a:r>
-              <a:rPr kumimoji="1" lang="ja-JP" altLang="en-US" dirty="0"/>
-              <a:t>プログラミング言語の歴史</a:t>
-            </a:r>
-          </a:p>
-        </p:txBody>
-      </p:sp>
-      <p:sp>
-        <p:nvSpPr>
-          <p:cNvPr id="3" name="コンテンツ プレースホルダー 2">
-            <a:extLst>
-              <a:ext uri="{FF2B5EF4-FFF2-40B4-BE49-F238E27FC236}">
-                <a16:creationId xmlns:a16="http://schemas.microsoft.com/office/drawing/2014/main" id="{5003E081-6CAA-4173-B3D7-FD06557D8D5F}"/>
-              </a:ext>
-            </a:extLst>
-          </p:cNvPr>
-          <p:cNvSpPr>
-            <a:spLocks noGrp="1"/>
-          </p:cNvSpPr>
-          <p:nvPr>
-            <p:ph idx="1"/>
-          </p:nvPr>
-        </p:nvSpPr>
-        <p:spPr/>
-        <p:txBody>
-          <a:bodyPr/>
-          <a:lstStyle/>
-          <a:p>
-            <a:r>
-              <a:rPr kumimoji="1" lang="en-US" altLang="ja-JP" dirty="0"/>
-              <a:t>1960</a:t>
-            </a:r>
-            <a:r>
-              <a:rPr kumimoji="1" lang="ja-JP" altLang="en-US" dirty="0"/>
-              <a:t>年代</a:t>
-            </a:r>
-            <a:r>
-              <a:rPr kumimoji="1" lang="en-US" altLang="ja-JP" dirty="0"/>
-              <a:t>:	FORTRAN</a:t>
-            </a:r>
-            <a:r>
-              <a:rPr lang="en-US" altLang="ja-JP" dirty="0"/>
-              <a:t>,</a:t>
-            </a:r>
-            <a:r>
-              <a:rPr lang="ja-JP" altLang="en-US" dirty="0"/>
-              <a:t> </a:t>
-            </a:r>
-            <a:r>
-              <a:rPr lang="en-US" altLang="ja-JP" dirty="0"/>
-              <a:t>COBOL</a:t>
-            </a:r>
-          </a:p>
-          <a:p>
-            <a:r>
-              <a:rPr kumimoji="1" lang="en-US" altLang="ja-JP" dirty="0"/>
-              <a:t>1970</a:t>
-            </a:r>
-            <a:r>
-              <a:rPr kumimoji="1" lang="ja-JP" altLang="en-US" dirty="0"/>
-              <a:t>年代</a:t>
-            </a:r>
-            <a:r>
-              <a:rPr lang="en-US" altLang="ja-JP" dirty="0"/>
-              <a:t>:	B</a:t>
-            </a:r>
-            <a:r>
-              <a:rPr lang="ja-JP" altLang="en-US" dirty="0"/>
-              <a:t>言語、</a:t>
-            </a:r>
-            <a:r>
-              <a:rPr lang="en-US" altLang="ja-JP" dirty="0"/>
-              <a:t>C</a:t>
-            </a:r>
-            <a:r>
-              <a:rPr lang="ja-JP" altLang="en-US" dirty="0"/>
-              <a:t>言語</a:t>
-            </a:r>
-            <a:endParaRPr lang="en-US" altLang="ja-JP" dirty="0"/>
-          </a:p>
-          <a:p>
-            <a:r>
-              <a:rPr kumimoji="1" lang="en-US" altLang="ja-JP" dirty="0"/>
-              <a:t>1983:		C++</a:t>
-            </a:r>
-          </a:p>
-          <a:p>
-            <a:r>
-              <a:rPr lang="en-US" altLang="ja-JP" dirty="0"/>
-              <a:t>1987:		Perl</a:t>
-            </a:r>
-          </a:p>
-          <a:p>
-            <a:r>
-              <a:rPr kumimoji="1" lang="en-US" altLang="ja-JP" dirty="0"/>
-              <a:t>1990:		Python</a:t>
-            </a:r>
-          </a:p>
-          <a:p>
-            <a:r>
-              <a:rPr lang="en-US" altLang="ja-JP" dirty="0"/>
-              <a:t>1995:		Ruby	</a:t>
-            </a:r>
-            <a:r>
-              <a:rPr lang="ja-JP" altLang="en-US" dirty="0"/>
-              <a:t>←国内初のプログラミング言語</a:t>
-            </a:r>
-            <a:endParaRPr lang="en-US" altLang="ja-JP" dirty="0"/>
-          </a:p>
-          <a:p>
-            <a:r>
-              <a:rPr kumimoji="1" lang="en-US" altLang="ja-JP" dirty="0"/>
-              <a:t>1997:		JavaScript</a:t>
-            </a:r>
-          </a:p>
-          <a:p>
-            <a:r>
-              <a:rPr lang="en-US" altLang="ja-JP" dirty="0"/>
-              <a:t>2002:		C#</a:t>
-            </a:r>
-          </a:p>
-          <a:p>
-            <a:r>
-              <a:rPr kumimoji="1" lang="en-US" altLang="ja-JP" dirty="0"/>
-              <a:t>2009:		Go</a:t>
-            </a:r>
-          </a:p>
-        </p:txBody>
-      </p:sp>
-    </p:spTree>
-    <p:extLst>
-      <p:ext uri="{BB962C8B-B14F-4D97-AF65-F5344CB8AC3E}">
-        <p14:creationId xmlns:p14="http://schemas.microsoft.com/office/powerpoint/2010/main" val="1890755666"/>
-      </p:ext>
-    </p:extLst>
-  </p:cSld>
-  <p:clrMapOvr>
-    <a:masterClrMapping/>
-  </p:clrMapOvr>
-</p:sld>
-</file>
-
-<file path=ppt/slides/slide8.xml><?xml version="1.0" encoding="utf-8"?>
-<p:sld xmlns:a="http://schemas.openxmlformats.org/drawingml/2006/main" xmlns:r="http://schemas.openxmlformats.org/officeDocument/2006/relationships" xmlns:p="http://schemas.openxmlformats.org/presentationml/2006/main">
-  <p:cSld>
-    <p:spTree>
-      <p:nvGrpSpPr>
-        <p:cNvPr id="1" name=""/>
-        <p:cNvGrpSpPr/>
-        <p:nvPr/>
-      </p:nvGrpSpPr>
-      <p:grpSpPr>
-        <a:xfrm>
-          <a:off x="0" y="0"/>
-          <a:ext cx="0" cy="0"/>
-          <a:chOff x="0" y="0"/>
-          <a:chExt cx="0" cy="0"/>
-        </a:xfrm>
-      </p:grpSpPr>
-      <p:sp>
-        <p:nvSpPr>
-          <p:cNvPr id="2" name="タイトル 1">
-            <a:extLst>
-              <a:ext uri="{FF2B5EF4-FFF2-40B4-BE49-F238E27FC236}">
                 <a16:creationId xmlns:a16="http://schemas.microsoft.com/office/drawing/2014/main" id="{F67D7BB4-3D44-4921-9153-D1D54947270A}"/>
               </a:ext>
             </a:extLst>
@@ -10638,7 +10270,7 @@
 </p:sld>
 </file>
 
-<file path=ppt/slides/slide9.xml><?xml version="1.0" encoding="utf-8"?>
+<file path=ppt/slides/slide8.xml><?xml version="1.0" encoding="utf-8"?>
 <p:sld xmlns:a="http://schemas.openxmlformats.org/drawingml/2006/main" xmlns:r="http://schemas.openxmlformats.org/officeDocument/2006/relationships" xmlns:p="http://schemas.openxmlformats.org/presentationml/2006/main">
   <p:cSld>
     <p:spTree>
@@ -10811,6 +10443,252 @@
     <p:extLst>
       <p:ext uri="{BB962C8B-B14F-4D97-AF65-F5344CB8AC3E}">
         <p14:creationId xmlns:p14="http://schemas.microsoft.com/office/powerpoint/2010/main" val="4111925139"/>
+      </p:ext>
+    </p:extLst>
+  </p:cSld>
+  <p:clrMapOvr>
+    <a:masterClrMapping/>
+  </p:clrMapOvr>
+</p:sld>
+</file>
+
+<file path=ppt/slides/slide9.xml><?xml version="1.0" encoding="utf-8"?>
+<p:sld xmlns:a="http://schemas.openxmlformats.org/drawingml/2006/main" xmlns:r="http://schemas.openxmlformats.org/officeDocument/2006/relationships" xmlns:p="http://schemas.openxmlformats.org/presentationml/2006/main">
+  <p:cSld>
+    <p:spTree>
+      <p:nvGrpSpPr>
+        <p:cNvPr id="1" name=""/>
+        <p:cNvGrpSpPr/>
+        <p:nvPr/>
+      </p:nvGrpSpPr>
+      <p:grpSpPr>
+        <a:xfrm>
+          <a:off x="0" y="0"/>
+          <a:ext cx="0" cy="0"/>
+          <a:chOff x="0" y="0"/>
+          <a:chExt cx="0" cy="0"/>
+        </a:xfrm>
+      </p:grpSpPr>
+      <p:sp>
+        <p:nvSpPr>
+          <p:cNvPr id="2" name="タイトル 1">
+            <a:extLst>
+              <a:ext uri="{FF2B5EF4-FFF2-40B4-BE49-F238E27FC236}">
+                <a16:creationId xmlns:a16="http://schemas.microsoft.com/office/drawing/2014/main" id="{58E53E00-00A7-4A3B-B54A-11C979702F9C}"/>
+              </a:ext>
+            </a:extLst>
+          </p:cNvPr>
+          <p:cNvSpPr>
+            <a:spLocks noGrp="1"/>
+          </p:cNvSpPr>
+          <p:nvPr>
+            <p:ph type="title"/>
+          </p:nvPr>
+        </p:nvSpPr>
+        <p:spPr/>
+        <p:txBody>
+          <a:bodyPr/>
+          <a:lstStyle/>
+          <a:p>
+            <a:r>
+              <a:rPr kumimoji="1" lang="ja-JP" altLang="en-US" dirty="0"/>
+              <a:t>では早速やっていきましょう</a:t>
+            </a:r>
+          </a:p>
+        </p:txBody>
+      </p:sp>
+      <p:sp>
+        <p:nvSpPr>
+          <p:cNvPr id="3" name="コンテンツ プレースホルダー 2">
+            <a:extLst>
+              <a:ext uri="{FF2B5EF4-FFF2-40B4-BE49-F238E27FC236}">
+                <a16:creationId xmlns:a16="http://schemas.microsoft.com/office/drawing/2014/main" id="{A73E6E66-50EA-4CE3-BCA6-7A03BC294D6B}"/>
+              </a:ext>
+            </a:extLst>
+          </p:cNvPr>
+          <p:cNvSpPr>
+            <a:spLocks noGrp="1"/>
+          </p:cNvSpPr>
+          <p:nvPr>
+            <p:ph idx="1"/>
+          </p:nvPr>
+        </p:nvSpPr>
+        <p:spPr/>
+        <p:txBody>
+          <a:bodyPr/>
+          <a:lstStyle/>
+          <a:p>
+            <a:r>
+              <a:rPr kumimoji="1" lang="ja-JP" altLang="en-US" dirty="0"/>
+              <a:t>と言いたいんですがまずはそのための環境を整えます</a:t>
+            </a:r>
+            <a:endParaRPr kumimoji="1" lang="en-US" altLang="ja-JP" dirty="0"/>
+          </a:p>
+          <a:p>
+            <a:r>
+              <a:rPr lang="en-US" altLang="ja-JP" dirty="0" err="1"/>
+              <a:t>gcc</a:t>
+            </a:r>
+            <a:r>
+              <a:rPr lang="en-US" altLang="ja-JP" dirty="0"/>
+              <a:t>(</a:t>
+            </a:r>
+            <a:r>
+              <a:rPr lang="ja-JP" altLang="en-US" dirty="0"/>
+              <a:t>コンパイラ</a:t>
+            </a:r>
+            <a:r>
+              <a:rPr lang="en-US" altLang="ja-JP" dirty="0"/>
+              <a:t>)</a:t>
+            </a:r>
+            <a:r>
+              <a:rPr lang="ja-JP" altLang="en-US" dirty="0"/>
+              <a:t>のインストール</a:t>
+            </a:r>
+            <a:r>
+              <a:rPr lang="en-US" altLang="ja-JP" dirty="0"/>
+              <a:t>(Win)</a:t>
+            </a:r>
+            <a:endParaRPr lang="en-US" altLang="ja-JP" b="0" i="0" dirty="0">
+              <a:effectLst/>
+              <a:latin typeface="Meiryo" panose="020B0604030504040204" pitchFamily="50" charset="-128"/>
+              <a:ea typeface="Meiryo" panose="020B0604030504040204" pitchFamily="50" charset="-128"/>
+              <a:hlinkClick r:id="rId2"/>
+            </a:endParaRPr>
+          </a:p>
+          <a:p>
+            <a:pPr lvl="1"/>
+            <a:r>
+              <a:rPr lang="en-US" altLang="ja-JP" b="0" i="0" dirty="0">
+                <a:effectLst/>
+                <a:latin typeface="Meiryo" panose="020B0604030504040204" pitchFamily="50" charset="-128"/>
+                <a:ea typeface="Meiryo" panose="020B0604030504040204" pitchFamily="50" charset="-128"/>
+                <a:hlinkClick r:id="rId2"/>
+              </a:rPr>
+              <a:t>MinGW-w64 - for 32 and 64 bit Windows</a:t>
+            </a:r>
+            <a:endParaRPr lang="en-US" altLang="ja-JP" b="0" i="0" dirty="0">
+              <a:effectLst/>
+              <a:latin typeface="Meiryo" panose="020B0604030504040204" pitchFamily="50" charset="-128"/>
+              <a:ea typeface="Meiryo" panose="020B0604030504040204" pitchFamily="50" charset="-128"/>
+            </a:endParaRPr>
+          </a:p>
+          <a:p>
+            <a:pPr lvl="1"/>
+            <a:r>
+              <a:rPr kumimoji="1" lang="en-US" altLang="ja-JP" dirty="0">
+                <a:latin typeface="Meiryo" panose="020B0604030504040204" pitchFamily="50" charset="-128"/>
+                <a:ea typeface="Meiryo" panose="020B0604030504040204" pitchFamily="50" charset="-128"/>
+              </a:rPr>
+              <a:t>OS</a:t>
+            </a:r>
+            <a:r>
+              <a:rPr kumimoji="1" lang="ja-JP" altLang="en-US" dirty="0">
+                <a:latin typeface="Meiryo" panose="020B0604030504040204" pitchFamily="50" charset="-128"/>
+                <a:ea typeface="Meiryo" panose="020B0604030504040204" pitchFamily="50" charset="-128"/>
+              </a:rPr>
+              <a:t>が</a:t>
+            </a:r>
+            <a:r>
+              <a:rPr kumimoji="1" lang="en-US" altLang="ja-JP" dirty="0">
+                <a:latin typeface="Meiryo" panose="020B0604030504040204" pitchFamily="50" charset="-128"/>
+                <a:ea typeface="Meiryo" panose="020B0604030504040204" pitchFamily="50" charset="-128"/>
+              </a:rPr>
+              <a:t>64bit</a:t>
+            </a:r>
+            <a:r>
+              <a:rPr kumimoji="1" lang="ja-JP" altLang="en-US" dirty="0">
+                <a:latin typeface="Meiryo" panose="020B0604030504040204" pitchFamily="50" charset="-128"/>
+                <a:ea typeface="Meiryo" panose="020B0604030504040204" pitchFamily="50" charset="-128"/>
+              </a:rPr>
+              <a:t>の場合は</a:t>
+            </a:r>
+            <a:r>
+              <a:rPr kumimoji="1" lang="en-US" altLang="ja-JP" dirty="0">
+                <a:latin typeface="Meiryo" panose="020B0604030504040204" pitchFamily="50" charset="-128"/>
+                <a:ea typeface="Meiryo" panose="020B0604030504040204" pitchFamily="50" charset="-128"/>
+              </a:rPr>
+              <a:t>x86_64</a:t>
+            </a:r>
+            <a:r>
+              <a:rPr kumimoji="1" lang="ja-JP" altLang="en-US" dirty="0">
+                <a:latin typeface="Meiryo" panose="020B0604030504040204" pitchFamily="50" charset="-128"/>
+                <a:ea typeface="Meiryo" panose="020B0604030504040204" pitchFamily="50" charset="-128"/>
+              </a:rPr>
+              <a:t>、</a:t>
+            </a:r>
+            <a:r>
+              <a:rPr kumimoji="1" lang="en-US" altLang="ja-JP" dirty="0">
+                <a:latin typeface="Meiryo" panose="020B0604030504040204" pitchFamily="50" charset="-128"/>
+                <a:ea typeface="Meiryo" panose="020B0604030504040204" pitchFamily="50" charset="-128"/>
+              </a:rPr>
+              <a:t>32bit</a:t>
+            </a:r>
+            <a:r>
+              <a:rPr kumimoji="1" lang="ja-JP" altLang="en-US" dirty="0">
+                <a:latin typeface="Meiryo" panose="020B0604030504040204" pitchFamily="50" charset="-128"/>
+                <a:ea typeface="Meiryo" panose="020B0604030504040204" pitchFamily="50" charset="-128"/>
+              </a:rPr>
+              <a:t>のばあいは</a:t>
+            </a:r>
+            <a:r>
+              <a:rPr kumimoji="1" lang="en-US" altLang="ja-JP" dirty="0">
+                <a:latin typeface="Meiryo" panose="020B0604030504040204" pitchFamily="50" charset="-128"/>
+                <a:ea typeface="Meiryo" panose="020B0604030504040204" pitchFamily="50" charset="-128"/>
+              </a:rPr>
+              <a:t>i686</a:t>
+            </a:r>
+            <a:r>
+              <a:rPr kumimoji="1" lang="ja-JP" altLang="en-US" dirty="0">
+                <a:latin typeface="Meiryo" panose="020B0604030504040204" pitchFamily="50" charset="-128"/>
+                <a:ea typeface="Meiryo" panose="020B0604030504040204" pitchFamily="50" charset="-128"/>
+              </a:rPr>
+              <a:t>を選択</a:t>
+            </a:r>
+            <a:endParaRPr lang="en-US" altLang="ja-JP" dirty="0">
+              <a:latin typeface="Meiryo" panose="020B0604030504040204" pitchFamily="50" charset="-128"/>
+              <a:ea typeface="Meiryo" panose="020B0604030504040204" pitchFamily="50" charset="-128"/>
+            </a:endParaRPr>
+          </a:p>
+          <a:p>
+            <a:r>
+              <a:rPr kumimoji="1" lang="en-US" altLang="ja-JP" dirty="0" err="1">
+                <a:latin typeface="Meiryo" panose="020B0604030504040204" pitchFamily="50" charset="-128"/>
+                <a:ea typeface="Meiryo" panose="020B0604030504040204" pitchFamily="50" charset="-128"/>
+              </a:rPr>
+              <a:t>VSCode</a:t>
+            </a:r>
+            <a:r>
+              <a:rPr kumimoji="1" lang="ja-JP" altLang="en-US" dirty="0">
+                <a:latin typeface="Meiryo" panose="020B0604030504040204" pitchFamily="50" charset="-128"/>
+                <a:ea typeface="Meiryo" panose="020B0604030504040204" pitchFamily="50" charset="-128"/>
+              </a:rPr>
+              <a:t>もインストールしておきましょう</a:t>
+            </a:r>
+            <a:endParaRPr kumimoji="1" lang="en-US" altLang="ja-JP" dirty="0">
+              <a:latin typeface="Meiryo" panose="020B0604030504040204" pitchFamily="50" charset="-128"/>
+              <a:ea typeface="Meiryo" panose="020B0604030504040204" pitchFamily="50" charset="-128"/>
+            </a:endParaRPr>
+          </a:p>
+          <a:p>
+            <a:pPr lvl="1"/>
+            <a:r>
+              <a:rPr kumimoji="1" lang="en-US" altLang="ja-JP" dirty="0">
+                <a:latin typeface="Meiryo" panose="020B0604030504040204" pitchFamily="50" charset="-128"/>
+                <a:ea typeface="Meiryo" panose="020B0604030504040204" pitchFamily="50" charset="-128"/>
+              </a:rPr>
+              <a:t>https://code.visualstudio.com/download</a:t>
+            </a:r>
+          </a:p>
+          <a:p>
+            <a:endParaRPr kumimoji="1" lang="ja-JP" altLang="en-US" dirty="0"/>
+          </a:p>
+        </p:txBody>
+      </p:sp>
+    </p:spTree>
+    <p:extLst>
+      <p:ext uri="{BB962C8B-B14F-4D97-AF65-F5344CB8AC3E}">
+        <p14:creationId xmlns:p14="http://schemas.microsoft.com/office/powerpoint/2010/main" val="4186084159"/>
       </p:ext>
     </p:extLst>
   </p:cSld>
